--- a/papers/CYB110/Module 8 - Human Security.pptx
+++ b/papers/CYB110/Module 8 - Human Security.pptx
@@ -46,16 +46,18 @@
     <p:sldId id="289" r:id="rId41"/>
     <p:sldId id="290" r:id="rId42"/>
     <p:sldId id="291" r:id="rId43"/>
+    <p:sldId id="292" r:id="rId44"/>
+    <p:sldId id="293" r:id="rId45"/>
   </p:sldIdLst>
   <p:sldSz cy="5143500" cx="9144000"/>
   <p:notesSz cx="6858000" cy="9144000"/>
   <p:embeddedFontLst>
     <p:embeddedFont>
       <p:font typeface="Helvetica Neue"/>
-      <p:regular r:id="rId44"/>
-      <p:bold r:id="rId45"/>
-      <p:italic r:id="rId46"/>
-      <p:boldItalic r:id="rId47"/>
+      <p:regular r:id="rId46"/>
+      <p:bold r:id="rId47"/>
+      <p:italic r:id="rId48"/>
+      <p:boldItalic r:id="rId49"/>
     </p:embeddedFont>
   </p:embeddedFontLst>
   <p:defaultTextStyle>
@@ -313,7 +315,7 @@
       </p15:sldGuideLst>
     </p:ext>
     <p:ext uri="http://customooxmlschemas.google.com/">
-      <go:slidesCustomData xmlns:go="http://customooxmlschemas.google.com/" r:id="rId48" roundtripDataSignature="AMtx7mjj/y4ibG9nlTozs9ewkHrabZBgcQ=="/>
+      <go:slidesCustomData xmlns:go="http://customooxmlschemas.google.com/" r:id="rId50" roundtripDataSignature="AMtx7mg/fufDwaVzq4uIxbXFwHfflh16Iw=="/>
     </p:ext>
   </p:extLst>
 </p:presentation>
@@ -2847,6 +2849,45 @@
       <p:sp>
         <p:nvSpPr>
           <p:cNvPr id="188" name="Google Shape;188;p19:notes"/>
+          <p:cNvSpPr txBox="1"/>
+          <p:nvPr>
+            <p:ph idx="1" type="body"/>
+          </p:nvPr>
+        </p:nvSpPr>
+        <p:spPr>
+          <a:xfrm>
+            <a:off x="685800" y="4400550"/>
+            <a:ext cx="5486400" cy="3600450"/>
+          </a:xfrm>
+          <a:prstGeom prst="rect">
+            <a:avLst/>
+          </a:prstGeom>
+        </p:spPr>
+        <p:txBody>
+          <a:bodyPr anchorCtr="0" anchor="t" bIns="45700" lIns="91425" spcFirstLastPara="1" rIns="91425" wrap="square" tIns="45700">
+            <a:noAutofit/>
+          </a:bodyPr>
+          <a:lstStyle/>
+          <a:p>
+            <a:pPr indent="0" lvl="0" marL="0" rtl="0" algn="l">
+              <a:spcBef>
+                <a:spcPts val="0"/>
+              </a:spcBef>
+              <a:spcAft>
+                <a:spcPts val="0"/>
+              </a:spcAft>
+              <a:buNone/>
+            </a:pPr>
+            <a:r>
+              <a:t/>
+            </a:r>
+            <a:endParaRPr/>
+          </a:p>
+        </p:txBody>
+      </p:sp>
+      <p:sp>
+        <p:nvSpPr>
+          <p:cNvPr id="189" name="Google Shape;189;p19:notes"/>
           <p:cNvSpPr/>
           <p:nvPr>
             <p:ph idx="2" type="sldImg"/>
@@ -2877,121 +2918,7 @@
               </a:path>
             </a:pathLst>
           </a:custGeom>
-          <a:noFill/>
-          <a:ln cap="flat" cmpd="sng" w="12700">
-            <a:solidFill>
-              <a:srgbClr val="000000"/>
-            </a:solidFill>
-            <a:prstDash val="solid"/>
-            <a:round/>
-            <a:headEnd len="sm" w="sm" type="none"/>
-            <a:tailEnd len="sm" w="sm" type="none"/>
-          </a:ln>
         </p:spPr>
-      </p:sp>
-      <p:sp>
-        <p:nvSpPr>
-          <p:cNvPr id="189" name="Google Shape;189;p19:notes"/>
-          <p:cNvSpPr txBox="1"/>
-          <p:nvPr>
-            <p:ph idx="1" type="body"/>
-          </p:nvPr>
-        </p:nvSpPr>
-        <p:spPr>
-          <a:xfrm>
-            <a:off x="685800" y="4400550"/>
-            <a:ext cx="5486400" cy="3600450"/>
-          </a:xfrm>
-          <a:prstGeom prst="rect">
-            <a:avLst/>
-          </a:prstGeom>
-          <a:noFill/>
-          <a:ln>
-            <a:noFill/>
-          </a:ln>
-        </p:spPr>
-        <p:txBody>
-          <a:bodyPr anchorCtr="0" anchor="t" bIns="45700" lIns="91425" spcFirstLastPara="1" rIns="91425" wrap="square" tIns="45700">
-            <a:noAutofit/>
-          </a:bodyPr>
-          <a:lstStyle/>
-          <a:p>
-            <a:pPr indent="0" lvl="0" marL="0" rtl="0" algn="l">
-              <a:spcBef>
-                <a:spcPts val="0"/>
-              </a:spcBef>
-              <a:spcAft>
-                <a:spcPts val="0"/>
-              </a:spcAft>
-              <a:buNone/>
-            </a:pPr>
-            <a:r>
-              <a:rPr lang="en-US"/>
-              <a:t>We have discussed the security methods implemented in the system or database to help protect our passwords.</a:t>
-            </a:r>
-            <a:endParaRPr/>
-          </a:p>
-          <a:p>
-            <a:pPr indent="0" lvl="0" marL="0" rtl="0" algn="l">
-              <a:spcBef>
-                <a:spcPts val="0"/>
-              </a:spcBef>
-              <a:spcAft>
-                <a:spcPts val="0"/>
-              </a:spcAft>
-              <a:buNone/>
-            </a:pPr>
-            <a:r>
-              <a:rPr lang="en-US"/>
-              <a:t>As a user, good passwords</a:t>
-            </a:r>
-            <a:endParaRPr/>
-          </a:p>
-        </p:txBody>
-      </p:sp>
-      <p:sp>
-        <p:nvSpPr>
-          <p:cNvPr id="190" name="Google Shape;190;p19:notes"/>
-          <p:cNvSpPr txBox="1"/>
-          <p:nvPr>
-            <p:ph idx="12" type="sldNum"/>
-          </p:nvPr>
-        </p:nvSpPr>
-        <p:spPr>
-          <a:xfrm>
-            <a:off x="3884613" y="8685213"/>
-            <a:ext cx="2971800" cy="458787"/>
-          </a:xfrm>
-          <a:prstGeom prst="rect">
-            <a:avLst/>
-          </a:prstGeom>
-          <a:noFill/>
-          <a:ln>
-            <a:noFill/>
-          </a:ln>
-        </p:spPr>
-        <p:txBody>
-          <a:bodyPr anchorCtr="0" anchor="b" bIns="45700" lIns="91425" spcFirstLastPara="1" rIns="91425" wrap="square" tIns="45700">
-            <a:noAutofit/>
-          </a:bodyPr>
-          <a:lstStyle/>
-          <a:p>
-            <a:pPr indent="0" lvl="0" marL="0" rtl="0" algn="r">
-              <a:spcBef>
-                <a:spcPts val="0"/>
-              </a:spcBef>
-              <a:spcAft>
-                <a:spcPts val="0"/>
-              </a:spcAft>
-              <a:buNone/>
-            </a:pPr>
-            <a:fld id="{00000000-1234-1234-1234-123412341234}" type="slidenum">
-              <a:rPr lang="en-US"/>
-              <a:t>‹#›</a:t>
-            </a:fld>
-            <a:endParaRPr/>
-          </a:p>
-        </p:txBody>
       </p:sp>
     </p:spTree>
   </p:cSld>
@@ -3105,7 +3032,7 @@
   <p:cSld>
     <p:spTree>
       <p:nvGrpSpPr>
-        <p:cNvPr id="194" name="Shape 194"/>
+        <p:cNvPr id="193" name="Shape 193"/>
         <p:cNvGrpSpPr/>
         <p:nvPr/>
       </p:nvGrpSpPr>
@@ -3119,7 +3046,7 @@
       </p:grpSpPr>
       <p:sp>
         <p:nvSpPr>
-          <p:cNvPr id="195" name="Google Shape;195;p20:notes"/>
+          <p:cNvPr id="194" name="Google Shape;194;p20:notes"/>
           <p:cNvSpPr txBox="1"/>
           <p:nvPr>
             <p:ph idx="1" type="body"/>
@@ -3158,7 +3085,7 @@
       </p:sp>
       <p:sp>
         <p:nvSpPr>
-          <p:cNvPr id="196" name="Google Shape;196;p20:notes"/>
+          <p:cNvPr id="195" name="Google Shape;195;p20:notes"/>
           <p:cNvSpPr/>
           <p:nvPr>
             <p:ph idx="2" type="sldImg"/>
@@ -3204,7 +3131,7 @@
   <p:cSld>
     <p:spTree>
       <p:nvGrpSpPr>
-        <p:cNvPr id="203" name="Shape 203"/>
+        <p:cNvPr id="209" name="Shape 209"/>
         <p:cNvGrpSpPr/>
         <p:nvPr/>
       </p:nvGrpSpPr>
@@ -3218,46 +3145,7 @@
       </p:grpSpPr>
       <p:sp>
         <p:nvSpPr>
-          <p:cNvPr id="204" name="Google Shape;204;p21:notes"/>
-          <p:cNvSpPr txBox="1"/>
-          <p:nvPr>
-            <p:ph idx="1" type="body"/>
-          </p:nvPr>
-        </p:nvSpPr>
-        <p:spPr>
-          <a:xfrm>
-            <a:off x="685800" y="4400550"/>
-            <a:ext cx="5486400" cy="3600450"/>
-          </a:xfrm>
-          <a:prstGeom prst="rect">
-            <a:avLst/>
-          </a:prstGeom>
-        </p:spPr>
-        <p:txBody>
-          <a:bodyPr anchorCtr="0" anchor="t" bIns="45700" lIns="91425" spcFirstLastPara="1" rIns="91425" wrap="square" tIns="45700">
-            <a:noAutofit/>
-          </a:bodyPr>
-          <a:lstStyle/>
-          <a:p>
-            <a:pPr indent="0" lvl="0" marL="0" rtl="0" algn="l">
-              <a:spcBef>
-                <a:spcPts val="0"/>
-              </a:spcBef>
-              <a:spcAft>
-                <a:spcPts val="0"/>
-              </a:spcAft>
-              <a:buNone/>
-            </a:pPr>
-            <a:r>
-              <a:t/>
-            </a:r>
-            <a:endParaRPr/>
-          </a:p>
-        </p:txBody>
-      </p:sp>
-      <p:sp>
-        <p:nvSpPr>
-          <p:cNvPr id="205" name="Google Shape;205;p21:notes"/>
+          <p:cNvPr id="210" name="Google Shape;210;p21:notes"/>
           <p:cNvSpPr/>
           <p:nvPr>
             <p:ph idx="2" type="sldImg"/>
@@ -3288,7 +3176,121 @@
               </a:path>
             </a:pathLst>
           </a:custGeom>
+          <a:noFill/>
+          <a:ln cap="flat" cmpd="sng" w="12700">
+            <a:solidFill>
+              <a:srgbClr val="000000"/>
+            </a:solidFill>
+            <a:prstDash val="solid"/>
+            <a:round/>
+            <a:headEnd len="sm" w="sm" type="none"/>
+            <a:tailEnd len="sm" w="sm" type="none"/>
+          </a:ln>
         </p:spPr>
+      </p:sp>
+      <p:sp>
+        <p:nvSpPr>
+          <p:cNvPr id="211" name="Google Shape;211;p21:notes"/>
+          <p:cNvSpPr txBox="1"/>
+          <p:nvPr>
+            <p:ph idx="1" type="body"/>
+          </p:nvPr>
+        </p:nvSpPr>
+        <p:spPr>
+          <a:xfrm>
+            <a:off x="685800" y="4400550"/>
+            <a:ext cx="5486400" cy="3600450"/>
+          </a:xfrm>
+          <a:prstGeom prst="rect">
+            <a:avLst/>
+          </a:prstGeom>
+          <a:noFill/>
+          <a:ln>
+            <a:noFill/>
+          </a:ln>
+        </p:spPr>
+        <p:txBody>
+          <a:bodyPr anchorCtr="0" anchor="t" bIns="45700" lIns="91425" spcFirstLastPara="1" rIns="91425" wrap="square" tIns="45700">
+            <a:noAutofit/>
+          </a:bodyPr>
+          <a:lstStyle/>
+          <a:p>
+            <a:pPr indent="0" lvl="0" marL="0" rtl="0" algn="l">
+              <a:spcBef>
+                <a:spcPts val="0"/>
+              </a:spcBef>
+              <a:spcAft>
+                <a:spcPts val="0"/>
+              </a:spcAft>
+              <a:buNone/>
+            </a:pPr>
+            <a:r>
+              <a:rPr lang="en-US"/>
+              <a:t>We have discussed the security methods implemented in the system or database to help protect our passwords.</a:t>
+            </a:r>
+            <a:endParaRPr/>
+          </a:p>
+          <a:p>
+            <a:pPr indent="0" lvl="0" marL="0" rtl="0" algn="l">
+              <a:spcBef>
+                <a:spcPts val="0"/>
+              </a:spcBef>
+              <a:spcAft>
+                <a:spcPts val="0"/>
+              </a:spcAft>
+              <a:buNone/>
+            </a:pPr>
+            <a:r>
+              <a:rPr lang="en-US"/>
+              <a:t>As a user, good passwords</a:t>
+            </a:r>
+            <a:endParaRPr/>
+          </a:p>
+        </p:txBody>
+      </p:sp>
+      <p:sp>
+        <p:nvSpPr>
+          <p:cNvPr id="212" name="Google Shape;212;p21:notes"/>
+          <p:cNvSpPr txBox="1"/>
+          <p:nvPr>
+            <p:ph idx="12" type="sldNum"/>
+          </p:nvPr>
+        </p:nvSpPr>
+        <p:spPr>
+          <a:xfrm>
+            <a:off x="3884613" y="8685213"/>
+            <a:ext cx="2971800" cy="458787"/>
+          </a:xfrm>
+          <a:prstGeom prst="rect">
+            <a:avLst/>
+          </a:prstGeom>
+          <a:noFill/>
+          <a:ln>
+            <a:noFill/>
+          </a:ln>
+        </p:spPr>
+        <p:txBody>
+          <a:bodyPr anchorCtr="0" anchor="b" bIns="45700" lIns="91425" spcFirstLastPara="1" rIns="91425" wrap="square" tIns="45700">
+            <a:noAutofit/>
+          </a:bodyPr>
+          <a:lstStyle/>
+          <a:p>
+            <a:pPr indent="0" lvl="0" marL="0" rtl="0" algn="r">
+              <a:spcBef>
+                <a:spcPts val="0"/>
+              </a:spcBef>
+              <a:spcAft>
+                <a:spcPts val="0"/>
+              </a:spcAft>
+              <a:buNone/>
+            </a:pPr>
+            <a:fld id="{00000000-1234-1234-1234-123412341234}" type="slidenum">
+              <a:rPr lang="en-US"/>
+              <a:t>‹#›</a:t>
+            </a:fld>
+            <a:endParaRPr/>
+          </a:p>
+        </p:txBody>
       </p:sp>
     </p:spTree>
   </p:cSld>
@@ -3303,7 +3305,7 @@
   <p:cSld>
     <p:spTree>
       <p:nvGrpSpPr>
-        <p:cNvPr id="209" name="Shape 209"/>
+        <p:cNvPr id="216" name="Shape 216"/>
         <p:cNvGrpSpPr/>
         <p:nvPr/>
       </p:nvGrpSpPr>
@@ -3317,7 +3319,7 @@
       </p:grpSpPr>
       <p:sp>
         <p:nvSpPr>
-          <p:cNvPr id="210" name="Google Shape;210;p22:notes"/>
+          <p:cNvPr id="217" name="Google Shape;217;p22:notes"/>
           <p:cNvSpPr txBox="1"/>
           <p:nvPr>
             <p:ph idx="1" type="body"/>
@@ -3356,7 +3358,7 @@
       </p:sp>
       <p:sp>
         <p:nvSpPr>
-          <p:cNvPr id="211" name="Google Shape;211;p22:notes"/>
+          <p:cNvPr id="218" name="Google Shape;218;p22:notes"/>
           <p:cNvSpPr/>
           <p:nvPr>
             <p:ph idx="2" type="sldImg"/>
@@ -3402,7 +3404,7 @@
   <p:cSld>
     <p:spTree>
       <p:nvGrpSpPr>
-        <p:cNvPr id="215" name="Shape 215"/>
+        <p:cNvPr id="225" name="Shape 225"/>
         <p:cNvGrpSpPr/>
         <p:nvPr/>
       </p:nvGrpSpPr>
@@ -3416,7 +3418,7 @@
       </p:grpSpPr>
       <p:sp>
         <p:nvSpPr>
-          <p:cNvPr id="216" name="Google Shape;216;p23:notes"/>
+          <p:cNvPr id="226" name="Google Shape;226;p23:notes"/>
           <p:cNvSpPr txBox="1"/>
           <p:nvPr>
             <p:ph idx="1" type="body"/>
@@ -3455,7 +3457,7 @@
       </p:sp>
       <p:sp>
         <p:nvSpPr>
-          <p:cNvPr id="217" name="Google Shape;217;p23:notes"/>
+          <p:cNvPr id="227" name="Google Shape;227;p23:notes"/>
           <p:cNvSpPr/>
           <p:nvPr>
             <p:ph idx="2" type="sldImg"/>
@@ -3501,7 +3503,7 @@
   <p:cSld>
     <p:spTree>
       <p:nvGrpSpPr>
-        <p:cNvPr id="224" name="Shape 224"/>
+        <p:cNvPr id="231" name="Shape 231"/>
         <p:cNvGrpSpPr/>
         <p:nvPr/>
       </p:nvGrpSpPr>
@@ -3515,7 +3517,7 @@
       </p:grpSpPr>
       <p:sp>
         <p:nvSpPr>
-          <p:cNvPr id="225" name="Google Shape;225;p24:notes"/>
+          <p:cNvPr id="232" name="Google Shape;232;p24:notes"/>
           <p:cNvSpPr txBox="1"/>
           <p:nvPr>
             <p:ph idx="1" type="body"/>
@@ -3554,7 +3556,7 @@
       </p:sp>
       <p:sp>
         <p:nvSpPr>
-          <p:cNvPr id="226" name="Google Shape;226;p24:notes"/>
+          <p:cNvPr id="233" name="Google Shape;233;p24:notes"/>
           <p:cNvSpPr/>
           <p:nvPr>
             <p:ph idx="2" type="sldImg"/>
@@ -3600,7 +3602,7 @@
   <p:cSld>
     <p:spTree>
       <p:nvGrpSpPr>
-        <p:cNvPr id="230" name="Shape 230"/>
+        <p:cNvPr id="237" name="Shape 237"/>
         <p:cNvGrpSpPr/>
         <p:nvPr/>
       </p:nvGrpSpPr>
@@ -3614,7 +3616,7 @@
       </p:grpSpPr>
       <p:sp>
         <p:nvSpPr>
-          <p:cNvPr id="231" name="Google Shape;231;p25:notes"/>
+          <p:cNvPr id="238" name="Google Shape;238;p25:notes"/>
           <p:cNvSpPr txBox="1"/>
           <p:nvPr>
             <p:ph idx="1" type="body"/>
@@ -3653,7 +3655,7 @@
       </p:sp>
       <p:sp>
         <p:nvSpPr>
-          <p:cNvPr id="232" name="Google Shape;232;p25:notes"/>
+          <p:cNvPr id="239" name="Google Shape;239;p25:notes"/>
           <p:cNvSpPr/>
           <p:nvPr>
             <p:ph idx="2" type="sldImg"/>
@@ -3699,7 +3701,7 @@
   <p:cSld>
     <p:spTree>
       <p:nvGrpSpPr>
-        <p:cNvPr id="236" name="Shape 236"/>
+        <p:cNvPr id="246" name="Shape 246"/>
         <p:cNvGrpSpPr/>
         <p:nvPr/>
       </p:nvGrpSpPr>
@@ -3713,7 +3715,7 @@
       </p:grpSpPr>
       <p:sp>
         <p:nvSpPr>
-          <p:cNvPr id="237" name="Google Shape;237;p26:notes"/>
+          <p:cNvPr id="247" name="Google Shape;247;p26:notes"/>
           <p:cNvSpPr txBox="1"/>
           <p:nvPr>
             <p:ph idx="1" type="body"/>
@@ -3752,7 +3754,7 @@
       </p:sp>
       <p:sp>
         <p:nvSpPr>
-          <p:cNvPr id="238" name="Google Shape;238;p26:notes"/>
+          <p:cNvPr id="248" name="Google Shape;248;p26:notes"/>
           <p:cNvSpPr/>
           <p:nvPr>
             <p:ph idx="2" type="sldImg"/>
@@ -3798,7 +3800,7 @@
   <p:cSld>
     <p:spTree>
       <p:nvGrpSpPr>
-        <p:cNvPr id="243" name="Shape 243"/>
+        <p:cNvPr id="252" name="Shape 252"/>
         <p:cNvGrpSpPr/>
         <p:nvPr/>
       </p:nvGrpSpPr>
@@ -3812,7 +3814,7 @@
       </p:grpSpPr>
       <p:sp>
         <p:nvSpPr>
-          <p:cNvPr id="244" name="Google Shape;244;p27:notes"/>
+          <p:cNvPr id="253" name="Google Shape;253;p27:notes"/>
           <p:cNvSpPr txBox="1"/>
           <p:nvPr>
             <p:ph idx="1" type="body"/>
@@ -3851,7 +3853,7 @@
       </p:sp>
       <p:sp>
         <p:nvSpPr>
-          <p:cNvPr id="245" name="Google Shape;245;p27:notes"/>
+          <p:cNvPr id="254" name="Google Shape;254;p27:notes"/>
           <p:cNvSpPr/>
           <p:nvPr>
             <p:ph idx="2" type="sldImg"/>
@@ -3897,7 +3899,7 @@
   <p:cSld>
     <p:spTree>
       <p:nvGrpSpPr>
-        <p:cNvPr id="249" name="Shape 249"/>
+        <p:cNvPr id="258" name="Shape 258"/>
         <p:cNvGrpSpPr/>
         <p:nvPr/>
       </p:nvGrpSpPr>
@@ -3911,7 +3913,46 @@
       </p:grpSpPr>
       <p:sp>
         <p:nvSpPr>
-          <p:cNvPr id="250" name="Google Shape;250;p28:notes"/>
+          <p:cNvPr id="259" name="Google Shape;259;p28:notes"/>
+          <p:cNvSpPr txBox="1"/>
+          <p:nvPr>
+            <p:ph idx="1" type="body"/>
+          </p:nvPr>
+        </p:nvSpPr>
+        <p:spPr>
+          <a:xfrm>
+            <a:off x="685800" y="4400550"/>
+            <a:ext cx="5486400" cy="3600450"/>
+          </a:xfrm>
+          <a:prstGeom prst="rect">
+            <a:avLst/>
+          </a:prstGeom>
+        </p:spPr>
+        <p:txBody>
+          <a:bodyPr anchorCtr="0" anchor="t" bIns="45700" lIns="91425" spcFirstLastPara="1" rIns="91425" wrap="square" tIns="45700">
+            <a:noAutofit/>
+          </a:bodyPr>
+          <a:lstStyle/>
+          <a:p>
+            <a:pPr indent="0" lvl="0" marL="0" rtl="0" algn="l">
+              <a:spcBef>
+                <a:spcPts val="0"/>
+              </a:spcBef>
+              <a:spcAft>
+                <a:spcPts val="0"/>
+              </a:spcAft>
+              <a:buNone/>
+            </a:pPr>
+            <a:r>
+              <a:t/>
+            </a:r>
+            <a:endParaRPr/>
+          </a:p>
+        </p:txBody>
+      </p:sp>
+      <p:sp>
+        <p:nvSpPr>
+          <p:cNvPr id="260" name="Google Shape;260;p28:notes"/>
           <p:cNvSpPr/>
           <p:nvPr>
             <p:ph idx="2" type="sldImg"/>
@@ -3942,121 +3983,7 @@
               </a:path>
             </a:pathLst>
           </a:custGeom>
-          <a:noFill/>
-          <a:ln cap="flat" cmpd="sng" w="12700">
-            <a:solidFill>
-              <a:srgbClr val="000000"/>
-            </a:solidFill>
-            <a:prstDash val="solid"/>
-            <a:round/>
-            <a:headEnd len="sm" w="sm" type="none"/>
-            <a:tailEnd len="sm" w="sm" type="none"/>
-          </a:ln>
         </p:spPr>
-      </p:sp>
-      <p:sp>
-        <p:nvSpPr>
-          <p:cNvPr id="251" name="Google Shape;251;p28:notes"/>
-          <p:cNvSpPr txBox="1"/>
-          <p:nvPr>
-            <p:ph idx="1" type="body"/>
-          </p:nvPr>
-        </p:nvSpPr>
-        <p:spPr>
-          <a:xfrm>
-            <a:off x="685800" y="4400550"/>
-            <a:ext cx="5486400" cy="3600450"/>
-          </a:xfrm>
-          <a:prstGeom prst="rect">
-            <a:avLst/>
-          </a:prstGeom>
-          <a:noFill/>
-          <a:ln>
-            <a:noFill/>
-          </a:ln>
-        </p:spPr>
-        <p:txBody>
-          <a:bodyPr anchorCtr="0" anchor="t" bIns="45700" lIns="91425" spcFirstLastPara="1" rIns="91425" wrap="square" tIns="45700">
-            <a:noAutofit/>
-          </a:bodyPr>
-          <a:lstStyle/>
-          <a:p>
-            <a:pPr indent="0" lvl="0" marL="0" rtl="0" algn="l">
-              <a:spcBef>
-                <a:spcPts val="0"/>
-              </a:spcBef>
-              <a:spcAft>
-                <a:spcPts val="0"/>
-              </a:spcAft>
-              <a:buNone/>
-            </a:pPr>
-            <a:r>
-              <a:rPr lang="en-US"/>
-              <a:t>Example of a fake banking website meant to trick users.</a:t>
-            </a:r>
-            <a:endParaRPr/>
-          </a:p>
-        </p:txBody>
-      </p:sp>
-      <p:sp>
-        <p:nvSpPr>
-          <p:cNvPr id="252" name="Google Shape;252;p28:notes"/>
-          <p:cNvSpPr txBox="1"/>
-          <p:nvPr>
-            <p:ph idx="12" type="sldNum"/>
-          </p:nvPr>
-        </p:nvSpPr>
-        <p:spPr>
-          <a:xfrm>
-            <a:off x="3884613" y="8685213"/>
-            <a:ext cx="2971800" cy="458787"/>
-          </a:xfrm>
-          <a:prstGeom prst="rect">
-            <a:avLst/>
-          </a:prstGeom>
-          <a:noFill/>
-          <a:ln>
-            <a:noFill/>
-          </a:ln>
-        </p:spPr>
-        <p:txBody>
-          <a:bodyPr anchorCtr="0" anchor="b" bIns="45700" lIns="91425" spcFirstLastPara="1" rIns="91425" wrap="square" tIns="45700">
-            <a:noAutofit/>
-          </a:bodyPr>
-          <a:lstStyle/>
-          <a:p>
-            <a:pPr indent="0" lvl="0" marL="0" rtl="0" algn="r">
-              <a:spcBef>
-                <a:spcPts val="0"/>
-              </a:spcBef>
-              <a:spcAft>
-                <a:spcPts val="0"/>
-              </a:spcAft>
-              <a:buNone/>
-            </a:pPr>
-            <a:fld id="{00000000-1234-1234-1234-123412341234}" type="slidenum">
-              <a:rPr lang="en-US">
-                <a:solidFill>
-                  <a:srgbClr val="000000"/>
-                </a:solidFill>
-                <a:latin typeface="Calibri"/>
-                <a:ea typeface="Calibri"/>
-                <a:cs typeface="Calibri"/>
-                <a:sym typeface="Calibri"/>
-              </a:rPr>
-              <a:t>‹#›</a:t>
-            </a:fld>
-            <a:endParaRPr>
-              <a:solidFill>
-                <a:srgbClr val="000000"/>
-              </a:solidFill>
-              <a:latin typeface="Calibri"/>
-              <a:ea typeface="Calibri"/>
-              <a:cs typeface="Calibri"/>
-              <a:sym typeface="Calibri"/>
-            </a:endParaRPr>
-          </a:p>
-        </p:txBody>
       </p:sp>
     </p:spTree>
   </p:cSld>
@@ -4071,7 +3998,7 @@
   <p:cSld>
     <p:spTree>
       <p:nvGrpSpPr>
-        <p:cNvPr id="258" name="Shape 258"/>
+        <p:cNvPr id="265" name="Shape 265"/>
         <p:cNvGrpSpPr/>
         <p:nvPr/>
       </p:nvGrpSpPr>
@@ -4085,7 +4012,46 @@
       </p:grpSpPr>
       <p:sp>
         <p:nvSpPr>
-          <p:cNvPr id="259" name="Google Shape;259;p29:notes"/>
+          <p:cNvPr id="266" name="Google Shape;266;p29:notes"/>
+          <p:cNvSpPr txBox="1"/>
+          <p:nvPr>
+            <p:ph idx="1" type="body"/>
+          </p:nvPr>
+        </p:nvSpPr>
+        <p:spPr>
+          <a:xfrm>
+            <a:off x="685800" y="4400550"/>
+            <a:ext cx="5486400" cy="3600450"/>
+          </a:xfrm>
+          <a:prstGeom prst="rect">
+            <a:avLst/>
+          </a:prstGeom>
+        </p:spPr>
+        <p:txBody>
+          <a:bodyPr anchorCtr="0" anchor="t" bIns="45700" lIns="91425" spcFirstLastPara="1" rIns="91425" wrap="square" tIns="45700">
+            <a:noAutofit/>
+          </a:bodyPr>
+          <a:lstStyle/>
+          <a:p>
+            <a:pPr indent="0" lvl="0" marL="0" rtl="0" algn="l">
+              <a:spcBef>
+                <a:spcPts val="0"/>
+              </a:spcBef>
+              <a:spcAft>
+                <a:spcPts val="0"/>
+              </a:spcAft>
+              <a:buNone/>
+            </a:pPr>
+            <a:r>
+              <a:t/>
+            </a:r>
+            <a:endParaRPr/>
+          </a:p>
+        </p:txBody>
+      </p:sp>
+      <p:sp>
+        <p:nvSpPr>
+          <p:cNvPr id="267" name="Google Shape;267;p29:notes"/>
           <p:cNvSpPr/>
           <p:nvPr>
             <p:ph idx="2" type="sldImg"/>
@@ -4116,121 +4082,7 @@
               </a:path>
             </a:pathLst>
           </a:custGeom>
-          <a:noFill/>
-          <a:ln cap="flat" cmpd="sng" w="12700">
-            <a:solidFill>
-              <a:srgbClr val="000000"/>
-            </a:solidFill>
-            <a:prstDash val="solid"/>
-            <a:round/>
-            <a:headEnd len="sm" w="sm" type="none"/>
-            <a:tailEnd len="sm" w="sm" type="none"/>
-          </a:ln>
         </p:spPr>
-      </p:sp>
-      <p:sp>
-        <p:nvSpPr>
-          <p:cNvPr id="260" name="Google Shape;260;p29:notes"/>
-          <p:cNvSpPr txBox="1"/>
-          <p:nvPr>
-            <p:ph idx="1" type="body"/>
-          </p:nvPr>
-        </p:nvSpPr>
-        <p:spPr>
-          <a:xfrm>
-            <a:off x="685800" y="4400550"/>
-            <a:ext cx="5486400" cy="3600450"/>
-          </a:xfrm>
-          <a:prstGeom prst="rect">
-            <a:avLst/>
-          </a:prstGeom>
-          <a:noFill/>
-          <a:ln>
-            <a:noFill/>
-          </a:ln>
-        </p:spPr>
-        <p:txBody>
-          <a:bodyPr anchorCtr="0" anchor="t" bIns="45700" lIns="91425" spcFirstLastPara="1" rIns="91425" wrap="square" tIns="45700">
-            <a:noAutofit/>
-          </a:bodyPr>
-          <a:lstStyle/>
-          <a:p>
-            <a:pPr indent="0" lvl="0" marL="0" rtl="0" algn="l">
-              <a:spcBef>
-                <a:spcPts val="0"/>
-              </a:spcBef>
-              <a:spcAft>
-                <a:spcPts val="0"/>
-              </a:spcAft>
-              <a:buNone/>
-            </a:pPr>
-            <a:r>
-              <a:rPr lang="en-US"/>
-              <a:t>Example of a software download site meant to trick users into downloading malicious applications.</a:t>
-            </a:r>
-            <a:endParaRPr/>
-          </a:p>
-        </p:txBody>
-      </p:sp>
-      <p:sp>
-        <p:nvSpPr>
-          <p:cNvPr id="261" name="Google Shape;261;p29:notes"/>
-          <p:cNvSpPr txBox="1"/>
-          <p:nvPr>
-            <p:ph idx="12" type="sldNum"/>
-          </p:nvPr>
-        </p:nvSpPr>
-        <p:spPr>
-          <a:xfrm>
-            <a:off x="3884613" y="8685213"/>
-            <a:ext cx="2971800" cy="458787"/>
-          </a:xfrm>
-          <a:prstGeom prst="rect">
-            <a:avLst/>
-          </a:prstGeom>
-          <a:noFill/>
-          <a:ln>
-            <a:noFill/>
-          </a:ln>
-        </p:spPr>
-        <p:txBody>
-          <a:bodyPr anchorCtr="0" anchor="b" bIns="45700" lIns="91425" spcFirstLastPara="1" rIns="91425" wrap="square" tIns="45700">
-            <a:noAutofit/>
-          </a:bodyPr>
-          <a:lstStyle/>
-          <a:p>
-            <a:pPr indent="0" lvl="0" marL="0" rtl="0" algn="r">
-              <a:spcBef>
-                <a:spcPts val="0"/>
-              </a:spcBef>
-              <a:spcAft>
-                <a:spcPts val="0"/>
-              </a:spcAft>
-              <a:buNone/>
-            </a:pPr>
-            <a:fld id="{00000000-1234-1234-1234-123412341234}" type="slidenum">
-              <a:rPr lang="en-US">
-                <a:solidFill>
-                  <a:srgbClr val="000000"/>
-                </a:solidFill>
-                <a:latin typeface="Calibri"/>
-                <a:ea typeface="Calibri"/>
-                <a:cs typeface="Calibri"/>
-                <a:sym typeface="Calibri"/>
-              </a:rPr>
-              <a:t>‹#›</a:t>
-            </a:fld>
-            <a:endParaRPr>
-              <a:solidFill>
-                <a:srgbClr val="000000"/>
-              </a:solidFill>
-              <a:latin typeface="Calibri"/>
-              <a:ea typeface="Calibri"/>
-              <a:cs typeface="Calibri"/>
-              <a:sym typeface="Calibri"/>
-            </a:endParaRPr>
-          </a:p>
-        </p:txBody>
       </p:sp>
     </p:spTree>
   </p:cSld>
@@ -4344,7 +4196,7 @@
   <p:cSld>
     <p:spTree>
       <p:nvGrpSpPr>
-        <p:cNvPr id="267" name="Shape 267"/>
+        <p:cNvPr id="271" name="Shape 271"/>
         <p:cNvGrpSpPr/>
         <p:nvPr/>
       </p:nvGrpSpPr>
@@ -4358,106 +4210,7 @@
       </p:grpSpPr>
       <p:sp>
         <p:nvSpPr>
-          <p:cNvPr id="268" name="Google Shape;268;p30:notes"/>
-          <p:cNvSpPr txBox="1"/>
-          <p:nvPr>
-            <p:ph idx="1" type="body"/>
-          </p:nvPr>
-        </p:nvSpPr>
-        <p:spPr>
-          <a:xfrm>
-            <a:off x="685800" y="4400550"/>
-            <a:ext cx="5486400" cy="3600450"/>
-          </a:xfrm>
-          <a:prstGeom prst="rect">
-            <a:avLst/>
-          </a:prstGeom>
-        </p:spPr>
-        <p:txBody>
-          <a:bodyPr anchorCtr="0" anchor="t" bIns="45700" lIns="91425" spcFirstLastPara="1" rIns="91425" wrap="square" tIns="45700">
-            <a:noAutofit/>
-          </a:bodyPr>
-          <a:lstStyle/>
-          <a:p>
-            <a:pPr indent="0" lvl="0" marL="0" rtl="0" algn="l">
-              <a:spcBef>
-                <a:spcPts val="0"/>
-              </a:spcBef>
-              <a:spcAft>
-                <a:spcPts val="0"/>
-              </a:spcAft>
-              <a:buNone/>
-            </a:pPr>
-            <a:r>
-              <a:t/>
-            </a:r>
-            <a:endParaRPr/>
-          </a:p>
-        </p:txBody>
-      </p:sp>
-      <p:sp>
-        <p:nvSpPr>
-          <p:cNvPr id="269" name="Google Shape;269;p30:notes"/>
-          <p:cNvSpPr/>
-          <p:nvPr>
-            <p:ph idx="2" type="sldImg"/>
-          </p:nvPr>
-        </p:nvSpPr>
-        <p:spPr>
-          <a:xfrm>
-            <a:off x="685800" y="1143000"/>
-            <a:ext cx="5486400" cy="3086100"/>
-          </a:xfrm>
-          <a:custGeom>
-            <a:rect b="b" l="l" r="r" t="t"/>
-            <a:pathLst>
-              <a:path extrusionOk="0" h="120000" w="120000">
-                <a:moveTo>
-                  <a:pt x="0" y="0"/>
-                </a:moveTo>
-                <a:lnTo>
-                  <a:pt x="120000" y="0"/>
-                </a:lnTo>
-                <a:lnTo>
-                  <a:pt x="120000" y="120000"/>
-                </a:lnTo>
-                <a:lnTo>
-                  <a:pt x="0" y="120000"/>
-                </a:lnTo>
-                <a:close/>
-              </a:path>
-            </a:pathLst>
-          </a:custGeom>
-        </p:spPr>
-      </p:sp>
-    </p:spTree>
-  </p:cSld>
-  <p:clrMapOvr>
-    <a:masterClrMapping/>
-  </p:clrMapOvr>
-</p:notes>
-</file>
-
-<file path=ppt/notesSlides/notesSlide31.xml><?xml version="1.0" encoding="utf-8"?>
-<p:notes xmlns:a="http://schemas.openxmlformats.org/drawingml/2006/main" xmlns:r="http://schemas.openxmlformats.org/officeDocument/2006/relationships" xmlns:mc="http://schemas.openxmlformats.org/markup-compatibility/2006" xmlns:mv="urn:schemas-microsoft-com:mac:vml" xmlns:p="http://schemas.openxmlformats.org/presentationml/2006/main" xmlns:c="http://schemas.openxmlformats.org/drawingml/2006/chart" xmlns:dgm="http://schemas.openxmlformats.org/drawingml/2006/diagram" xmlns:o="urn:schemas-microsoft-com:office:office" xmlns:v="urn:schemas-microsoft-com:vml" xmlns:pvml="urn:schemas-microsoft-com:office:powerpoint" xmlns:com="http://schemas.openxmlformats.org/drawingml/2006/compatibility" xmlns:p14="http://schemas.microsoft.com/office/powerpoint/2010/main" xmlns:p15="http://schemas.microsoft.com/office/powerpoint/2012/main" xmlns:ahyp="http://schemas.microsoft.com/office/drawing/2018/hyperlinkcolor" showMasterPhAnim="0" showMasterSp="0">
-  <p:cSld>
-    <p:spTree>
-      <p:nvGrpSpPr>
-        <p:cNvPr id="273" name="Shape 273"/>
-        <p:cNvGrpSpPr/>
-        <p:nvPr/>
-      </p:nvGrpSpPr>
-      <p:grpSpPr>
-        <a:xfrm>
-          <a:off x="0" y="0"/>
-          <a:ext cx="0" cy="0"/>
-          <a:chOff x="0" y="0"/>
-          <a:chExt cx="0" cy="0"/>
-        </a:xfrm>
-      </p:grpSpPr>
-      <p:sp>
-        <p:nvSpPr>
-          <p:cNvPr id="274" name="Google Shape;274;p31:notes"/>
+          <p:cNvPr id="272" name="Google Shape;272;p30:notes"/>
           <p:cNvSpPr/>
           <p:nvPr>
             <p:ph idx="2" type="sldImg"/>
@@ -4502,7 +4255,7 @@
       </p:sp>
       <p:sp>
         <p:nvSpPr>
-          <p:cNvPr id="275" name="Google Shape;275;p31:notes"/>
+          <p:cNvPr id="273" name="Google Shape;273;p30:notes"/>
           <p:cNvSpPr txBox="1"/>
           <p:nvPr>
             <p:ph idx="1" type="body"/>
@@ -4538,7 +4291,7 @@
             </a:pPr>
             <a:r>
               <a:rPr lang="en-US"/>
-              <a:t>It started with a list of over 400 URLs of popular banks throughout the world. When it detected the user going to a banking URL, it would intercept keystrokes and even modify them so that money transfers would go to attackers’ accounts.</a:t>
+              <a:t>Example of a fake banking website meant to trick users.</a:t>
             </a:r>
             <a:endParaRPr/>
           </a:p>
@@ -4546,7 +4299,7 @@
       </p:sp>
       <p:sp>
         <p:nvSpPr>
-          <p:cNvPr id="276" name="Google Shape;276;p31:notes"/>
+          <p:cNvPr id="274" name="Google Shape;274;p30:notes"/>
           <p:cNvSpPr txBox="1"/>
           <p:nvPr>
             <p:ph idx="12" type="sldNum"/>
@@ -4612,12 +4365,12 @@
 </p:notes>
 </file>
 
-<file path=ppt/notesSlides/notesSlide32.xml><?xml version="1.0" encoding="utf-8"?>
+<file path=ppt/notesSlides/notesSlide31.xml><?xml version="1.0" encoding="utf-8"?>
 <p:notes xmlns:a="http://schemas.openxmlformats.org/drawingml/2006/main" xmlns:r="http://schemas.openxmlformats.org/officeDocument/2006/relationships" xmlns:mc="http://schemas.openxmlformats.org/markup-compatibility/2006" xmlns:mv="urn:schemas-microsoft-com:mac:vml" xmlns:p="http://schemas.openxmlformats.org/presentationml/2006/main" xmlns:c="http://schemas.openxmlformats.org/drawingml/2006/chart" xmlns:dgm="http://schemas.openxmlformats.org/drawingml/2006/diagram" xmlns:o="urn:schemas-microsoft-com:office:office" xmlns:v="urn:schemas-microsoft-com:vml" xmlns:pvml="urn:schemas-microsoft-com:office:powerpoint" xmlns:com="http://schemas.openxmlformats.org/drawingml/2006/compatibility" xmlns:p14="http://schemas.microsoft.com/office/powerpoint/2010/main" xmlns:p15="http://schemas.microsoft.com/office/powerpoint/2012/main" xmlns:ahyp="http://schemas.microsoft.com/office/drawing/2018/hyperlinkcolor" showMasterPhAnim="0" showMasterSp="0">
   <p:cSld>
     <p:spTree>
       <p:nvGrpSpPr>
-        <p:cNvPr id="282" name="Shape 282"/>
+        <p:cNvPr id="280" name="Shape 280"/>
         <p:cNvGrpSpPr/>
         <p:nvPr/>
       </p:nvGrpSpPr>
@@ -4631,7 +4384,181 @@
       </p:grpSpPr>
       <p:sp>
         <p:nvSpPr>
-          <p:cNvPr id="283" name="Google Shape;283;p32:notes"/>
+          <p:cNvPr id="281" name="Google Shape;281;p31:notes"/>
+          <p:cNvSpPr/>
+          <p:nvPr>
+            <p:ph idx="2" type="sldImg"/>
+          </p:nvPr>
+        </p:nvSpPr>
+        <p:spPr>
+          <a:xfrm>
+            <a:off x="685800" y="1143000"/>
+            <a:ext cx="5486400" cy="3086100"/>
+          </a:xfrm>
+          <a:custGeom>
+            <a:rect b="b" l="l" r="r" t="t"/>
+            <a:pathLst>
+              <a:path extrusionOk="0" h="120000" w="120000">
+                <a:moveTo>
+                  <a:pt x="0" y="0"/>
+                </a:moveTo>
+                <a:lnTo>
+                  <a:pt x="120000" y="0"/>
+                </a:lnTo>
+                <a:lnTo>
+                  <a:pt x="120000" y="120000"/>
+                </a:lnTo>
+                <a:lnTo>
+                  <a:pt x="0" y="120000"/>
+                </a:lnTo>
+                <a:close/>
+              </a:path>
+            </a:pathLst>
+          </a:custGeom>
+          <a:noFill/>
+          <a:ln cap="flat" cmpd="sng" w="12700">
+            <a:solidFill>
+              <a:srgbClr val="000000"/>
+            </a:solidFill>
+            <a:prstDash val="solid"/>
+            <a:round/>
+            <a:headEnd len="sm" w="sm" type="none"/>
+            <a:tailEnd len="sm" w="sm" type="none"/>
+          </a:ln>
+        </p:spPr>
+      </p:sp>
+      <p:sp>
+        <p:nvSpPr>
+          <p:cNvPr id="282" name="Google Shape;282;p31:notes"/>
+          <p:cNvSpPr txBox="1"/>
+          <p:nvPr>
+            <p:ph idx="1" type="body"/>
+          </p:nvPr>
+        </p:nvSpPr>
+        <p:spPr>
+          <a:xfrm>
+            <a:off x="685800" y="4400550"/>
+            <a:ext cx="5486400" cy="3600450"/>
+          </a:xfrm>
+          <a:prstGeom prst="rect">
+            <a:avLst/>
+          </a:prstGeom>
+          <a:noFill/>
+          <a:ln>
+            <a:noFill/>
+          </a:ln>
+        </p:spPr>
+        <p:txBody>
+          <a:bodyPr anchorCtr="0" anchor="t" bIns="45700" lIns="91425" spcFirstLastPara="1" rIns="91425" wrap="square" tIns="45700">
+            <a:noAutofit/>
+          </a:bodyPr>
+          <a:lstStyle/>
+          <a:p>
+            <a:pPr indent="0" lvl="0" marL="0" rtl="0" algn="l">
+              <a:spcBef>
+                <a:spcPts val="0"/>
+              </a:spcBef>
+              <a:spcAft>
+                <a:spcPts val="0"/>
+              </a:spcAft>
+              <a:buNone/>
+            </a:pPr>
+            <a:r>
+              <a:rPr lang="en-US"/>
+              <a:t>Example of a software download site meant to trick users into downloading malicious applications.</a:t>
+            </a:r>
+            <a:endParaRPr/>
+          </a:p>
+        </p:txBody>
+      </p:sp>
+      <p:sp>
+        <p:nvSpPr>
+          <p:cNvPr id="283" name="Google Shape;283;p31:notes"/>
+          <p:cNvSpPr txBox="1"/>
+          <p:nvPr>
+            <p:ph idx="12" type="sldNum"/>
+          </p:nvPr>
+        </p:nvSpPr>
+        <p:spPr>
+          <a:xfrm>
+            <a:off x="3884613" y="8685213"/>
+            <a:ext cx="2971800" cy="458787"/>
+          </a:xfrm>
+          <a:prstGeom prst="rect">
+            <a:avLst/>
+          </a:prstGeom>
+          <a:noFill/>
+          <a:ln>
+            <a:noFill/>
+          </a:ln>
+        </p:spPr>
+        <p:txBody>
+          <a:bodyPr anchorCtr="0" anchor="b" bIns="45700" lIns="91425" spcFirstLastPara="1" rIns="91425" wrap="square" tIns="45700">
+            <a:noAutofit/>
+          </a:bodyPr>
+          <a:lstStyle/>
+          <a:p>
+            <a:pPr indent="0" lvl="0" marL="0" rtl="0" algn="r">
+              <a:spcBef>
+                <a:spcPts val="0"/>
+              </a:spcBef>
+              <a:spcAft>
+                <a:spcPts val="0"/>
+              </a:spcAft>
+              <a:buNone/>
+            </a:pPr>
+            <a:fld id="{00000000-1234-1234-1234-123412341234}" type="slidenum">
+              <a:rPr lang="en-US">
+                <a:solidFill>
+                  <a:srgbClr val="000000"/>
+                </a:solidFill>
+                <a:latin typeface="Calibri"/>
+                <a:ea typeface="Calibri"/>
+                <a:cs typeface="Calibri"/>
+                <a:sym typeface="Calibri"/>
+              </a:rPr>
+              <a:t>‹#›</a:t>
+            </a:fld>
+            <a:endParaRPr>
+              <a:solidFill>
+                <a:srgbClr val="000000"/>
+              </a:solidFill>
+              <a:latin typeface="Calibri"/>
+              <a:ea typeface="Calibri"/>
+              <a:cs typeface="Calibri"/>
+              <a:sym typeface="Calibri"/>
+            </a:endParaRPr>
+          </a:p>
+        </p:txBody>
+      </p:sp>
+    </p:spTree>
+  </p:cSld>
+  <p:clrMapOvr>
+    <a:masterClrMapping/>
+  </p:clrMapOvr>
+</p:notes>
+</file>
+
+<file path=ppt/notesSlides/notesSlide32.xml><?xml version="1.0" encoding="utf-8"?>
+<p:notes xmlns:a="http://schemas.openxmlformats.org/drawingml/2006/main" xmlns:r="http://schemas.openxmlformats.org/officeDocument/2006/relationships" xmlns:mc="http://schemas.openxmlformats.org/markup-compatibility/2006" xmlns:mv="urn:schemas-microsoft-com:mac:vml" xmlns:p="http://schemas.openxmlformats.org/presentationml/2006/main" xmlns:c="http://schemas.openxmlformats.org/drawingml/2006/chart" xmlns:dgm="http://schemas.openxmlformats.org/drawingml/2006/diagram" xmlns:o="urn:schemas-microsoft-com:office:office" xmlns:v="urn:schemas-microsoft-com:vml" xmlns:pvml="urn:schemas-microsoft-com:office:powerpoint" xmlns:com="http://schemas.openxmlformats.org/drawingml/2006/compatibility" xmlns:p14="http://schemas.microsoft.com/office/powerpoint/2010/main" xmlns:p15="http://schemas.microsoft.com/office/powerpoint/2012/main" xmlns:ahyp="http://schemas.microsoft.com/office/drawing/2018/hyperlinkcolor" showMasterPhAnim="0" showMasterSp="0">
+  <p:cSld>
+    <p:spTree>
+      <p:nvGrpSpPr>
+        <p:cNvPr id="289" name="Shape 289"/>
+        <p:cNvGrpSpPr/>
+        <p:nvPr/>
+      </p:nvGrpSpPr>
+      <p:grpSpPr>
+        <a:xfrm>
+          <a:off x="0" y="0"/>
+          <a:ext cx="0" cy="0"/>
+          <a:chOff x="0" y="0"/>
+          <a:chExt cx="0" cy="0"/>
+        </a:xfrm>
+      </p:grpSpPr>
+      <p:sp>
+        <p:nvSpPr>
+          <p:cNvPr id="290" name="Google Shape;290;p32:notes"/>
           <p:cNvSpPr txBox="1"/>
           <p:nvPr>
             <p:ph idx="1" type="body"/>
@@ -4670,7 +4597,7 @@
       </p:sp>
       <p:sp>
         <p:nvSpPr>
-          <p:cNvPr id="284" name="Google Shape;284;p32:notes"/>
+          <p:cNvPr id="291" name="Google Shape;291;p32:notes"/>
           <p:cNvSpPr/>
           <p:nvPr>
             <p:ph idx="2" type="sldImg"/>
@@ -4716,7 +4643,7 @@
   <p:cSld>
     <p:spTree>
       <p:nvGrpSpPr>
-        <p:cNvPr id="288" name="Shape 288"/>
+        <p:cNvPr id="295" name="Shape 295"/>
         <p:cNvGrpSpPr/>
         <p:nvPr/>
       </p:nvGrpSpPr>
@@ -4730,7 +4657,7 @@
       </p:grpSpPr>
       <p:sp>
         <p:nvSpPr>
-          <p:cNvPr id="289" name="Google Shape;289;p33:notes"/>
+          <p:cNvPr id="296" name="Google Shape;296;p33:notes"/>
           <p:cNvSpPr/>
           <p:nvPr>
             <p:ph idx="2" type="sldImg"/>
@@ -4775,7 +4702,7 @@
       </p:sp>
       <p:sp>
         <p:nvSpPr>
-          <p:cNvPr id="290" name="Google Shape;290;p33:notes"/>
+          <p:cNvPr id="297" name="Google Shape;297;p33:notes"/>
           <p:cNvSpPr txBox="1"/>
           <p:nvPr>
             <p:ph idx="1" type="body"/>
@@ -4810,7 +4737,8 @@
               <a:buNone/>
             </a:pPr>
             <a:r>
-              <a:t/>
+              <a:rPr lang="en-US"/>
+              <a:t>It started with a list of over 400 URLs of popular banks throughout the world. When it detected the user going to a banking URL, it would intercept keystrokes and even modify them so that money transfers would go to attackers’ accounts.</a:t>
             </a:r>
             <a:endParaRPr/>
           </a:p>
@@ -4818,7 +4746,7 @@
       </p:sp>
       <p:sp>
         <p:nvSpPr>
-          <p:cNvPr id="291" name="Google Shape;291;p33:notes"/>
+          <p:cNvPr id="298" name="Google Shape;298;p33:notes"/>
           <p:cNvSpPr txBox="1"/>
           <p:nvPr>
             <p:ph idx="12" type="sldNum"/>
@@ -4853,10 +4781,26 @@
               <a:buNone/>
             </a:pPr>
             <a:fld id="{00000000-1234-1234-1234-123412341234}" type="slidenum">
-              <a:rPr lang="en-US"/>
+              <a:rPr lang="en-US">
+                <a:solidFill>
+                  <a:srgbClr val="000000"/>
+                </a:solidFill>
+                <a:latin typeface="Calibri"/>
+                <a:ea typeface="Calibri"/>
+                <a:cs typeface="Calibri"/>
+                <a:sym typeface="Calibri"/>
+              </a:rPr>
               <a:t>‹#›</a:t>
             </a:fld>
-            <a:endParaRPr/>
+            <a:endParaRPr>
+              <a:solidFill>
+                <a:srgbClr val="000000"/>
+              </a:solidFill>
+              <a:latin typeface="Calibri"/>
+              <a:ea typeface="Calibri"/>
+              <a:cs typeface="Calibri"/>
+              <a:sym typeface="Calibri"/>
+            </a:endParaRPr>
           </a:p>
         </p:txBody>
       </p:sp>
@@ -4873,7 +4817,7 @@
   <p:cSld>
     <p:spTree>
       <p:nvGrpSpPr>
-        <p:cNvPr id="296" name="Shape 296"/>
+        <p:cNvPr id="304" name="Shape 304"/>
         <p:cNvGrpSpPr/>
         <p:nvPr/>
       </p:nvGrpSpPr>
@@ -4887,7 +4831,7 @@
       </p:grpSpPr>
       <p:sp>
         <p:nvSpPr>
-          <p:cNvPr id="297" name="Google Shape;297;p34:notes"/>
+          <p:cNvPr id="305" name="Google Shape;305;p34:notes"/>
           <p:cNvSpPr txBox="1"/>
           <p:nvPr>
             <p:ph idx="1" type="body"/>
@@ -4926,7 +4870,7 @@
       </p:sp>
       <p:sp>
         <p:nvSpPr>
-          <p:cNvPr id="298" name="Google Shape;298;p34:notes"/>
+          <p:cNvPr id="306" name="Google Shape;306;p34:notes"/>
           <p:cNvSpPr/>
           <p:nvPr>
             <p:ph idx="2" type="sldImg"/>
@@ -4972,7 +4916,7 @@
   <p:cSld>
     <p:spTree>
       <p:nvGrpSpPr>
-        <p:cNvPr id="302" name="Shape 302"/>
+        <p:cNvPr id="310" name="Shape 310"/>
         <p:cNvGrpSpPr/>
         <p:nvPr/>
       </p:nvGrpSpPr>
@@ -4986,7 +4930,164 @@
       </p:grpSpPr>
       <p:sp>
         <p:nvSpPr>
-          <p:cNvPr id="303" name="Google Shape;303;p35:notes"/>
+          <p:cNvPr id="311" name="Google Shape;311;p35:notes"/>
+          <p:cNvSpPr/>
+          <p:nvPr>
+            <p:ph idx="2" type="sldImg"/>
+          </p:nvPr>
+        </p:nvSpPr>
+        <p:spPr>
+          <a:xfrm>
+            <a:off x="685800" y="1143000"/>
+            <a:ext cx="5486400" cy="3086100"/>
+          </a:xfrm>
+          <a:custGeom>
+            <a:rect b="b" l="l" r="r" t="t"/>
+            <a:pathLst>
+              <a:path extrusionOk="0" h="120000" w="120000">
+                <a:moveTo>
+                  <a:pt x="0" y="0"/>
+                </a:moveTo>
+                <a:lnTo>
+                  <a:pt x="120000" y="0"/>
+                </a:lnTo>
+                <a:lnTo>
+                  <a:pt x="120000" y="120000"/>
+                </a:lnTo>
+                <a:lnTo>
+                  <a:pt x="0" y="120000"/>
+                </a:lnTo>
+                <a:close/>
+              </a:path>
+            </a:pathLst>
+          </a:custGeom>
+          <a:noFill/>
+          <a:ln cap="flat" cmpd="sng" w="12700">
+            <a:solidFill>
+              <a:srgbClr val="000000"/>
+            </a:solidFill>
+            <a:prstDash val="solid"/>
+            <a:round/>
+            <a:headEnd len="sm" w="sm" type="none"/>
+            <a:tailEnd len="sm" w="sm" type="none"/>
+          </a:ln>
+        </p:spPr>
+      </p:sp>
+      <p:sp>
+        <p:nvSpPr>
+          <p:cNvPr id="312" name="Google Shape;312;p35:notes"/>
+          <p:cNvSpPr txBox="1"/>
+          <p:nvPr>
+            <p:ph idx="1" type="body"/>
+          </p:nvPr>
+        </p:nvSpPr>
+        <p:spPr>
+          <a:xfrm>
+            <a:off x="685800" y="4400550"/>
+            <a:ext cx="5486400" cy="3600450"/>
+          </a:xfrm>
+          <a:prstGeom prst="rect">
+            <a:avLst/>
+          </a:prstGeom>
+          <a:noFill/>
+          <a:ln>
+            <a:noFill/>
+          </a:ln>
+        </p:spPr>
+        <p:txBody>
+          <a:bodyPr anchorCtr="0" anchor="t" bIns="45700" lIns="91425" spcFirstLastPara="1" rIns="91425" wrap="square" tIns="45700">
+            <a:noAutofit/>
+          </a:bodyPr>
+          <a:lstStyle/>
+          <a:p>
+            <a:pPr indent="0" lvl="0" marL="0" rtl="0" algn="l">
+              <a:spcBef>
+                <a:spcPts val="0"/>
+              </a:spcBef>
+              <a:spcAft>
+                <a:spcPts val="0"/>
+              </a:spcAft>
+              <a:buNone/>
+            </a:pPr>
+            <a:r>
+              <a:t/>
+            </a:r>
+            <a:endParaRPr/>
+          </a:p>
+        </p:txBody>
+      </p:sp>
+      <p:sp>
+        <p:nvSpPr>
+          <p:cNvPr id="313" name="Google Shape;313;p35:notes"/>
+          <p:cNvSpPr txBox="1"/>
+          <p:nvPr>
+            <p:ph idx="12" type="sldNum"/>
+          </p:nvPr>
+        </p:nvSpPr>
+        <p:spPr>
+          <a:xfrm>
+            <a:off x="3884613" y="8685213"/>
+            <a:ext cx="2971800" cy="458787"/>
+          </a:xfrm>
+          <a:prstGeom prst="rect">
+            <a:avLst/>
+          </a:prstGeom>
+          <a:noFill/>
+          <a:ln>
+            <a:noFill/>
+          </a:ln>
+        </p:spPr>
+        <p:txBody>
+          <a:bodyPr anchorCtr="0" anchor="b" bIns="45700" lIns="91425" spcFirstLastPara="1" rIns="91425" wrap="square" tIns="45700">
+            <a:noAutofit/>
+          </a:bodyPr>
+          <a:lstStyle/>
+          <a:p>
+            <a:pPr indent="0" lvl="0" marL="0" rtl="0" algn="r">
+              <a:spcBef>
+                <a:spcPts val="0"/>
+              </a:spcBef>
+              <a:spcAft>
+                <a:spcPts val="0"/>
+              </a:spcAft>
+              <a:buNone/>
+            </a:pPr>
+            <a:fld id="{00000000-1234-1234-1234-123412341234}" type="slidenum">
+              <a:rPr lang="en-US"/>
+              <a:t>‹#›</a:t>
+            </a:fld>
+            <a:endParaRPr/>
+          </a:p>
+        </p:txBody>
+      </p:sp>
+    </p:spTree>
+  </p:cSld>
+  <p:clrMapOvr>
+    <a:masterClrMapping/>
+  </p:clrMapOvr>
+</p:notes>
+</file>
+
+<file path=ppt/notesSlides/notesSlide36.xml><?xml version="1.0" encoding="utf-8"?>
+<p:notes xmlns:a="http://schemas.openxmlformats.org/drawingml/2006/main" xmlns:r="http://schemas.openxmlformats.org/officeDocument/2006/relationships" xmlns:mc="http://schemas.openxmlformats.org/markup-compatibility/2006" xmlns:mv="urn:schemas-microsoft-com:mac:vml" xmlns:p="http://schemas.openxmlformats.org/presentationml/2006/main" xmlns:c="http://schemas.openxmlformats.org/drawingml/2006/chart" xmlns:dgm="http://schemas.openxmlformats.org/drawingml/2006/diagram" xmlns:o="urn:schemas-microsoft-com:office:office" xmlns:v="urn:schemas-microsoft-com:vml" xmlns:pvml="urn:schemas-microsoft-com:office:powerpoint" xmlns:com="http://schemas.openxmlformats.org/drawingml/2006/compatibility" xmlns:p14="http://schemas.microsoft.com/office/powerpoint/2010/main" xmlns:p15="http://schemas.microsoft.com/office/powerpoint/2012/main" xmlns:ahyp="http://schemas.microsoft.com/office/drawing/2018/hyperlinkcolor" showMasterPhAnim="0" showMasterSp="0">
+  <p:cSld>
+    <p:spTree>
+      <p:nvGrpSpPr>
+        <p:cNvPr id="318" name="Shape 318"/>
+        <p:cNvGrpSpPr/>
+        <p:nvPr/>
+      </p:nvGrpSpPr>
+      <p:grpSpPr>
+        <a:xfrm>
+          <a:off x="0" y="0"/>
+          <a:ext cx="0" cy="0"/>
+          <a:chOff x="0" y="0"/>
+          <a:chExt cx="0" cy="0"/>
+        </a:xfrm>
+      </p:grpSpPr>
+      <p:sp>
+        <p:nvSpPr>
+          <p:cNvPr id="319" name="Google Shape;319;p36:notes"/>
           <p:cNvSpPr txBox="1"/>
           <p:nvPr>
             <p:ph idx="1" type="body"/>
@@ -5025,7 +5126,7 @@
       </p:sp>
       <p:sp>
         <p:nvSpPr>
-          <p:cNvPr id="304" name="Google Shape;304;p35:notes"/>
+          <p:cNvPr id="320" name="Google Shape;320;p36:notes"/>
           <p:cNvSpPr/>
           <p:nvPr>
             <p:ph idx="2" type="sldImg"/>
@@ -5066,12 +5167,12 @@
 </p:notes>
 </file>
 
-<file path=ppt/notesSlides/notesSlide36.xml><?xml version="1.0" encoding="utf-8"?>
+<file path=ppt/notesSlides/notesSlide37.xml><?xml version="1.0" encoding="utf-8"?>
 <p:notes xmlns:a="http://schemas.openxmlformats.org/drawingml/2006/main" xmlns:r="http://schemas.openxmlformats.org/officeDocument/2006/relationships" xmlns:mc="http://schemas.openxmlformats.org/markup-compatibility/2006" xmlns:mv="urn:schemas-microsoft-com:mac:vml" xmlns:p="http://schemas.openxmlformats.org/presentationml/2006/main" xmlns:c="http://schemas.openxmlformats.org/drawingml/2006/chart" xmlns:dgm="http://schemas.openxmlformats.org/drawingml/2006/diagram" xmlns:o="urn:schemas-microsoft-com:office:office" xmlns:v="urn:schemas-microsoft-com:vml" xmlns:pvml="urn:schemas-microsoft-com:office:powerpoint" xmlns:com="http://schemas.openxmlformats.org/drawingml/2006/compatibility" xmlns:p14="http://schemas.microsoft.com/office/powerpoint/2010/main" xmlns:p15="http://schemas.microsoft.com/office/powerpoint/2012/main" xmlns:ahyp="http://schemas.microsoft.com/office/drawing/2018/hyperlinkcolor" showMasterPhAnim="0" showMasterSp="0">
   <p:cSld>
     <p:spTree>
       <p:nvGrpSpPr>
-        <p:cNvPr id="308" name="Shape 308"/>
+        <p:cNvPr id="324" name="Shape 324"/>
         <p:cNvGrpSpPr/>
         <p:nvPr/>
       </p:nvGrpSpPr>
@@ -5085,7 +5186,7 @@
       </p:grpSpPr>
       <p:sp>
         <p:nvSpPr>
-          <p:cNvPr id="309" name="Google Shape;309;p36:notes"/>
+          <p:cNvPr id="325" name="Google Shape;325;p37:notes"/>
           <p:cNvSpPr txBox="1"/>
           <p:nvPr>
             <p:ph idx="1" type="body"/>
@@ -5124,7 +5225,106 @@
       </p:sp>
       <p:sp>
         <p:nvSpPr>
-          <p:cNvPr id="310" name="Google Shape;310;p36:notes"/>
+          <p:cNvPr id="326" name="Google Shape;326;p37:notes"/>
+          <p:cNvSpPr/>
+          <p:nvPr>
+            <p:ph idx="2" type="sldImg"/>
+          </p:nvPr>
+        </p:nvSpPr>
+        <p:spPr>
+          <a:xfrm>
+            <a:off x="685800" y="1143000"/>
+            <a:ext cx="5486400" cy="3086100"/>
+          </a:xfrm>
+          <a:custGeom>
+            <a:rect b="b" l="l" r="r" t="t"/>
+            <a:pathLst>
+              <a:path extrusionOk="0" h="120000" w="120000">
+                <a:moveTo>
+                  <a:pt x="0" y="0"/>
+                </a:moveTo>
+                <a:lnTo>
+                  <a:pt x="120000" y="0"/>
+                </a:lnTo>
+                <a:lnTo>
+                  <a:pt x="120000" y="120000"/>
+                </a:lnTo>
+                <a:lnTo>
+                  <a:pt x="0" y="120000"/>
+                </a:lnTo>
+                <a:close/>
+              </a:path>
+            </a:pathLst>
+          </a:custGeom>
+        </p:spPr>
+      </p:sp>
+    </p:spTree>
+  </p:cSld>
+  <p:clrMapOvr>
+    <a:masterClrMapping/>
+  </p:clrMapOvr>
+</p:notes>
+</file>
+
+<file path=ppt/notesSlides/notesSlide38.xml><?xml version="1.0" encoding="utf-8"?>
+<p:notes xmlns:a="http://schemas.openxmlformats.org/drawingml/2006/main" xmlns:r="http://schemas.openxmlformats.org/officeDocument/2006/relationships" xmlns:mc="http://schemas.openxmlformats.org/markup-compatibility/2006" xmlns:mv="urn:schemas-microsoft-com:mac:vml" xmlns:p="http://schemas.openxmlformats.org/presentationml/2006/main" xmlns:c="http://schemas.openxmlformats.org/drawingml/2006/chart" xmlns:dgm="http://schemas.openxmlformats.org/drawingml/2006/diagram" xmlns:o="urn:schemas-microsoft-com:office:office" xmlns:v="urn:schemas-microsoft-com:vml" xmlns:pvml="urn:schemas-microsoft-com:office:powerpoint" xmlns:com="http://schemas.openxmlformats.org/drawingml/2006/compatibility" xmlns:p14="http://schemas.microsoft.com/office/powerpoint/2010/main" xmlns:p15="http://schemas.microsoft.com/office/powerpoint/2012/main" xmlns:ahyp="http://schemas.microsoft.com/office/drawing/2018/hyperlinkcolor" showMasterPhAnim="0" showMasterSp="0">
+  <p:cSld>
+    <p:spTree>
+      <p:nvGrpSpPr>
+        <p:cNvPr id="330" name="Shape 330"/>
+        <p:cNvGrpSpPr/>
+        <p:nvPr/>
+      </p:nvGrpSpPr>
+      <p:grpSpPr>
+        <a:xfrm>
+          <a:off x="0" y="0"/>
+          <a:ext cx="0" cy="0"/>
+          <a:chOff x="0" y="0"/>
+          <a:chExt cx="0" cy="0"/>
+        </a:xfrm>
+      </p:grpSpPr>
+      <p:sp>
+        <p:nvSpPr>
+          <p:cNvPr id="331" name="Google Shape;331;p38:notes"/>
+          <p:cNvSpPr txBox="1"/>
+          <p:nvPr>
+            <p:ph idx="1" type="body"/>
+          </p:nvPr>
+        </p:nvSpPr>
+        <p:spPr>
+          <a:xfrm>
+            <a:off x="685800" y="4400550"/>
+            <a:ext cx="5486400" cy="3600450"/>
+          </a:xfrm>
+          <a:prstGeom prst="rect">
+            <a:avLst/>
+          </a:prstGeom>
+        </p:spPr>
+        <p:txBody>
+          <a:bodyPr anchorCtr="0" anchor="t" bIns="45700" lIns="91425" spcFirstLastPara="1" rIns="91425" wrap="square" tIns="45700">
+            <a:noAutofit/>
+          </a:bodyPr>
+          <a:lstStyle/>
+          <a:p>
+            <a:pPr indent="0" lvl="0" marL="0" rtl="0" algn="l">
+              <a:spcBef>
+                <a:spcPts val="0"/>
+              </a:spcBef>
+              <a:spcAft>
+                <a:spcPts val="0"/>
+              </a:spcAft>
+              <a:buNone/>
+            </a:pPr>
+            <a:r>
+              <a:t/>
+            </a:r>
+            <a:endParaRPr/>
+          </a:p>
+        </p:txBody>
+      </p:sp>
+      <p:sp>
+        <p:nvSpPr>
+          <p:cNvPr id="332" name="Google Shape;332;p38:notes"/>
           <p:cNvSpPr/>
           <p:nvPr>
             <p:ph idx="2" type="sldImg"/>
@@ -5894,7 +6094,7 @@
       </p:grpSpPr>
       <p:sp>
         <p:nvSpPr>
-          <p:cNvPr id="16" name="Google Shape;16;p38"/>
+          <p:cNvPr id="16" name="Google Shape;16;p40"/>
           <p:cNvSpPr txBox="1"/>
           <p:nvPr>
             <p:ph type="title"/>
@@ -6054,7 +6254,7 @@
       </p:grpSpPr>
       <p:sp>
         <p:nvSpPr>
-          <p:cNvPr id="25" name="Google Shape;25;p40"/>
+          <p:cNvPr id="25" name="Google Shape;25;p42"/>
           <p:cNvSpPr/>
           <p:nvPr/>
         </p:nvSpPr>
@@ -6105,7 +6305,7 @@
       </p:sp>
       <p:sp>
         <p:nvSpPr>
-          <p:cNvPr id="26" name="Google Shape;26;p40"/>
+          <p:cNvPr id="26" name="Google Shape;26;p42"/>
           <p:cNvSpPr txBox="1"/>
           <p:nvPr>
             <p:ph type="title"/>
@@ -6237,7 +6437,7 @@
       </p:sp>
       <p:sp>
         <p:nvSpPr>
-          <p:cNvPr id="27" name="Google Shape;27;p40"/>
+          <p:cNvPr id="27" name="Google Shape;27;p42"/>
           <p:cNvSpPr txBox="1"/>
           <p:nvPr>
             <p:ph idx="1" type="body"/>
@@ -6438,7 +6638,7 @@
       </p:grpSpPr>
       <p:sp>
         <p:nvSpPr>
-          <p:cNvPr id="29" name="Google Shape;29;p41"/>
+          <p:cNvPr id="29" name="Google Shape;29;p43"/>
           <p:cNvSpPr txBox="1"/>
           <p:nvPr>
             <p:ph type="title"/>
@@ -6571,7 +6771,7 @@
       </p:sp>
       <p:sp>
         <p:nvSpPr>
-          <p:cNvPr id="30" name="Google Shape;30;p41"/>
+          <p:cNvPr id="30" name="Google Shape;30;p43"/>
           <p:cNvSpPr txBox="1"/>
           <p:nvPr>
             <p:ph idx="1" type="body"/>
@@ -6727,7 +6927,7 @@
       </p:sp>
       <p:sp>
         <p:nvSpPr>
-          <p:cNvPr id="31" name="Google Shape;31;p41"/>
+          <p:cNvPr id="31" name="Google Shape;31;p43"/>
           <p:cNvSpPr txBox="1"/>
           <p:nvPr>
             <p:ph idx="12" type="sldNum"/>
@@ -6932,7 +7132,7 @@
       </p:grpSpPr>
       <p:sp>
         <p:nvSpPr>
-          <p:cNvPr id="33" name="Google Shape;33;p45"/>
+          <p:cNvPr id="33" name="Google Shape;33;p47"/>
           <p:cNvSpPr/>
           <p:nvPr/>
         </p:nvSpPr>
@@ -6983,7 +7183,7 @@
       </p:sp>
       <p:sp>
         <p:nvSpPr>
-          <p:cNvPr id="34" name="Google Shape;34;p45"/>
+          <p:cNvPr id="34" name="Google Shape;34;p47"/>
           <p:cNvSpPr txBox="1"/>
           <p:nvPr>
             <p:ph idx="1" type="body"/>
@@ -7139,7 +7339,7 @@
       </p:sp>
       <p:sp>
         <p:nvSpPr>
-          <p:cNvPr id="35" name="Google Shape;35;p45"/>
+          <p:cNvPr id="35" name="Google Shape;35;p47"/>
           <p:cNvSpPr txBox="1"/>
           <p:nvPr>
             <p:ph type="title"/>
@@ -7296,7 +7496,7 @@
       </p:grpSpPr>
       <p:sp>
         <p:nvSpPr>
-          <p:cNvPr id="37" name="Google Shape;37;p46"/>
+          <p:cNvPr id="37" name="Google Shape;37;p48"/>
           <p:cNvSpPr txBox="1"/>
           <p:nvPr>
             <p:ph type="title"/>
@@ -7428,7 +7628,7 @@
       </p:sp>
       <p:sp>
         <p:nvSpPr>
-          <p:cNvPr id="38" name="Google Shape;38;p46"/>
+          <p:cNvPr id="38" name="Google Shape;38;p48"/>
           <p:cNvSpPr txBox="1"/>
           <p:nvPr>
             <p:ph idx="12" type="sldNum"/>
@@ -7640,7 +7840,7 @@
       </p:grpSpPr>
       <p:sp>
         <p:nvSpPr>
-          <p:cNvPr id="40" name="Google Shape;40;p43"/>
+          <p:cNvPr id="40" name="Google Shape;40;p45"/>
           <p:cNvSpPr txBox="1"/>
           <p:nvPr>
             <p:ph type="title"/>
@@ -7773,7 +7973,7 @@
       </p:sp>
       <p:sp>
         <p:nvSpPr>
-          <p:cNvPr id="41" name="Google Shape;41;p43"/>
+          <p:cNvPr id="41" name="Google Shape;41;p45"/>
           <p:cNvSpPr txBox="1"/>
           <p:nvPr>
             <p:ph idx="12" type="sldNum"/>
@@ -7980,7 +8180,7 @@
       </p:sp>
       <p:pic>
         <p:nvPicPr>
-          <p:cNvPr id="42" name="Google Shape;42;p43"/>
+          <p:cNvPr id="42" name="Google Shape;42;p45"/>
           <p:cNvPicPr preferRelativeResize="0"/>
           <p:nvPr/>
         </p:nvPicPr>
@@ -8032,7 +8232,7 @@
       </p:grpSpPr>
       <p:sp>
         <p:nvSpPr>
-          <p:cNvPr id="44" name="Google Shape;44;p47"/>
+          <p:cNvPr id="44" name="Google Shape;44;p49"/>
           <p:cNvSpPr txBox="1"/>
           <p:nvPr>
             <p:ph type="title"/>
@@ -8164,7 +8364,7 @@
       </p:sp>
       <p:sp>
         <p:nvSpPr>
-          <p:cNvPr id="45" name="Google Shape;45;p47"/>
+          <p:cNvPr id="45" name="Google Shape;45;p49"/>
           <p:cNvSpPr txBox="1"/>
           <p:nvPr>
             <p:ph idx="1" type="body"/>
@@ -8320,7 +8520,7 @@
       </p:sp>
       <p:sp>
         <p:nvSpPr>
-          <p:cNvPr id="46" name="Google Shape;46;p47"/>
+          <p:cNvPr id="46" name="Google Shape;46;p49"/>
           <p:cNvSpPr txBox="1"/>
           <p:nvPr>
             <p:ph idx="2" type="body"/>
@@ -8476,7 +8676,7 @@
       </p:sp>
       <p:sp>
         <p:nvSpPr>
-          <p:cNvPr id="47" name="Google Shape;47;p47"/>
+          <p:cNvPr id="47" name="Google Shape;47;p49"/>
           <p:cNvSpPr txBox="1"/>
           <p:nvPr>
             <p:ph idx="10" type="dt"/>
@@ -8677,7 +8877,7 @@
       </p:sp>
       <p:sp>
         <p:nvSpPr>
-          <p:cNvPr id="48" name="Google Shape;48;p47"/>
+          <p:cNvPr id="48" name="Google Shape;48;p49"/>
           <p:cNvSpPr txBox="1"/>
           <p:nvPr>
             <p:ph idx="11" type="ftr"/>
@@ -8878,7 +9078,7 @@
       </p:sp>
       <p:sp>
         <p:nvSpPr>
-          <p:cNvPr id="49" name="Google Shape;49;p47"/>
+          <p:cNvPr id="49" name="Google Shape;49;p49"/>
           <p:cNvSpPr txBox="1"/>
           <p:nvPr>
             <p:ph idx="12" type="sldNum"/>
@@ -9090,7 +9290,7 @@
       </p:grpSpPr>
       <p:sp>
         <p:nvSpPr>
-          <p:cNvPr id="58" name="Google Shape;58;p44"/>
+          <p:cNvPr id="58" name="Google Shape;58;p46"/>
           <p:cNvSpPr txBox="1"/>
           <p:nvPr>
             <p:ph type="title"/>
@@ -9223,7 +9423,7 @@
       </p:sp>
       <p:sp>
         <p:nvSpPr>
-          <p:cNvPr id="59" name="Google Shape;59;p44"/>
+          <p:cNvPr id="59" name="Google Shape;59;p46"/>
           <p:cNvSpPr txBox="1"/>
           <p:nvPr>
             <p:ph idx="12" type="sldNum"/>
@@ -9430,7 +9630,7 @@
       </p:sp>
       <p:pic>
         <p:nvPicPr>
-          <p:cNvPr id="60" name="Google Shape;60;p44"/>
+          <p:cNvPr id="60" name="Google Shape;60;p46"/>
           <p:cNvPicPr preferRelativeResize="0"/>
           <p:nvPr/>
         </p:nvPicPr>
@@ -9489,7 +9689,7 @@
       </p:grpSpPr>
       <p:pic>
         <p:nvPicPr>
-          <p:cNvPr id="10" name="Google Shape;10;p37"/>
+          <p:cNvPr id="10" name="Google Shape;10;p39"/>
           <p:cNvPicPr preferRelativeResize="0"/>
           <p:nvPr/>
         </p:nvPicPr>
@@ -9516,7 +9716,7 @@
       </p:pic>
       <p:sp>
         <p:nvSpPr>
-          <p:cNvPr id="11" name="Google Shape;11;p37"/>
+          <p:cNvPr id="11" name="Google Shape;11;p39"/>
           <p:cNvSpPr/>
           <p:nvPr/>
         </p:nvSpPr>
@@ -9567,7 +9767,7 @@
       </p:sp>
       <p:pic>
         <p:nvPicPr>
-          <p:cNvPr id="12" name="Google Shape;12;p37"/>
+          <p:cNvPr id="12" name="Google Shape;12;p39"/>
           <p:cNvPicPr preferRelativeResize="0"/>
           <p:nvPr/>
         </p:nvPicPr>
@@ -9594,7 +9794,7 @@
       </p:pic>
       <p:sp>
         <p:nvSpPr>
-          <p:cNvPr id="13" name="Google Shape;13;p37"/>
+          <p:cNvPr id="13" name="Google Shape;13;p39"/>
           <p:cNvSpPr txBox="1"/>
           <p:nvPr>
             <p:ph type="title"/>
@@ -9738,7 +9938,7 @@
       </p:sp>
       <p:pic>
         <p:nvPicPr>
-          <p:cNvPr descr="UI_Seal_white.png" id="14" name="Google Shape;14;p37"/>
+          <p:cNvPr descr="UI_Seal_white.png" id="14" name="Google Shape;14;p39"/>
           <p:cNvPicPr preferRelativeResize="0"/>
           <p:nvPr/>
         </p:nvPicPr>
@@ -10488,7 +10688,7 @@
       </p:grpSpPr>
       <p:sp>
         <p:nvSpPr>
-          <p:cNvPr id="18" name="Google Shape;18;p39"/>
+          <p:cNvPr id="18" name="Google Shape;18;p41"/>
           <p:cNvSpPr txBox="1"/>
           <p:nvPr>
             <p:ph idx="1" type="body"/>
@@ -10740,7 +10940,7 @@
       </p:sp>
       <p:sp>
         <p:nvSpPr>
-          <p:cNvPr id="19" name="Google Shape;19;p39"/>
+          <p:cNvPr id="19" name="Google Shape;19;p41"/>
           <p:cNvSpPr/>
           <p:nvPr/>
         </p:nvSpPr>
@@ -10798,7 +10998,7 @@
       </p:sp>
       <p:pic>
         <p:nvPicPr>
-          <p:cNvPr id="20" name="Google Shape;20;p39"/>
+          <p:cNvPr id="20" name="Google Shape;20;p41"/>
           <p:cNvPicPr preferRelativeResize="0"/>
           <p:nvPr/>
         </p:nvPicPr>
@@ -10825,7 +11025,7 @@
       </p:pic>
       <p:sp>
         <p:nvSpPr>
-          <p:cNvPr id="21" name="Google Shape;21;p39"/>
+          <p:cNvPr id="21" name="Google Shape;21;p41"/>
           <p:cNvSpPr txBox="1"/>
           <p:nvPr>
             <p:ph type="title"/>
@@ -10966,7 +11166,7 @@
       </p:sp>
       <p:pic>
         <p:nvPicPr>
-          <p:cNvPr id="22" name="Google Shape;22;p39"/>
+          <p:cNvPr id="22" name="Google Shape;22;p41"/>
           <p:cNvPicPr preferRelativeResize="0"/>
           <p:nvPr/>
         </p:nvPicPr>
@@ -10993,7 +11193,7 @@
       </p:pic>
       <p:sp>
         <p:nvSpPr>
-          <p:cNvPr id="23" name="Google Shape;23;p39"/>
+          <p:cNvPr id="23" name="Google Shape;23;p41"/>
           <p:cNvSpPr txBox="1"/>
           <p:nvPr/>
         </p:nvSpPr>
@@ -11810,7 +12010,7 @@
       </p:grpSpPr>
       <p:sp>
         <p:nvSpPr>
-          <p:cNvPr id="51" name="Google Shape;51;p42"/>
+          <p:cNvPr id="51" name="Google Shape;51;p44"/>
           <p:cNvSpPr txBox="1"/>
           <p:nvPr>
             <p:ph idx="1" type="body"/>
@@ -12062,7 +12262,7 @@
       </p:sp>
       <p:sp>
         <p:nvSpPr>
-          <p:cNvPr id="52" name="Google Shape;52;p42"/>
+          <p:cNvPr id="52" name="Google Shape;52;p44"/>
           <p:cNvSpPr/>
           <p:nvPr/>
         </p:nvSpPr>
@@ -12120,7 +12320,7 @@
       </p:sp>
       <p:pic>
         <p:nvPicPr>
-          <p:cNvPr id="53" name="Google Shape;53;p42"/>
+          <p:cNvPr id="53" name="Google Shape;53;p44"/>
           <p:cNvPicPr preferRelativeResize="0"/>
           <p:nvPr/>
         </p:nvPicPr>
@@ -12147,7 +12347,7 @@
       </p:pic>
       <p:sp>
         <p:nvSpPr>
-          <p:cNvPr id="54" name="Google Shape;54;p42"/>
+          <p:cNvPr id="54" name="Google Shape;54;p44"/>
           <p:cNvSpPr txBox="1"/>
           <p:nvPr>
             <p:ph type="title"/>
@@ -12288,7 +12488,7 @@
       </p:sp>
       <p:pic>
         <p:nvPicPr>
-          <p:cNvPr id="55" name="Google Shape;55;p42"/>
+          <p:cNvPr id="55" name="Google Shape;55;p44"/>
           <p:cNvPicPr preferRelativeResize="0"/>
           <p:nvPr/>
         </p:nvPicPr>
@@ -12315,7 +12515,7 @@
       </p:pic>
       <p:sp>
         <p:nvSpPr>
-          <p:cNvPr id="56" name="Google Shape;56;p42"/>
+          <p:cNvPr id="56" name="Google Shape;56;p44"/>
           <p:cNvSpPr txBox="1"/>
           <p:nvPr/>
         </p:nvSpPr>
@@ -13322,21 +13522,9 @@
             </a:r>
             <a:r>
               <a:rPr lang="en-US"/>
-              <a:t>–</a:t>
-            </a:r>
-            <a:r>
-              <a:rPr lang="en-US">
-                <a:solidFill>
-                  <a:schemeClr val="dk1"/>
-                </a:solidFill>
-              </a:rPr>
-              <a:t> using words in dictionary. </a:t>
-            </a:r>
-            <a:endParaRPr>
-              <a:solidFill>
-                <a:schemeClr val="dk1"/>
-              </a:solidFill>
-            </a:endParaRPr>
+              <a:t>– using words in dictionary. </a:t>
+            </a:r>
+            <a:endParaRPr/>
           </a:p>
           <a:p>
             <a:pPr indent="-342900" lvl="0" marL="342900" rtl="0" algn="l">
@@ -13349,26 +13537,15 @@
               <a:spcAft>
                 <a:spcPts val="0"/>
               </a:spcAft>
-              <a:buClr>
-                <a:schemeClr val="dk1"/>
-              </a:buClr>
               <a:buSzPts val="2100"/>
               <a:buFont typeface="Arial"/>
               <a:buChar char="•"/>
             </a:pPr>
             <a:r>
-              <a:rPr lang="en-US">
-                <a:solidFill>
-                  <a:schemeClr val="dk1"/>
-                </a:solidFill>
-              </a:rPr>
+              <a:rPr lang="en-US"/>
               <a:t>Inferring passwords likely for a user </a:t>
             </a:r>
-            <a:endParaRPr>
-              <a:solidFill>
-                <a:schemeClr val="dk1"/>
-              </a:solidFill>
-            </a:endParaRPr>
+            <a:endParaRPr/>
           </a:p>
           <a:p>
             <a:pPr indent="-123443" lvl="2" marL="514350" rtl="0" algn="l">
@@ -13385,18 +13562,10 @@
               <a:buNone/>
             </a:pPr>
             <a:r>
-              <a:rPr lang="en-US" sz="2000">
-                <a:solidFill>
-                  <a:schemeClr val="dk1"/>
-                </a:solidFill>
-              </a:rPr>
+              <a:rPr lang="en-US" sz="2000"/>
               <a:t>People usually use personal information (birthday, names, pet’s name) in passwords. </a:t>
             </a:r>
-            <a:endParaRPr sz="2000">
-              <a:solidFill>
-                <a:schemeClr val="dk1"/>
-              </a:solidFill>
-            </a:endParaRPr>
+            <a:endParaRPr sz="2000"/>
           </a:p>
           <a:p>
             <a:pPr indent="0" lvl="0" marL="0" rtl="0" algn="l">
@@ -13445,21 +13614,9 @@
             </a:r>
             <a:r>
               <a:rPr lang="en-US"/>
-              <a:t>– </a:t>
-            </a:r>
-            <a:r>
-              <a:rPr lang="en-US">
-                <a:solidFill>
-                  <a:schemeClr val="dk1"/>
-                </a:solidFill>
-              </a:rPr>
-              <a:t>certain passwords against many accounts. </a:t>
-            </a:r>
-            <a:endParaRPr>
-              <a:solidFill>
-                <a:schemeClr val="dk1"/>
-              </a:solidFill>
-            </a:endParaRPr>
+              <a:t>– certain passwords against many accounts. </a:t>
+            </a:r>
+            <a:endParaRPr/>
           </a:p>
           <a:p>
             <a:pPr indent="-342900" lvl="0" marL="342900" rtl="0" algn="l">
@@ -13472,26 +13629,15 @@
               <a:spcAft>
                 <a:spcPts val="0"/>
               </a:spcAft>
-              <a:buClr>
-                <a:schemeClr val="dk1"/>
-              </a:buClr>
               <a:buSzPts val="2100"/>
               <a:buFont typeface="Arial"/>
               <a:buChar char="•"/>
             </a:pPr>
             <a:r>
-              <a:rPr lang="en-US">
-                <a:solidFill>
-                  <a:schemeClr val="dk1"/>
-                </a:solidFill>
-              </a:rPr>
+              <a:rPr lang="en-US"/>
               <a:t>A form of brute-force attack that attempts to use a single password or small set of passwords against many accounts.</a:t>
             </a:r>
-            <a:endParaRPr sz="2000">
-              <a:solidFill>
-                <a:schemeClr val="dk1"/>
-              </a:solidFill>
-            </a:endParaRPr>
+            <a:endParaRPr sz="2000"/>
           </a:p>
           <a:p>
             <a:pPr indent="-123443" lvl="2" marL="514350" rtl="0" algn="l">
@@ -13629,18 +13775,10 @@
               <a:buNone/>
             </a:pPr>
             <a:r>
-              <a:rPr lang="en-US">
-                <a:solidFill>
-                  <a:schemeClr val="dk1"/>
-                </a:solidFill>
-              </a:rPr>
+              <a:rPr lang="en-US"/>
               <a:t>Operating systems store passwords in encrypted form so that compromising the ID-password list does not give immediate access to all user accounts.</a:t>
             </a:r>
-            <a:endParaRPr>
-              <a:solidFill>
-                <a:schemeClr val="dk1"/>
-              </a:solidFill>
-            </a:endParaRPr>
+            <a:endParaRPr/>
           </a:p>
           <a:p>
             <a:pPr indent="-171450" lvl="1" marL="377190" rtl="0" algn="l">
@@ -13653,25 +13791,14 @@
               <a:spcAft>
                 <a:spcPts val="0"/>
               </a:spcAft>
-              <a:buClr>
-                <a:schemeClr val="dk1"/>
-              </a:buClr>
               <a:buSzPts val="1800"/>
               <a:buChar char="▪"/>
             </a:pPr>
             <a:r>
-              <a:rPr lang="en-US">
-                <a:solidFill>
-                  <a:schemeClr val="dk1"/>
-                </a:solidFill>
-              </a:rPr>
+              <a:rPr lang="en-US"/>
               <a:t>When a user creates a password, the operating system accepts and immediately conceals it, storing the unreadable version. </a:t>
             </a:r>
-            <a:endParaRPr>
-              <a:solidFill>
-                <a:schemeClr val="dk1"/>
-              </a:solidFill>
-            </a:endParaRPr>
+            <a:endParaRPr/>
           </a:p>
           <a:p>
             <a:pPr indent="-171450" lvl="1" marL="377190" rtl="0" algn="l">
@@ -13684,25 +13811,14 @@
               <a:spcAft>
                 <a:spcPts val="0"/>
               </a:spcAft>
-              <a:buClr>
-                <a:schemeClr val="dk1"/>
-              </a:buClr>
               <a:buSzPts val="1800"/>
               <a:buChar char="▪"/>
             </a:pPr>
             <a:r>
-              <a:rPr lang="en-US">
-                <a:solidFill>
-                  <a:schemeClr val="dk1"/>
-                </a:solidFill>
-              </a:rPr>
+              <a:rPr lang="en-US"/>
               <a:t>When the user attempts to authenticate, the typed string will be concealed and compare with the stored one.</a:t>
             </a:r>
-            <a:endParaRPr>
-              <a:solidFill>
-                <a:schemeClr val="dk1"/>
-              </a:solidFill>
-            </a:endParaRPr>
+            <a:endParaRPr/>
           </a:p>
           <a:p>
             <a:pPr indent="-171450" lvl="1" marL="377190" rtl="0" algn="l">
@@ -13715,25 +13831,14 @@
               <a:spcAft>
                 <a:spcPts val="0"/>
               </a:spcAft>
-              <a:buClr>
-                <a:schemeClr val="dk1"/>
-              </a:buClr>
               <a:buSzPts val="1800"/>
               <a:buChar char="▪"/>
             </a:pPr>
             <a:r>
-              <a:rPr lang="en-US">
-                <a:solidFill>
-                  <a:schemeClr val="dk1"/>
-                </a:solidFill>
-              </a:rPr>
+              <a:rPr lang="en-US"/>
               <a:t>Forgot your password? Only reset. </a:t>
             </a:r>
-            <a:endParaRPr>
-              <a:solidFill>
-                <a:schemeClr val="dk1"/>
-              </a:solidFill>
-            </a:endParaRPr>
+            <a:endParaRPr/>
           </a:p>
           <a:p>
             <a:pPr indent="-171450" lvl="1" marL="377190" rtl="0" algn="l">
@@ -13746,25 +13851,14 @@
               <a:spcAft>
                 <a:spcPts val="0"/>
               </a:spcAft>
-              <a:buClr>
-                <a:schemeClr val="dk1"/>
-              </a:buClr>
               <a:buSzPts val="1800"/>
               <a:buChar char="▪"/>
             </a:pPr>
             <a:r>
-              <a:rPr lang="en-US">
-                <a:solidFill>
-                  <a:schemeClr val="dk1"/>
-                </a:solidFill>
-              </a:rPr>
+              <a:rPr lang="en-US"/>
               <a:t>Wrong passwords attempts, lock the account.</a:t>
             </a:r>
-            <a:endParaRPr>
-              <a:solidFill>
-                <a:schemeClr val="dk1"/>
-              </a:solidFill>
-            </a:endParaRPr>
+            <a:endParaRPr/>
           </a:p>
           <a:p>
             <a:pPr indent="0" lvl="0" marL="0" rtl="0" algn="l">
@@ -13902,18 +13996,10 @@
               <a:buNone/>
             </a:pPr>
             <a:r>
-              <a:rPr lang="en-US">
-                <a:solidFill>
-                  <a:schemeClr val="dk1"/>
-                </a:solidFill>
-              </a:rPr>
+              <a:rPr lang="en-US"/>
               <a:t>Hashing Password – transform a password into data that cannot be converted back to the original password.</a:t>
             </a:r>
-            <a:endParaRPr>
-              <a:solidFill>
-                <a:schemeClr val="dk1"/>
-              </a:solidFill>
-            </a:endParaRPr>
+            <a:endParaRPr/>
           </a:p>
           <a:p>
             <a:pPr indent="0" lvl="0" marL="0" rtl="0" algn="l">
@@ -14348,18 +14434,10 @@
               <a:buNone/>
             </a:pPr>
             <a:r>
-              <a:rPr lang="en-US">
-                <a:solidFill>
-                  <a:schemeClr val="dk1"/>
-                </a:solidFill>
-              </a:rPr>
+              <a:rPr lang="en-US"/>
               <a:t>The same string run through the a hash function gets the same output.</a:t>
             </a:r>
-            <a:endParaRPr>
-              <a:solidFill>
-                <a:schemeClr val="dk1"/>
-              </a:solidFill>
-            </a:endParaRPr>
+            <a:endParaRPr/>
           </a:p>
           <a:p>
             <a:pPr indent="0" lvl="0" marL="0" rtl="0" algn="l">
@@ -14376,18 +14454,10 @@
               <a:buNone/>
             </a:pPr>
             <a:r>
-              <a:rPr lang="en-US">
-                <a:solidFill>
-                  <a:schemeClr val="dk1"/>
-                </a:solidFill>
-              </a:rPr>
+              <a:rPr lang="en-US"/>
               <a:t>If two users have the same password, they'll have the same password hashes.</a:t>
             </a:r>
-            <a:endParaRPr>
-              <a:solidFill>
-                <a:schemeClr val="dk1"/>
-              </a:solidFill>
-            </a:endParaRPr>
+            <a:endParaRPr/>
           </a:p>
           <a:p>
             <a:pPr indent="0" lvl="0" marL="0" rtl="0" algn="l">
@@ -14432,21 +14502,9 @@
             </a:r>
             <a:r>
               <a:rPr lang="en-US"/>
-              <a:t>: </a:t>
-            </a:r>
-            <a:r>
-              <a:rPr lang="en-US">
-                <a:solidFill>
-                  <a:schemeClr val="dk1"/>
-                </a:solidFill>
-              </a:rPr>
-              <a:t>precomputed list of popular values, such as passwords.</a:t>
-            </a:r>
-            <a:endParaRPr>
-              <a:solidFill>
-                <a:schemeClr val="dk1"/>
-              </a:solidFill>
-            </a:endParaRPr>
+              <a:t>: precomputed list of popular values, such as passwords.</a:t>
+            </a:r>
+            <a:endParaRPr/>
           </a:p>
           <a:p>
             <a:pPr indent="-171450" lvl="1" marL="377190" rtl="0" algn="l">
@@ -14459,25 +14517,14 @@
               <a:spcAft>
                 <a:spcPts val="0"/>
               </a:spcAft>
-              <a:buClr>
-                <a:schemeClr val="dk1"/>
-              </a:buClr>
               <a:buSzPts val="1800"/>
               <a:buChar char="▪"/>
             </a:pPr>
             <a:r>
-              <a:rPr lang="en-US">
-                <a:solidFill>
-                  <a:schemeClr val="dk1"/>
-                </a:solidFill>
-              </a:rPr>
+              <a:rPr lang="en-US"/>
               <a:t>Look up table</a:t>
             </a:r>
-            <a:endParaRPr>
-              <a:solidFill>
-                <a:schemeClr val="dk1"/>
-              </a:solidFill>
-            </a:endParaRPr>
+            <a:endParaRPr/>
           </a:p>
         </p:txBody>
       </p:sp>
@@ -15038,18 +15085,10 @@
               <a:buNone/>
             </a:pPr>
             <a:r>
-              <a:rPr lang="en-US">
-                <a:solidFill>
-                  <a:schemeClr val="dk1"/>
-                </a:solidFill>
-              </a:rPr>
+              <a:rPr lang="en-US"/>
               <a:t>System side:</a:t>
             </a:r>
-            <a:endParaRPr>
-              <a:solidFill>
-                <a:schemeClr val="dk1"/>
-              </a:solidFill>
-            </a:endParaRPr>
+            <a:endParaRPr/>
           </a:p>
           <a:p>
             <a:pPr indent="-342900" lvl="1" marL="720090" rtl="0" algn="l">
@@ -15062,26 +15101,15 @@
               <a:spcAft>
                 <a:spcPts val="0"/>
               </a:spcAft>
-              <a:buClr>
-                <a:schemeClr val="dk1"/>
-              </a:buClr>
               <a:buSzPts val="1800"/>
               <a:buFont typeface="Arial"/>
               <a:buChar char="•"/>
             </a:pPr>
             <a:r>
-              <a:rPr lang="en-US">
-                <a:solidFill>
-                  <a:schemeClr val="dk1"/>
-                </a:solidFill>
-              </a:rPr>
+              <a:rPr lang="en-US"/>
               <a:t>Require longer and complex passwords, sometimes with symbols (#,$,%,-,!)</a:t>
             </a:r>
-            <a:endParaRPr>
-              <a:solidFill>
-                <a:schemeClr val="dk1"/>
-              </a:solidFill>
-            </a:endParaRPr>
+            <a:endParaRPr/>
           </a:p>
           <a:p>
             <a:pPr indent="-342900" lvl="1" marL="720090" rtl="0" algn="l">
@@ -15094,26 +15122,15 @@
               <a:spcAft>
                 <a:spcPts val="0"/>
               </a:spcAft>
-              <a:buClr>
-                <a:schemeClr val="dk1"/>
-              </a:buClr>
               <a:buSzPts val="1800"/>
               <a:buFont typeface="Arial"/>
               <a:buChar char="•"/>
             </a:pPr>
             <a:r>
-              <a:rPr lang="en-US">
-                <a:solidFill>
-                  <a:schemeClr val="dk1"/>
-                </a:solidFill>
-              </a:rPr>
+              <a:rPr lang="en-US"/>
               <a:t>Limit failed login attempts</a:t>
             </a:r>
-            <a:endParaRPr>
-              <a:solidFill>
-                <a:schemeClr val="dk1"/>
-              </a:solidFill>
-            </a:endParaRPr>
+            <a:endParaRPr/>
           </a:p>
           <a:p>
             <a:pPr indent="-342900" lvl="1" marL="720090" rtl="0" algn="l">
@@ -15126,26 +15143,15 @@
               <a:spcAft>
                 <a:spcPts val="0"/>
               </a:spcAft>
-              <a:buClr>
-                <a:schemeClr val="dk1"/>
-              </a:buClr>
               <a:buSzPts val="1800"/>
               <a:buFont typeface="Arial"/>
               <a:buChar char="•"/>
             </a:pPr>
             <a:r>
-              <a:rPr lang="en-US">
-                <a:solidFill>
-                  <a:schemeClr val="dk1"/>
-                </a:solidFill>
-              </a:rPr>
+              <a:rPr lang="en-US"/>
               <a:t>Lock accounts</a:t>
             </a:r>
-            <a:endParaRPr>
-              <a:solidFill>
-                <a:schemeClr val="dk1"/>
-              </a:solidFill>
-            </a:endParaRPr>
+            <a:endParaRPr/>
           </a:p>
           <a:p>
             <a:pPr indent="-342900" lvl="1" marL="720090" rtl="0" algn="l">
@@ -15158,26 +15164,15 @@
               <a:spcAft>
                 <a:spcPts val="0"/>
               </a:spcAft>
-              <a:buClr>
-                <a:schemeClr val="dk1"/>
-              </a:buClr>
               <a:buSzPts val="1800"/>
               <a:buFont typeface="Arial"/>
               <a:buChar char="•"/>
             </a:pPr>
             <a:r>
-              <a:rPr lang="en-US">
-                <a:solidFill>
-                  <a:schemeClr val="dk1"/>
-                </a:solidFill>
-              </a:rPr>
+              <a:rPr lang="en-US"/>
               <a:t>Multifactor authentication</a:t>
             </a:r>
-            <a:endParaRPr>
-              <a:solidFill>
-                <a:schemeClr val="dk1"/>
-              </a:solidFill>
-            </a:endParaRPr>
+            <a:endParaRPr/>
           </a:p>
           <a:p>
             <a:pPr indent="-342900" lvl="1" marL="720090" rtl="0" algn="l">
@@ -15190,26 +15185,15 @@
               <a:spcAft>
                 <a:spcPts val="0"/>
               </a:spcAft>
-              <a:buClr>
-                <a:schemeClr val="dk1"/>
-              </a:buClr>
               <a:buSzPts val="1800"/>
               <a:buFont typeface="Arial"/>
               <a:buChar char="•"/>
             </a:pPr>
             <a:r>
-              <a:rPr lang="en-US">
-                <a:solidFill>
-                  <a:schemeClr val="dk1"/>
-                </a:solidFill>
-              </a:rPr>
+              <a:rPr lang="en-US"/>
               <a:t>Limit logins to a specified IP address or range</a:t>
             </a:r>
-            <a:endParaRPr>
-              <a:solidFill>
-                <a:schemeClr val="dk1"/>
-              </a:solidFill>
-            </a:endParaRPr>
+            <a:endParaRPr/>
           </a:p>
           <a:p>
             <a:pPr indent="-342900" lvl="1" marL="720090" rtl="0" algn="l">
@@ -15222,26 +15206,15 @@
               <a:spcAft>
                 <a:spcPts val="0"/>
               </a:spcAft>
-              <a:buClr>
-                <a:schemeClr val="dk1"/>
-              </a:buClr>
               <a:buSzPts val="1800"/>
               <a:buFont typeface="Arial"/>
               <a:buChar char="•"/>
             </a:pPr>
             <a:r>
-              <a:rPr lang="en-US">
-                <a:solidFill>
-                  <a:schemeClr val="dk1"/>
-                </a:solidFill>
-              </a:rPr>
+              <a:rPr lang="en-US"/>
               <a:t>Use CAPTCHAS to prevent automated attacks</a:t>
             </a:r>
-            <a:endParaRPr>
-              <a:solidFill>
-                <a:schemeClr val="dk1"/>
-              </a:solidFill>
-            </a:endParaRPr>
+            <a:endParaRPr/>
           </a:p>
           <a:p>
             <a:pPr indent="-342900" lvl="1" marL="720090" rtl="0" algn="l">
@@ -15436,9 +15409,33 @@
           </a:p>
         </p:txBody>
       </p:sp>
+      <p:sp>
+        <p:nvSpPr>
+          <p:cNvPr descr="fig04-04.tif" id="185" name="Google Shape;185;p18"/>
+          <p:cNvSpPr txBox="1"/>
+          <p:nvPr>
+            <p:ph idx="4294967295" type="body"/>
+          </p:nvPr>
+        </p:nvSpPr>
+        <p:spPr>
+          <a:xfrm>
+            <a:off x="5345476" y="445168"/>
+            <a:ext cx="3049587" cy="2808288"/>
+          </a:xfrm>
+          <a:prstGeom prst="rect">
+            <a:avLst/>
+          </a:prstGeom>
+          <a:solidFill>
+            <a:srgbClr val="FFFFFF"/>
+          </a:solidFill>
+          <a:ln>
+            <a:noFill/>
+          </a:ln>
+        </p:spPr>
+      </p:sp>
       <p:pic>
         <p:nvPicPr>
-          <p:cNvPr id="185" name="Google Shape;185;p18"/>
+          <p:cNvPr id="186" name="Google Shape;186;p18"/>
           <p:cNvPicPr preferRelativeResize="0"/>
           <p:nvPr/>
         </p:nvPicPr>
@@ -15463,34 +15460,6 @@
           </a:ln>
         </p:spPr>
       </p:pic>
-      <p:pic>
-        <p:nvPicPr>
-          <p:cNvPr id="186" name="Google Shape;186;p18"/>
-          <p:cNvPicPr preferRelativeResize="0"/>
-          <p:nvPr/>
-        </p:nvPicPr>
-        <p:blipFill>
-          <a:blip r:embed="rId4">
-            <a:alphaModFix/>
-          </a:blip>
-          <a:stretch>
-            <a:fillRect/>
-          </a:stretch>
-        </p:blipFill>
-        <p:spPr>
-          <a:xfrm>
-            <a:off x="5309875" y="340822"/>
-            <a:ext cx="3207825" cy="2957200"/>
-          </a:xfrm>
-          <a:prstGeom prst="rect">
-            <a:avLst/>
-          </a:prstGeom>
-          <a:noFill/>
-          <a:ln>
-            <a:noFill/>
-          </a:ln>
-        </p:spPr>
-      </p:pic>
     </p:spTree>
   </p:cSld>
   <p:clrMapOvr>
@@ -15504,7 +15473,7 @@
   <p:cSld>
     <p:spTree>
       <p:nvGrpSpPr>
-        <p:cNvPr id="191" name="Shape 191"/>
+        <p:cNvPr id="190" name="Shape 190"/>
         <p:cNvGrpSpPr/>
         <p:nvPr/>
       </p:nvGrpSpPr>
@@ -15518,7 +15487,7 @@
       </p:grpSpPr>
       <p:sp>
         <p:nvSpPr>
-          <p:cNvPr id="192" name="Google Shape;192;p19"/>
+          <p:cNvPr id="191" name="Google Shape;191;p19"/>
           <p:cNvSpPr txBox="1"/>
           <p:nvPr>
             <p:ph type="title"/>
@@ -15526,8 +15495,8 @@
         </p:nvSpPr>
         <p:spPr>
           <a:xfrm>
-            <a:off x="628650" y="273844"/>
-            <a:ext cx="7886700" cy="685800"/>
+            <a:off x="330851" y="205932"/>
+            <a:ext cx="8229600" cy="571589"/>
           </a:xfrm>
           <a:prstGeom prst="rect">
             <a:avLst/>
@@ -15559,7 +15528,7 @@
             </a:pPr>
             <a:r>
               <a:rPr lang="en-US"/>
-              <a:t>TO AVOID PASSWORD ATTACKS</a:t>
+              <a:t>USER-IN-THE-MIDDLE</a:t>
             </a:r>
             <a:endParaRPr/>
           </a:p>
@@ -15567,7 +15536,7 @@
       </p:sp>
       <p:sp>
         <p:nvSpPr>
-          <p:cNvPr id="193" name="Google Shape;193;p19"/>
+          <p:cNvPr id="192" name="Google Shape;192;p19"/>
           <p:cNvSpPr txBox="1"/>
           <p:nvPr>
             <p:ph idx="1" type="body"/>
@@ -15575,8 +15544,8 @@
         </p:nvSpPr>
         <p:spPr>
           <a:xfrm>
-            <a:off x="628650" y="1033397"/>
-            <a:ext cx="7886700" cy="3599325"/>
+            <a:off x="914493" y="944563"/>
+            <a:ext cx="7645958" cy="3303437"/>
           </a:xfrm>
           <a:prstGeom prst="rect">
             <a:avLst/>
@@ -15588,13 +15557,13 @@
         </p:spPr>
         <p:txBody>
           <a:bodyPr anchorCtr="0" anchor="t" bIns="0" lIns="0" spcFirstLastPara="1" rIns="0" wrap="square" tIns="0">
-            <a:noAutofit/>
+            <a:normAutofit/>
           </a:bodyPr>
           <a:lstStyle/>
           <a:p>
             <a:pPr indent="0" lvl="0" marL="0" rtl="0" algn="l">
               <a:lnSpc>
-                <a:spcPct val="102857"/>
+                <a:spcPct val="120000"/>
               </a:lnSpc>
               <a:spcBef>
                 <a:spcPts val="0"/>
@@ -15602,27 +15571,19 @@
               <a:spcAft>
                 <a:spcPts val="0"/>
               </a:spcAft>
-              <a:buSzPts val="2100"/>
-              <a:buNone/>
-            </a:pPr>
-            <a:r>
-              <a:rPr lang="en-US">
-                <a:solidFill>
-                  <a:schemeClr val="dk1"/>
-                </a:solidFill>
-              </a:rPr>
-              <a:t>User side:</a:t>
-            </a:r>
-            <a:endParaRPr>
-              <a:solidFill>
-                <a:schemeClr val="dk1"/>
-              </a:solidFill>
-            </a:endParaRPr>
-          </a:p>
-          <a:p>
-            <a:pPr indent="-342900" lvl="1" marL="720090" rtl="0" algn="l">
+              <a:buSzPts val="1800"/>
+              <a:buNone/>
+            </a:pPr>
+            <a:r>
+              <a:rPr lang="en-US"/>
+              <a:t>CAPTCHAs are used by websites to defeat automation, such as by preventing spammers from scripting the creation of massive numbers of email accounts.</a:t>
+            </a:r>
+            <a:endParaRPr/>
+          </a:p>
+          <a:p>
+            <a:pPr indent="0" lvl="0" marL="0" rtl="0" algn="l">
               <a:lnSpc>
-                <a:spcPct val="95000"/>
+                <a:spcPct val="120000"/>
               </a:lnSpc>
               <a:spcBef>
                 <a:spcPts val="900"/>
@@ -15630,31 +15591,19 @@
               <a:spcAft>
                 <a:spcPts val="0"/>
               </a:spcAft>
-              <a:buClr>
-                <a:schemeClr val="dk1"/>
-              </a:buClr>
               <a:buSzPts val="1800"/>
-              <a:buFont typeface="Arial"/>
-              <a:buChar char="•"/>
-            </a:pPr>
-            <a:r>
-              <a:rPr lang="en-US">
-                <a:solidFill>
-                  <a:schemeClr val="dk1"/>
-                </a:solidFill>
-              </a:rPr>
-              <a:t>Use characters other than just A-Z.</a:t>
-            </a:r>
-            <a:endParaRPr>
-              <a:solidFill>
-                <a:schemeClr val="dk1"/>
-              </a:solidFill>
-            </a:endParaRPr>
-          </a:p>
-          <a:p>
-            <a:pPr indent="-342900" lvl="1" marL="720090" rtl="0" algn="l">
+              <a:buNone/>
+            </a:pPr>
+            <a:r>
+              <a:rPr lang="en-US"/>
+              <a:t>Sites offering free email accounts, CAPTCHAs are used to ensure that only individual humans obtain accounts. </a:t>
+            </a:r>
+            <a:endParaRPr/>
+          </a:p>
+          <a:p>
+            <a:pPr indent="0" lvl="0" marL="0" rtl="0" algn="l">
               <a:lnSpc>
-                <a:spcPct val="95000"/>
+                <a:spcPct val="120000"/>
               </a:lnSpc>
               <a:spcBef>
                 <a:spcPts val="900"/>
@@ -15662,31 +15611,19 @@
               <a:spcAft>
                 <a:spcPts val="0"/>
               </a:spcAft>
-              <a:buClr>
-                <a:schemeClr val="dk1"/>
-              </a:buClr>
               <a:buSzPts val="1800"/>
-              <a:buFont typeface="Arial"/>
-              <a:buChar char="•"/>
-            </a:pPr>
-            <a:r>
-              <a:rPr lang="en-US">
-                <a:solidFill>
-                  <a:schemeClr val="dk1"/>
-                </a:solidFill>
-              </a:rPr>
-              <a:t>Choose long passwords.</a:t>
-            </a:r>
-            <a:endParaRPr>
-              <a:solidFill>
-                <a:schemeClr val="dk1"/>
-              </a:solidFill>
-            </a:endParaRPr>
-          </a:p>
-          <a:p>
-            <a:pPr indent="-342900" lvl="1" marL="720090" rtl="0" algn="l">
+              <a:buNone/>
+            </a:pPr>
+            <a:r>
+              <a:rPr lang="en-US"/>
+              <a:t>Spam senders use thousands of new accounts to send spams, so spam filters do not recognize these accounts. </a:t>
+            </a:r>
+            <a:endParaRPr/>
+          </a:p>
+          <a:p>
+            <a:pPr indent="0" lvl="0" marL="0" rtl="0" algn="l">
               <a:lnSpc>
-                <a:spcPct val="95000"/>
+                <a:spcPct val="120000"/>
               </a:lnSpc>
               <a:spcBef>
                 <a:spcPts val="900"/>
@@ -15694,31 +15631,19 @@
               <a:spcAft>
                 <a:spcPts val="0"/>
               </a:spcAft>
-              <a:buClr>
-                <a:schemeClr val="dk1"/>
-              </a:buClr>
               <a:buSzPts val="1800"/>
-              <a:buFont typeface="Arial"/>
-              <a:buChar char="•"/>
-            </a:pPr>
-            <a:r>
-              <a:rPr lang="en-US">
-                <a:solidFill>
-                  <a:schemeClr val="dk1"/>
-                </a:solidFill>
-              </a:rPr>
-              <a:t>Avoid actual names or words.</a:t>
-            </a:r>
-            <a:endParaRPr>
-              <a:solidFill>
-                <a:schemeClr val="dk1"/>
-              </a:solidFill>
-            </a:endParaRPr>
-          </a:p>
-          <a:p>
-            <a:pPr indent="-342900" lvl="1" marL="720090" rtl="0" algn="l">
+              <a:buNone/>
+            </a:pPr>
+            <a:r>
+              <a:rPr lang="en-US"/>
+              <a:t>Using click-bait to trick users into solving CAPTCHAs on spammers’ behalf</a:t>
+            </a:r>
+            <a:endParaRPr/>
+          </a:p>
+          <a:p>
+            <a:pPr indent="0" lvl="0" marL="0" rtl="0" algn="l">
               <a:lnSpc>
-                <a:spcPct val="95000"/>
+                <a:spcPct val="120000"/>
               </a:lnSpc>
               <a:spcBef>
                 <a:spcPts val="900"/>
@@ -15726,122 +15651,13 @@
               <a:spcAft>
                 <a:spcPts val="0"/>
               </a:spcAft>
-              <a:buClr>
-                <a:schemeClr val="dk1"/>
-              </a:buClr>
               <a:buSzPts val="1800"/>
-              <a:buFont typeface="Arial"/>
-              <a:buChar char="•"/>
-            </a:pPr>
-            <a:r>
-              <a:rPr lang="en-US">
-                <a:solidFill>
-                  <a:schemeClr val="dk1"/>
-                </a:solidFill>
-              </a:rPr>
-              <a:t>Choose an unlikely password.</a:t>
-            </a:r>
-            <a:endParaRPr>
-              <a:solidFill>
-                <a:schemeClr val="dk1"/>
-              </a:solidFill>
-            </a:endParaRPr>
-          </a:p>
-          <a:p>
-            <a:pPr indent="-342900" lvl="1" marL="720090" rtl="0" algn="l">
-              <a:lnSpc>
-                <a:spcPct val="95000"/>
-              </a:lnSpc>
-              <a:spcBef>
-                <a:spcPts val="900"/>
-              </a:spcBef>
-              <a:spcAft>
-                <a:spcPts val="0"/>
-              </a:spcAft>
-              <a:buClr>
-                <a:schemeClr val="dk1"/>
-              </a:buClr>
-              <a:buSzPts val="1800"/>
-              <a:buFont typeface="Arial"/>
-              <a:buChar char="•"/>
-            </a:pPr>
-            <a:r>
-              <a:rPr lang="en-US">
-                <a:solidFill>
-                  <a:schemeClr val="dk1"/>
-                </a:solidFill>
-              </a:rPr>
-              <a:t>Change the password regularly.</a:t>
-            </a:r>
-            <a:endParaRPr>
-              <a:solidFill>
-                <a:schemeClr val="dk1"/>
-              </a:solidFill>
-            </a:endParaRPr>
-          </a:p>
-          <a:p>
-            <a:pPr indent="-342900" lvl="1" marL="720090" rtl="0" algn="l">
-              <a:lnSpc>
-                <a:spcPct val="95000"/>
-              </a:lnSpc>
-              <a:spcBef>
-                <a:spcPts val="900"/>
-              </a:spcBef>
-              <a:spcAft>
-                <a:spcPts val="0"/>
-              </a:spcAft>
-              <a:buClr>
-                <a:schemeClr val="dk1"/>
-              </a:buClr>
-              <a:buSzPts val="1800"/>
-              <a:buFont typeface="Arial"/>
-              <a:buChar char="•"/>
-            </a:pPr>
-            <a:r>
-              <a:rPr lang="en-US">
-                <a:solidFill>
-                  <a:schemeClr val="dk1"/>
-                </a:solidFill>
-              </a:rPr>
-              <a:t>Don't write it down.</a:t>
-            </a:r>
-            <a:endParaRPr>
-              <a:solidFill>
-                <a:schemeClr val="dk1"/>
-              </a:solidFill>
-            </a:endParaRPr>
-          </a:p>
-          <a:p>
-            <a:pPr indent="-342900" lvl="1" marL="720090" rtl="0" algn="l">
-              <a:lnSpc>
-                <a:spcPct val="95000"/>
-              </a:lnSpc>
-              <a:spcBef>
-                <a:spcPts val="900"/>
-              </a:spcBef>
-              <a:spcAft>
-                <a:spcPts val="0"/>
-              </a:spcAft>
-              <a:buClr>
-                <a:schemeClr val="dk1"/>
-              </a:buClr>
-              <a:buSzPts val="1800"/>
-              <a:buFont typeface="Arial"/>
-              <a:buChar char="•"/>
-            </a:pPr>
-            <a:r>
-              <a:rPr lang="en-US">
-                <a:solidFill>
-                  <a:schemeClr val="dk1"/>
-                </a:solidFill>
-              </a:rPr>
-              <a:t>Don't tell anyone else.</a:t>
-            </a:r>
-            <a:endParaRPr>
-              <a:solidFill>
-                <a:schemeClr val="dk1"/>
-              </a:solidFill>
-            </a:endParaRPr>
+              <a:buNone/>
+            </a:pPr>
+            <a:r>
+              <a:t/>
+            </a:r>
+            <a:endParaRPr/>
           </a:p>
         </p:txBody>
       </p:sp>
@@ -16170,7 +15986,7 @@
   <p:cSld>
     <p:spTree>
       <p:nvGrpSpPr>
-        <p:cNvPr id="197" name="Shape 197"/>
+        <p:cNvPr id="196" name="Shape 196"/>
         <p:cNvGrpSpPr/>
         <p:nvPr/>
       </p:nvGrpSpPr>
@@ -16184,7 +16000,7 @@
       </p:grpSpPr>
       <p:sp>
         <p:nvSpPr>
-          <p:cNvPr id="198" name="Google Shape;198;p20"/>
+          <p:cNvPr id="197" name="Google Shape;197;p20"/>
           <p:cNvSpPr txBox="1"/>
           <p:nvPr>
             <p:ph type="title"/>
@@ -16225,7 +16041,176 @@
             </a:pPr>
             <a:r>
               <a:rPr lang="en-US"/>
-              <a:t>KEYSTROKE LOGGER</a:t>
+              <a:t>USER-IN-THE-MIDDLE</a:t>
+            </a:r>
+            <a:endParaRPr/>
+          </a:p>
+        </p:txBody>
+      </p:sp>
+      <p:sp>
+        <p:nvSpPr>
+          <p:cNvPr id="198" name="Google Shape;198;p20"/>
+          <p:cNvSpPr txBox="1"/>
+          <p:nvPr>
+            <p:ph idx="1" type="body"/>
+          </p:nvPr>
+        </p:nvSpPr>
+        <p:spPr>
+          <a:xfrm>
+            <a:off x="914493" y="944563"/>
+            <a:ext cx="7645958" cy="3303437"/>
+          </a:xfrm>
+          <a:prstGeom prst="rect">
+            <a:avLst/>
+          </a:prstGeom>
+          <a:noFill/>
+          <a:ln>
+            <a:noFill/>
+          </a:ln>
+        </p:spPr>
+        <p:txBody>
+          <a:bodyPr anchorCtr="0" anchor="t" bIns="0" lIns="0" spcFirstLastPara="1" rIns="0" wrap="square" tIns="0">
+            <a:normAutofit/>
+          </a:bodyPr>
+          <a:lstStyle/>
+          <a:p>
+            <a:pPr indent="0" lvl="0" marL="0" rtl="0" algn="l">
+              <a:lnSpc>
+                <a:spcPct val="120000"/>
+              </a:lnSpc>
+              <a:spcBef>
+                <a:spcPts val="0"/>
+              </a:spcBef>
+              <a:spcAft>
+                <a:spcPts val="0"/>
+              </a:spcAft>
+              <a:buSzPts val="1800"/>
+              <a:buNone/>
+            </a:pPr>
+            <a:r>
+              <a:rPr lang="en-US" u="sng">
+                <a:solidFill>
+                  <a:srgbClr val="0070C0"/>
+                </a:solidFill>
+              </a:rPr>
+              <a:t>Spam sender created site</a:t>
+            </a:r>
+            <a:endParaRPr/>
+          </a:p>
+          <a:p>
+            <a:pPr indent="0" lvl="0" marL="0" rtl="0" algn="l">
+              <a:lnSpc>
+                <a:spcPct val="120000"/>
+              </a:lnSpc>
+              <a:spcBef>
+                <a:spcPts val="900"/>
+              </a:spcBef>
+              <a:spcAft>
+                <a:spcPts val="0"/>
+              </a:spcAft>
+              <a:buSzPts val="1800"/>
+              <a:buNone/>
+            </a:pPr>
+            <a:r>
+              <a:t/>
+            </a:r>
+            <a:endParaRPr/>
+          </a:p>
+          <a:p>
+            <a:pPr indent="0" lvl="0" marL="0" rtl="0" algn="l">
+              <a:lnSpc>
+                <a:spcPct val="120000"/>
+              </a:lnSpc>
+              <a:spcBef>
+                <a:spcPts val="900"/>
+              </a:spcBef>
+              <a:spcAft>
+                <a:spcPts val="0"/>
+              </a:spcAft>
+              <a:buSzPts val="1800"/>
+              <a:buNone/>
+            </a:pPr>
+            <a:r>
+              <a:rPr lang="en-US"/>
+              <a:t>1. User requests access</a:t>
+            </a:r>
+            <a:endParaRPr/>
+          </a:p>
+          <a:p>
+            <a:pPr indent="0" lvl="0" marL="0" rtl="0" algn="l">
+              <a:lnSpc>
+                <a:spcPct val="120000"/>
+              </a:lnSpc>
+              <a:spcBef>
+                <a:spcPts val="900"/>
+              </a:spcBef>
+              <a:spcAft>
+                <a:spcPts val="0"/>
+              </a:spcAft>
+              <a:buSzPts val="1800"/>
+              <a:buNone/>
+            </a:pPr>
+            <a:r>
+              <a:t/>
+            </a:r>
+            <a:endParaRPr/>
+          </a:p>
+          <a:p>
+            <a:pPr indent="0" lvl="0" marL="0" rtl="0" algn="l">
+              <a:lnSpc>
+                <a:spcPct val="120000"/>
+              </a:lnSpc>
+              <a:spcBef>
+                <a:spcPts val="900"/>
+              </a:spcBef>
+              <a:spcAft>
+                <a:spcPts val="0"/>
+              </a:spcAft>
+              <a:buSzPts val="1800"/>
+              <a:buNone/>
+            </a:pPr>
+            <a:r>
+              <a:t/>
+            </a:r>
+            <a:endParaRPr/>
+          </a:p>
+          <a:p>
+            <a:pPr indent="0" lvl="0" marL="0" rtl="0" algn="l">
+              <a:lnSpc>
+                <a:spcPct val="120000"/>
+              </a:lnSpc>
+              <a:spcBef>
+                <a:spcPts val="900"/>
+              </a:spcBef>
+              <a:spcAft>
+                <a:spcPts val="0"/>
+              </a:spcAft>
+              <a:buSzPts val="1800"/>
+              <a:buNone/>
+            </a:pPr>
+            <a:r>
+              <a:rPr lang="en-US"/>
+              <a:t>4. Spam sender send the CAPTCHA to user</a:t>
+            </a:r>
+            <a:endParaRPr/>
+          </a:p>
+          <a:p>
+            <a:pPr indent="0" lvl="0" marL="0" rtl="0" algn="l">
+              <a:lnSpc>
+                <a:spcPct val="120000"/>
+              </a:lnSpc>
+              <a:spcBef>
+                <a:spcPts val="900"/>
+              </a:spcBef>
+              <a:spcAft>
+                <a:spcPts val="0"/>
+              </a:spcAft>
+              <a:buSzPts val="1800"/>
+              <a:buNone/>
+            </a:pPr>
+            <a:r>
+              <a:rPr lang="en-US"/>
+              <a:t>5. User provides the answer to the CAPTCHA </a:t>
             </a:r>
             <a:endParaRPr/>
           </a:p>
@@ -16234,6 +16219,1064 @@
       <p:sp>
         <p:nvSpPr>
           <p:cNvPr id="199" name="Google Shape;199;p20"/>
+          <p:cNvSpPr txBox="1"/>
+          <p:nvPr>
+            <p:ph idx="4294967295" type="body"/>
+          </p:nvPr>
+        </p:nvSpPr>
+        <p:spPr>
+          <a:xfrm>
+            <a:off x="4737472" y="840573"/>
+            <a:ext cx="3463925" cy="3358364"/>
+          </a:xfrm>
+          <a:prstGeom prst="rect">
+            <a:avLst/>
+          </a:prstGeom>
+          <a:noFill/>
+          <a:ln>
+            <a:noFill/>
+          </a:ln>
+        </p:spPr>
+        <p:txBody>
+          <a:bodyPr anchorCtr="0" anchor="t" bIns="0" lIns="0" spcFirstLastPara="1" rIns="0" wrap="square" tIns="0">
+            <a:normAutofit fontScale="70000" lnSpcReduction="20000"/>
+          </a:bodyPr>
+          <a:lstStyle/>
+          <a:p>
+            <a:pPr indent="0" lvl="0" marL="0" rtl="0" algn="l">
+              <a:lnSpc>
+                <a:spcPct val="74482"/>
+              </a:lnSpc>
+              <a:spcBef>
+                <a:spcPts val="0"/>
+              </a:spcBef>
+              <a:spcAft>
+                <a:spcPts val="0"/>
+              </a:spcAft>
+              <a:buSzPct val="100000"/>
+              <a:buNone/>
+            </a:pPr>
+            <a:r>
+              <a:rPr lang="en-US" sz="2900" u="sng">
+                <a:solidFill>
+                  <a:srgbClr val="0070C0"/>
+                </a:solidFill>
+              </a:rPr>
+              <a:t>Free email account sign-up</a:t>
+            </a:r>
+            <a:endParaRPr/>
+          </a:p>
+          <a:p>
+            <a:pPr indent="0" lvl="0" marL="0" rtl="0" algn="l">
+              <a:lnSpc>
+                <a:spcPct val="120000"/>
+              </a:lnSpc>
+              <a:spcBef>
+                <a:spcPts val="900"/>
+              </a:spcBef>
+              <a:spcAft>
+                <a:spcPts val="0"/>
+              </a:spcAft>
+              <a:buSzPct val="100000"/>
+              <a:buNone/>
+            </a:pPr>
+            <a:r>
+              <a:t/>
+            </a:r>
+            <a:endParaRPr/>
+          </a:p>
+          <a:p>
+            <a:pPr indent="0" lvl="0" marL="0" rtl="0" algn="l">
+              <a:lnSpc>
+                <a:spcPct val="74482"/>
+              </a:lnSpc>
+              <a:spcBef>
+                <a:spcPts val="900"/>
+              </a:spcBef>
+              <a:spcAft>
+                <a:spcPts val="0"/>
+              </a:spcAft>
+              <a:buSzPct val="100000"/>
+              <a:buNone/>
+            </a:pPr>
+            <a:r>
+              <a:rPr lang="en-US" sz="2900"/>
+              <a:t>2. Spam sender requests to create a new account</a:t>
+            </a:r>
+            <a:endParaRPr/>
+          </a:p>
+          <a:p>
+            <a:pPr indent="0" lvl="0" marL="0" rtl="0" algn="l">
+              <a:lnSpc>
+                <a:spcPct val="74482"/>
+              </a:lnSpc>
+              <a:spcBef>
+                <a:spcPts val="900"/>
+              </a:spcBef>
+              <a:spcAft>
+                <a:spcPts val="0"/>
+              </a:spcAft>
+              <a:buSzPct val="100000"/>
+              <a:buNone/>
+            </a:pPr>
+            <a:r>
+              <a:rPr lang="en-US" sz="2900"/>
+              <a:t>3. Hotmail presents CAPTCHA </a:t>
+            </a:r>
+            <a:endParaRPr sz="2900"/>
+          </a:p>
+          <a:p>
+            <a:pPr indent="0" lvl="0" marL="0" rtl="0" algn="l">
+              <a:lnSpc>
+                <a:spcPct val="120000"/>
+              </a:lnSpc>
+              <a:spcBef>
+                <a:spcPts val="900"/>
+              </a:spcBef>
+              <a:spcAft>
+                <a:spcPts val="0"/>
+              </a:spcAft>
+              <a:buSzPct val="100000"/>
+              <a:buNone/>
+            </a:pPr>
+            <a:r>
+              <a:t/>
+            </a:r>
+            <a:endParaRPr/>
+          </a:p>
+          <a:p>
+            <a:pPr indent="0" lvl="0" marL="0" rtl="0" algn="l">
+              <a:lnSpc>
+                <a:spcPct val="120000"/>
+              </a:lnSpc>
+              <a:spcBef>
+                <a:spcPts val="900"/>
+              </a:spcBef>
+              <a:spcAft>
+                <a:spcPts val="0"/>
+              </a:spcAft>
+              <a:buSzPct val="100000"/>
+              <a:buNone/>
+            </a:pPr>
+            <a:r>
+              <a:t/>
+            </a:r>
+            <a:endParaRPr/>
+          </a:p>
+          <a:p>
+            <a:pPr indent="0" lvl="0" marL="0" rtl="0" algn="l">
+              <a:lnSpc>
+                <a:spcPct val="93913"/>
+              </a:lnSpc>
+              <a:spcBef>
+                <a:spcPts val="900"/>
+              </a:spcBef>
+              <a:spcAft>
+                <a:spcPts val="0"/>
+              </a:spcAft>
+              <a:buSzPct val="100000"/>
+              <a:buNone/>
+            </a:pPr>
+            <a:r>
+              <a:rPr lang="en-US" sz="2300"/>
+              <a:t>6. Spam sender send the answer to Hotmail webpage </a:t>
+            </a:r>
+            <a:endParaRPr sz="2300"/>
+          </a:p>
+        </p:txBody>
+      </p:sp>
+      <p:sp>
+        <p:nvSpPr>
+          <p:cNvPr id="200" name="Google Shape;200;p20"/>
+          <p:cNvSpPr txBox="1"/>
+          <p:nvPr/>
+        </p:nvSpPr>
+        <p:spPr>
+          <a:xfrm>
+            <a:off x="280392" y="1196094"/>
+            <a:ext cx="812604" cy="369332"/>
+          </a:xfrm>
+          <a:prstGeom prst="rect">
+            <a:avLst/>
+          </a:prstGeom>
+          <a:solidFill>
+            <a:srgbClr val="953734">
+              <a:alpha val="53725"/>
+            </a:srgbClr>
+          </a:solidFill>
+          <a:ln>
+            <a:noFill/>
+          </a:ln>
+        </p:spPr>
+        <p:txBody>
+          <a:bodyPr anchorCtr="0" anchor="t" bIns="45700" lIns="91425" spcFirstLastPara="1" rIns="91425" wrap="square" tIns="45700">
+            <a:spAutoFit/>
+          </a:bodyPr>
+          <a:lstStyle/>
+          <a:p>
+            <a:pPr indent="0" lvl="0" marL="0" marR="0" rtl="0" algn="l">
+              <a:spcBef>
+                <a:spcPts val="0"/>
+              </a:spcBef>
+              <a:spcAft>
+                <a:spcPts val="0"/>
+              </a:spcAft>
+              <a:buNone/>
+            </a:pPr>
+            <a:r>
+              <a:rPr lang="en-US" sz="1800">
+                <a:solidFill>
+                  <a:schemeClr val="dk1"/>
+                </a:solidFill>
+                <a:latin typeface="Calibri"/>
+                <a:ea typeface="Calibri"/>
+                <a:cs typeface="Calibri"/>
+                <a:sym typeface="Calibri"/>
+              </a:rPr>
+              <a:t>USER</a:t>
+            </a:r>
+            <a:endParaRPr sz="1800">
+              <a:solidFill>
+                <a:schemeClr val="dk1"/>
+              </a:solidFill>
+              <a:latin typeface="Calibri"/>
+              <a:ea typeface="Calibri"/>
+              <a:cs typeface="Calibri"/>
+              <a:sym typeface="Calibri"/>
+            </a:endParaRPr>
+          </a:p>
+        </p:txBody>
+      </p:sp>
+      <p:sp>
+        <p:nvSpPr>
+          <p:cNvPr id="201" name="Google Shape;201;p20"/>
+          <p:cNvSpPr txBox="1"/>
+          <p:nvPr/>
+        </p:nvSpPr>
+        <p:spPr>
+          <a:xfrm>
+            <a:off x="3768326" y="1043434"/>
+            <a:ext cx="914233" cy="646331"/>
+          </a:xfrm>
+          <a:prstGeom prst="rect">
+            <a:avLst/>
+          </a:prstGeom>
+          <a:solidFill>
+            <a:srgbClr val="953734">
+              <a:alpha val="53725"/>
+            </a:srgbClr>
+          </a:solidFill>
+          <a:ln>
+            <a:noFill/>
+          </a:ln>
+        </p:spPr>
+        <p:txBody>
+          <a:bodyPr anchorCtr="0" anchor="t" bIns="45700" lIns="91425" spcFirstLastPara="1" rIns="91425" wrap="square" tIns="45700">
+            <a:spAutoFit/>
+          </a:bodyPr>
+          <a:lstStyle/>
+          <a:p>
+            <a:pPr indent="0" lvl="0" marL="0" marR="0" rtl="0" algn="l">
+              <a:spcBef>
+                <a:spcPts val="0"/>
+              </a:spcBef>
+              <a:spcAft>
+                <a:spcPts val="0"/>
+              </a:spcAft>
+              <a:buNone/>
+            </a:pPr>
+            <a:r>
+              <a:rPr lang="en-US" sz="1800">
+                <a:solidFill>
+                  <a:schemeClr val="dk1"/>
+                </a:solidFill>
+                <a:latin typeface="Calibri"/>
+                <a:ea typeface="Calibri"/>
+                <a:cs typeface="Calibri"/>
+                <a:sym typeface="Calibri"/>
+              </a:rPr>
+              <a:t>Spam sender</a:t>
+            </a:r>
+            <a:endParaRPr sz="1800">
+              <a:solidFill>
+                <a:schemeClr val="dk1"/>
+              </a:solidFill>
+              <a:latin typeface="Calibri"/>
+              <a:ea typeface="Calibri"/>
+              <a:cs typeface="Calibri"/>
+              <a:sym typeface="Calibri"/>
+            </a:endParaRPr>
+          </a:p>
+        </p:txBody>
+      </p:sp>
+      <p:sp>
+        <p:nvSpPr>
+          <p:cNvPr id="202" name="Google Shape;202;p20"/>
+          <p:cNvSpPr txBox="1"/>
+          <p:nvPr/>
+        </p:nvSpPr>
+        <p:spPr>
+          <a:xfrm>
+            <a:off x="7536657" y="1068214"/>
+            <a:ext cx="1078706" cy="369332"/>
+          </a:xfrm>
+          <a:prstGeom prst="rect">
+            <a:avLst/>
+          </a:prstGeom>
+          <a:solidFill>
+            <a:srgbClr val="953734">
+              <a:alpha val="53725"/>
+            </a:srgbClr>
+          </a:solidFill>
+          <a:ln>
+            <a:noFill/>
+          </a:ln>
+        </p:spPr>
+        <p:txBody>
+          <a:bodyPr anchorCtr="0" anchor="t" bIns="45700" lIns="91425" spcFirstLastPara="1" rIns="91425" wrap="square" tIns="45700">
+            <a:spAutoFit/>
+          </a:bodyPr>
+          <a:lstStyle/>
+          <a:p>
+            <a:pPr indent="0" lvl="0" marL="0" marR="0" rtl="0" algn="l">
+              <a:spcBef>
+                <a:spcPts val="0"/>
+              </a:spcBef>
+              <a:spcAft>
+                <a:spcPts val="0"/>
+              </a:spcAft>
+              <a:buNone/>
+            </a:pPr>
+            <a:r>
+              <a:rPr lang="en-US" sz="1800">
+                <a:solidFill>
+                  <a:schemeClr val="dk1"/>
+                </a:solidFill>
+                <a:latin typeface="Calibri"/>
+                <a:ea typeface="Calibri"/>
+                <a:cs typeface="Calibri"/>
+                <a:sym typeface="Calibri"/>
+              </a:rPr>
+              <a:t>Hotmail</a:t>
+            </a:r>
+            <a:endParaRPr sz="1800">
+              <a:solidFill>
+                <a:schemeClr val="dk1"/>
+              </a:solidFill>
+              <a:latin typeface="Calibri"/>
+              <a:ea typeface="Calibri"/>
+              <a:cs typeface="Calibri"/>
+              <a:sym typeface="Calibri"/>
+            </a:endParaRPr>
+          </a:p>
+        </p:txBody>
+      </p:sp>
+      <p:sp>
+        <p:nvSpPr>
+          <p:cNvPr id="203" name="Google Shape;203;p20"/>
+          <p:cNvSpPr/>
+          <p:nvPr/>
+        </p:nvSpPr>
+        <p:spPr>
+          <a:xfrm>
+            <a:off x="842963" y="1999022"/>
+            <a:ext cx="3182540" cy="128588"/>
+          </a:xfrm>
+          <a:prstGeom prst="notchedRightArrow">
+            <a:avLst>
+              <a:gd fmla="val 50000" name="adj1"/>
+              <a:gd fmla="val 50000" name="adj2"/>
+            </a:avLst>
+          </a:prstGeom>
+          <a:solidFill>
+            <a:schemeClr val="accent1"/>
+          </a:solidFill>
+          <a:ln cap="flat" cmpd="sng" w="25400">
+            <a:solidFill>
+              <a:srgbClr val="395E89"/>
+            </a:solidFill>
+            <a:prstDash val="solid"/>
+            <a:round/>
+            <a:headEnd len="sm" w="sm" type="none"/>
+            <a:tailEnd len="sm" w="sm" type="none"/>
+          </a:ln>
+        </p:spPr>
+        <p:txBody>
+          <a:bodyPr anchorCtr="0" anchor="ctr" bIns="45700" lIns="91425" spcFirstLastPara="1" rIns="91425" wrap="square" tIns="45700">
+            <a:noAutofit/>
+          </a:bodyPr>
+          <a:lstStyle/>
+          <a:p>
+            <a:pPr indent="0" lvl="0" marL="0" marR="0" rtl="0" algn="ctr">
+              <a:spcBef>
+                <a:spcPts val="0"/>
+              </a:spcBef>
+              <a:spcAft>
+                <a:spcPts val="0"/>
+              </a:spcAft>
+              <a:buNone/>
+            </a:pPr>
+            <a:r>
+              <a:t/>
+            </a:r>
+            <a:endParaRPr sz="1050">
+              <a:solidFill>
+                <a:schemeClr val="lt1"/>
+              </a:solidFill>
+              <a:latin typeface="Calibri"/>
+              <a:ea typeface="Calibri"/>
+              <a:cs typeface="Calibri"/>
+              <a:sym typeface="Calibri"/>
+            </a:endParaRPr>
+          </a:p>
+        </p:txBody>
+      </p:sp>
+      <p:sp>
+        <p:nvSpPr>
+          <p:cNvPr id="204" name="Google Shape;204;p20"/>
+          <p:cNvSpPr/>
+          <p:nvPr/>
+        </p:nvSpPr>
+        <p:spPr>
+          <a:xfrm>
+            <a:off x="4737472" y="2136190"/>
+            <a:ext cx="3182540" cy="128588"/>
+          </a:xfrm>
+          <a:prstGeom prst="notchedRightArrow">
+            <a:avLst>
+              <a:gd fmla="val 50000" name="adj1"/>
+              <a:gd fmla="val 50000" name="adj2"/>
+            </a:avLst>
+          </a:prstGeom>
+          <a:solidFill>
+            <a:schemeClr val="accent1"/>
+          </a:solidFill>
+          <a:ln cap="flat" cmpd="sng" w="25400">
+            <a:solidFill>
+              <a:srgbClr val="395E89"/>
+            </a:solidFill>
+            <a:prstDash val="solid"/>
+            <a:round/>
+            <a:headEnd len="sm" w="sm" type="none"/>
+            <a:tailEnd len="sm" w="sm" type="none"/>
+          </a:ln>
+        </p:spPr>
+        <p:txBody>
+          <a:bodyPr anchorCtr="0" anchor="ctr" bIns="45700" lIns="91425" spcFirstLastPara="1" rIns="91425" wrap="square" tIns="45700">
+            <a:noAutofit/>
+          </a:bodyPr>
+          <a:lstStyle/>
+          <a:p>
+            <a:pPr indent="0" lvl="0" marL="0" marR="0" rtl="0" algn="ctr">
+              <a:spcBef>
+                <a:spcPts val="0"/>
+              </a:spcBef>
+              <a:spcAft>
+                <a:spcPts val="0"/>
+              </a:spcAft>
+              <a:buNone/>
+            </a:pPr>
+            <a:r>
+              <a:t/>
+            </a:r>
+            <a:endParaRPr sz="1050">
+              <a:solidFill>
+                <a:schemeClr val="lt1"/>
+              </a:solidFill>
+              <a:latin typeface="Calibri"/>
+              <a:ea typeface="Calibri"/>
+              <a:cs typeface="Calibri"/>
+              <a:sym typeface="Calibri"/>
+            </a:endParaRPr>
+          </a:p>
+        </p:txBody>
+      </p:sp>
+      <p:sp>
+        <p:nvSpPr>
+          <p:cNvPr id="205" name="Google Shape;205;p20"/>
+          <p:cNvSpPr/>
+          <p:nvPr/>
+        </p:nvSpPr>
+        <p:spPr>
+          <a:xfrm>
+            <a:off x="914493" y="3615336"/>
+            <a:ext cx="3182540" cy="128588"/>
+          </a:xfrm>
+          <a:prstGeom prst="notchedRightArrow">
+            <a:avLst>
+              <a:gd fmla="val 50000" name="adj1"/>
+              <a:gd fmla="val 50000" name="adj2"/>
+            </a:avLst>
+          </a:prstGeom>
+          <a:solidFill>
+            <a:schemeClr val="accent1"/>
+          </a:solidFill>
+          <a:ln cap="flat" cmpd="sng" w="25400">
+            <a:solidFill>
+              <a:srgbClr val="395E89"/>
+            </a:solidFill>
+            <a:prstDash val="solid"/>
+            <a:round/>
+            <a:headEnd len="sm" w="sm" type="none"/>
+            <a:tailEnd len="sm" w="sm" type="none"/>
+          </a:ln>
+        </p:spPr>
+        <p:txBody>
+          <a:bodyPr anchorCtr="0" anchor="ctr" bIns="45700" lIns="91425" spcFirstLastPara="1" rIns="91425" wrap="square" tIns="45700">
+            <a:noAutofit/>
+          </a:bodyPr>
+          <a:lstStyle/>
+          <a:p>
+            <a:pPr indent="0" lvl="0" marL="0" marR="0" rtl="0" algn="ctr">
+              <a:spcBef>
+                <a:spcPts val="0"/>
+              </a:spcBef>
+              <a:spcAft>
+                <a:spcPts val="0"/>
+              </a:spcAft>
+              <a:buNone/>
+            </a:pPr>
+            <a:r>
+              <a:t/>
+            </a:r>
+            <a:endParaRPr sz="1050">
+              <a:solidFill>
+                <a:schemeClr val="lt1"/>
+              </a:solidFill>
+              <a:latin typeface="Calibri"/>
+              <a:ea typeface="Calibri"/>
+              <a:cs typeface="Calibri"/>
+              <a:sym typeface="Calibri"/>
+            </a:endParaRPr>
+          </a:p>
+        </p:txBody>
+      </p:sp>
+      <p:sp>
+        <p:nvSpPr>
+          <p:cNvPr id="206" name="Google Shape;206;p20"/>
+          <p:cNvSpPr/>
+          <p:nvPr/>
+        </p:nvSpPr>
+        <p:spPr>
+          <a:xfrm>
+            <a:off x="4737472" y="4134643"/>
+            <a:ext cx="3182540" cy="128588"/>
+          </a:xfrm>
+          <a:prstGeom prst="notchedRightArrow">
+            <a:avLst>
+              <a:gd fmla="val 50000" name="adj1"/>
+              <a:gd fmla="val 50000" name="adj2"/>
+            </a:avLst>
+          </a:prstGeom>
+          <a:solidFill>
+            <a:schemeClr val="accent1"/>
+          </a:solidFill>
+          <a:ln cap="flat" cmpd="sng" w="25400">
+            <a:solidFill>
+              <a:srgbClr val="395E89"/>
+            </a:solidFill>
+            <a:prstDash val="solid"/>
+            <a:round/>
+            <a:headEnd len="sm" w="sm" type="none"/>
+            <a:tailEnd len="sm" w="sm" type="none"/>
+          </a:ln>
+        </p:spPr>
+        <p:txBody>
+          <a:bodyPr anchorCtr="0" anchor="ctr" bIns="45700" lIns="91425" spcFirstLastPara="1" rIns="91425" wrap="square" tIns="45700">
+            <a:noAutofit/>
+          </a:bodyPr>
+          <a:lstStyle/>
+          <a:p>
+            <a:pPr indent="0" lvl="0" marL="0" marR="0" rtl="0" algn="ctr">
+              <a:spcBef>
+                <a:spcPts val="0"/>
+              </a:spcBef>
+              <a:spcAft>
+                <a:spcPts val="0"/>
+              </a:spcAft>
+              <a:buNone/>
+            </a:pPr>
+            <a:r>
+              <a:t/>
+            </a:r>
+            <a:endParaRPr sz="1050">
+              <a:solidFill>
+                <a:schemeClr val="lt1"/>
+              </a:solidFill>
+              <a:latin typeface="Calibri"/>
+              <a:ea typeface="Calibri"/>
+              <a:cs typeface="Calibri"/>
+              <a:sym typeface="Calibri"/>
+            </a:endParaRPr>
+          </a:p>
+        </p:txBody>
+      </p:sp>
+      <p:sp>
+        <p:nvSpPr>
+          <p:cNvPr id="207" name="Google Shape;207;p20"/>
+          <p:cNvSpPr/>
+          <p:nvPr/>
+        </p:nvSpPr>
+        <p:spPr>
+          <a:xfrm rot="10800000">
+            <a:off x="4682560" y="2714185"/>
+            <a:ext cx="3182540" cy="128588"/>
+          </a:xfrm>
+          <a:prstGeom prst="notchedRightArrow">
+            <a:avLst>
+              <a:gd fmla="val 50000" name="adj1"/>
+              <a:gd fmla="val 50000" name="adj2"/>
+            </a:avLst>
+          </a:prstGeom>
+          <a:solidFill>
+            <a:srgbClr val="FABF8E"/>
+          </a:solidFill>
+          <a:ln cap="flat" cmpd="sng" w="25400">
+            <a:solidFill>
+              <a:srgbClr val="395E89"/>
+            </a:solidFill>
+            <a:prstDash val="solid"/>
+            <a:round/>
+            <a:headEnd len="sm" w="sm" type="none"/>
+            <a:tailEnd len="sm" w="sm" type="none"/>
+          </a:ln>
+        </p:spPr>
+        <p:txBody>
+          <a:bodyPr anchorCtr="0" anchor="ctr" bIns="45700" lIns="91425" spcFirstLastPara="1" rIns="91425" wrap="square" tIns="45700">
+            <a:noAutofit/>
+          </a:bodyPr>
+          <a:lstStyle/>
+          <a:p>
+            <a:pPr indent="0" lvl="0" marL="0" marR="0" rtl="0" algn="ctr">
+              <a:spcBef>
+                <a:spcPts val="0"/>
+              </a:spcBef>
+              <a:spcAft>
+                <a:spcPts val="0"/>
+              </a:spcAft>
+              <a:buNone/>
+            </a:pPr>
+            <a:r>
+              <a:t/>
+            </a:r>
+            <a:endParaRPr sz="1050">
+              <a:solidFill>
+                <a:schemeClr val="lt1"/>
+              </a:solidFill>
+              <a:latin typeface="Calibri"/>
+              <a:ea typeface="Calibri"/>
+              <a:cs typeface="Calibri"/>
+              <a:sym typeface="Calibri"/>
+            </a:endParaRPr>
+          </a:p>
+        </p:txBody>
+      </p:sp>
+      <p:sp>
+        <p:nvSpPr>
+          <p:cNvPr id="208" name="Google Shape;208;p20"/>
+          <p:cNvSpPr/>
+          <p:nvPr/>
+        </p:nvSpPr>
+        <p:spPr>
+          <a:xfrm rot="10800000">
+            <a:off x="914493" y="3173059"/>
+            <a:ext cx="3182540" cy="128588"/>
+          </a:xfrm>
+          <a:prstGeom prst="notchedRightArrow">
+            <a:avLst>
+              <a:gd fmla="val 50000" name="adj1"/>
+              <a:gd fmla="val 50000" name="adj2"/>
+            </a:avLst>
+          </a:prstGeom>
+          <a:solidFill>
+            <a:srgbClr val="FABF8E"/>
+          </a:solidFill>
+          <a:ln cap="flat" cmpd="sng" w="25400">
+            <a:solidFill>
+              <a:srgbClr val="395E89"/>
+            </a:solidFill>
+            <a:prstDash val="solid"/>
+            <a:round/>
+            <a:headEnd len="sm" w="sm" type="none"/>
+            <a:tailEnd len="sm" w="sm" type="none"/>
+          </a:ln>
+        </p:spPr>
+        <p:txBody>
+          <a:bodyPr anchorCtr="0" anchor="ctr" bIns="45700" lIns="91425" spcFirstLastPara="1" rIns="91425" wrap="square" tIns="45700">
+            <a:noAutofit/>
+          </a:bodyPr>
+          <a:lstStyle/>
+          <a:p>
+            <a:pPr indent="0" lvl="0" marL="0" marR="0" rtl="0" algn="ctr">
+              <a:spcBef>
+                <a:spcPts val="0"/>
+              </a:spcBef>
+              <a:spcAft>
+                <a:spcPts val="0"/>
+              </a:spcAft>
+              <a:buNone/>
+            </a:pPr>
+            <a:r>
+              <a:t/>
+            </a:r>
+            <a:endParaRPr sz="1050">
+              <a:solidFill>
+                <a:schemeClr val="lt1"/>
+              </a:solidFill>
+              <a:latin typeface="Calibri"/>
+              <a:ea typeface="Calibri"/>
+              <a:cs typeface="Calibri"/>
+              <a:sym typeface="Calibri"/>
+            </a:endParaRPr>
+          </a:p>
+        </p:txBody>
+      </p:sp>
+    </p:spTree>
+  </p:cSld>
+  <p:clrMapOvr>
+    <a:masterClrMapping/>
+  </p:clrMapOvr>
+</p:sld>
+</file>
+
+<file path=ppt/slides/slide21.xml><?xml version="1.0" encoding="utf-8"?>
+<p:sld xmlns:a="http://schemas.openxmlformats.org/drawingml/2006/main" xmlns:r="http://schemas.openxmlformats.org/officeDocument/2006/relationships" xmlns:mc="http://schemas.openxmlformats.org/markup-compatibility/2006" xmlns:mv="urn:schemas-microsoft-com:mac:vml" xmlns:p="http://schemas.openxmlformats.org/presentationml/2006/main" xmlns:c="http://schemas.openxmlformats.org/drawingml/2006/chart" xmlns:dgm="http://schemas.openxmlformats.org/drawingml/2006/diagram" xmlns:o="urn:schemas-microsoft-com:office:office" xmlns:v="urn:schemas-microsoft-com:vml" xmlns:pvml="urn:schemas-microsoft-com:office:powerpoint" xmlns:com="http://schemas.openxmlformats.org/drawingml/2006/compatibility" xmlns:p14="http://schemas.microsoft.com/office/powerpoint/2010/main" xmlns:p15="http://schemas.microsoft.com/office/powerpoint/2012/main" xmlns:ahyp="http://schemas.microsoft.com/office/drawing/2018/hyperlinkcolor">
+  <p:cSld>
+    <p:spTree>
+      <p:nvGrpSpPr>
+        <p:cNvPr id="213" name="Shape 213"/>
+        <p:cNvGrpSpPr/>
+        <p:nvPr/>
+      </p:nvGrpSpPr>
+      <p:grpSpPr>
+        <a:xfrm>
+          <a:off x="0" y="0"/>
+          <a:ext cx="0" cy="0"/>
+          <a:chOff x="0" y="0"/>
+          <a:chExt cx="0" cy="0"/>
+        </a:xfrm>
+      </p:grpSpPr>
+      <p:sp>
+        <p:nvSpPr>
+          <p:cNvPr id="214" name="Google Shape;214;p21"/>
+          <p:cNvSpPr txBox="1"/>
+          <p:nvPr>
+            <p:ph type="title"/>
+          </p:nvPr>
+        </p:nvSpPr>
+        <p:spPr>
+          <a:xfrm>
+            <a:off x="628650" y="273844"/>
+            <a:ext cx="7886700" cy="685800"/>
+          </a:xfrm>
+          <a:prstGeom prst="rect">
+            <a:avLst/>
+          </a:prstGeom>
+          <a:noFill/>
+          <a:ln>
+            <a:noFill/>
+          </a:ln>
+        </p:spPr>
+        <p:txBody>
+          <a:bodyPr anchorCtr="0" anchor="t" bIns="0" lIns="0" spcFirstLastPara="1" rIns="0" wrap="square" tIns="0">
+            <a:noAutofit/>
+          </a:bodyPr>
+          <a:lstStyle/>
+          <a:p>
+            <a:pPr indent="0" lvl="0" marL="0" rtl="0" algn="l">
+              <a:spcBef>
+                <a:spcPts val="0"/>
+              </a:spcBef>
+              <a:spcAft>
+                <a:spcPts val="0"/>
+              </a:spcAft>
+              <a:buClr>
+                <a:srgbClr val="A27E55"/>
+              </a:buClr>
+              <a:buSzPts val="3600"/>
+              <a:buFont typeface="Rockwell"/>
+              <a:buNone/>
+            </a:pPr>
+            <a:r>
+              <a:rPr lang="en-US"/>
+              <a:t>TO AVOID PASSWORD ATTACKS</a:t>
+            </a:r>
+            <a:endParaRPr/>
+          </a:p>
+        </p:txBody>
+      </p:sp>
+      <p:sp>
+        <p:nvSpPr>
+          <p:cNvPr id="215" name="Google Shape;215;p21"/>
+          <p:cNvSpPr txBox="1"/>
+          <p:nvPr>
+            <p:ph idx="1" type="body"/>
+          </p:nvPr>
+        </p:nvSpPr>
+        <p:spPr>
+          <a:xfrm>
+            <a:off x="628650" y="1033397"/>
+            <a:ext cx="7886700" cy="3599325"/>
+          </a:xfrm>
+          <a:prstGeom prst="rect">
+            <a:avLst/>
+          </a:prstGeom>
+          <a:noFill/>
+          <a:ln>
+            <a:noFill/>
+          </a:ln>
+        </p:spPr>
+        <p:txBody>
+          <a:bodyPr anchorCtr="0" anchor="t" bIns="0" lIns="0" spcFirstLastPara="1" rIns="0" wrap="square" tIns="0">
+            <a:noAutofit/>
+          </a:bodyPr>
+          <a:lstStyle/>
+          <a:p>
+            <a:pPr indent="0" lvl="0" marL="0" rtl="0" algn="l">
+              <a:lnSpc>
+                <a:spcPct val="102857"/>
+              </a:lnSpc>
+              <a:spcBef>
+                <a:spcPts val="0"/>
+              </a:spcBef>
+              <a:spcAft>
+                <a:spcPts val="0"/>
+              </a:spcAft>
+              <a:buSzPts val="2100"/>
+              <a:buNone/>
+            </a:pPr>
+            <a:r>
+              <a:rPr lang="en-US"/>
+              <a:t>User side:</a:t>
+            </a:r>
+            <a:endParaRPr/>
+          </a:p>
+          <a:p>
+            <a:pPr indent="-342900" lvl="1" marL="720090" rtl="0" algn="l">
+              <a:lnSpc>
+                <a:spcPct val="95000"/>
+              </a:lnSpc>
+              <a:spcBef>
+                <a:spcPts val="900"/>
+              </a:spcBef>
+              <a:spcAft>
+                <a:spcPts val="0"/>
+              </a:spcAft>
+              <a:buSzPts val="1800"/>
+              <a:buFont typeface="Arial"/>
+              <a:buChar char="•"/>
+            </a:pPr>
+            <a:r>
+              <a:rPr lang="en-US"/>
+              <a:t>Use characters other than just A-Z.</a:t>
+            </a:r>
+            <a:endParaRPr/>
+          </a:p>
+          <a:p>
+            <a:pPr indent="-342900" lvl="1" marL="720090" rtl="0" algn="l">
+              <a:lnSpc>
+                <a:spcPct val="95000"/>
+              </a:lnSpc>
+              <a:spcBef>
+                <a:spcPts val="900"/>
+              </a:spcBef>
+              <a:spcAft>
+                <a:spcPts val="0"/>
+              </a:spcAft>
+              <a:buSzPts val="1800"/>
+              <a:buFont typeface="Arial"/>
+              <a:buChar char="•"/>
+            </a:pPr>
+            <a:r>
+              <a:rPr lang="en-US"/>
+              <a:t>Choose long passwords.</a:t>
+            </a:r>
+            <a:endParaRPr/>
+          </a:p>
+          <a:p>
+            <a:pPr indent="-342900" lvl="1" marL="720090" rtl="0" algn="l">
+              <a:lnSpc>
+                <a:spcPct val="95000"/>
+              </a:lnSpc>
+              <a:spcBef>
+                <a:spcPts val="900"/>
+              </a:spcBef>
+              <a:spcAft>
+                <a:spcPts val="0"/>
+              </a:spcAft>
+              <a:buSzPts val="1800"/>
+              <a:buFont typeface="Arial"/>
+              <a:buChar char="•"/>
+            </a:pPr>
+            <a:r>
+              <a:rPr lang="en-US"/>
+              <a:t>Avoid actual names or words.</a:t>
+            </a:r>
+            <a:endParaRPr/>
+          </a:p>
+          <a:p>
+            <a:pPr indent="-342900" lvl="1" marL="720090" rtl="0" algn="l">
+              <a:lnSpc>
+                <a:spcPct val="95000"/>
+              </a:lnSpc>
+              <a:spcBef>
+                <a:spcPts val="900"/>
+              </a:spcBef>
+              <a:spcAft>
+                <a:spcPts val="0"/>
+              </a:spcAft>
+              <a:buSzPts val="1800"/>
+              <a:buFont typeface="Arial"/>
+              <a:buChar char="•"/>
+            </a:pPr>
+            <a:r>
+              <a:rPr lang="en-US"/>
+              <a:t>Choose an unlikely password.</a:t>
+            </a:r>
+            <a:endParaRPr/>
+          </a:p>
+          <a:p>
+            <a:pPr indent="-342900" lvl="1" marL="720090" rtl="0" algn="l">
+              <a:lnSpc>
+                <a:spcPct val="95000"/>
+              </a:lnSpc>
+              <a:spcBef>
+                <a:spcPts val="900"/>
+              </a:spcBef>
+              <a:spcAft>
+                <a:spcPts val="0"/>
+              </a:spcAft>
+              <a:buSzPts val="1800"/>
+              <a:buFont typeface="Arial"/>
+              <a:buChar char="•"/>
+            </a:pPr>
+            <a:r>
+              <a:rPr lang="en-US"/>
+              <a:t>Change the password regularly.</a:t>
+            </a:r>
+            <a:endParaRPr/>
+          </a:p>
+          <a:p>
+            <a:pPr indent="-342900" lvl="1" marL="720090" rtl="0" algn="l">
+              <a:lnSpc>
+                <a:spcPct val="95000"/>
+              </a:lnSpc>
+              <a:spcBef>
+                <a:spcPts val="900"/>
+              </a:spcBef>
+              <a:spcAft>
+                <a:spcPts val="0"/>
+              </a:spcAft>
+              <a:buSzPts val="1800"/>
+              <a:buFont typeface="Arial"/>
+              <a:buChar char="•"/>
+            </a:pPr>
+            <a:r>
+              <a:rPr lang="en-US"/>
+              <a:t>Don't write it down.</a:t>
+            </a:r>
+            <a:endParaRPr/>
+          </a:p>
+          <a:p>
+            <a:pPr indent="-342900" lvl="1" marL="720090" rtl="0" algn="l">
+              <a:lnSpc>
+                <a:spcPct val="95000"/>
+              </a:lnSpc>
+              <a:spcBef>
+                <a:spcPts val="900"/>
+              </a:spcBef>
+              <a:spcAft>
+                <a:spcPts val="0"/>
+              </a:spcAft>
+              <a:buSzPts val="1800"/>
+              <a:buFont typeface="Arial"/>
+              <a:buChar char="•"/>
+            </a:pPr>
+            <a:r>
+              <a:rPr lang="en-US"/>
+              <a:t>Don't tell anyone else.</a:t>
+            </a:r>
+            <a:endParaRPr/>
+          </a:p>
+        </p:txBody>
+      </p:sp>
+    </p:spTree>
+  </p:cSld>
+  <p:clrMapOvr>
+    <a:masterClrMapping/>
+  </p:clrMapOvr>
+</p:sld>
+</file>
+
+<file path=ppt/slides/slide22.xml><?xml version="1.0" encoding="utf-8"?>
+<p:sld xmlns:a="http://schemas.openxmlformats.org/drawingml/2006/main" xmlns:r="http://schemas.openxmlformats.org/officeDocument/2006/relationships" xmlns:mc="http://schemas.openxmlformats.org/markup-compatibility/2006" xmlns:mv="urn:schemas-microsoft-com:mac:vml" xmlns:p="http://schemas.openxmlformats.org/presentationml/2006/main" xmlns:c="http://schemas.openxmlformats.org/drawingml/2006/chart" xmlns:dgm="http://schemas.openxmlformats.org/drawingml/2006/diagram" xmlns:o="urn:schemas-microsoft-com:office:office" xmlns:v="urn:schemas-microsoft-com:vml" xmlns:pvml="urn:schemas-microsoft-com:office:powerpoint" xmlns:com="http://schemas.openxmlformats.org/drawingml/2006/compatibility" xmlns:p14="http://schemas.microsoft.com/office/powerpoint/2010/main" xmlns:p15="http://schemas.microsoft.com/office/powerpoint/2012/main" xmlns:ahyp="http://schemas.microsoft.com/office/drawing/2018/hyperlinkcolor">
+  <p:cSld>
+    <p:spTree>
+      <p:nvGrpSpPr>
+        <p:cNvPr id="219" name="Shape 219"/>
+        <p:cNvGrpSpPr/>
+        <p:nvPr/>
+      </p:nvGrpSpPr>
+      <p:grpSpPr>
+        <a:xfrm>
+          <a:off x="0" y="0"/>
+          <a:ext cx="0" cy="0"/>
+          <a:chOff x="0" y="0"/>
+          <a:chExt cx="0" cy="0"/>
+        </a:xfrm>
+      </p:grpSpPr>
+      <p:sp>
+        <p:nvSpPr>
+          <p:cNvPr id="220" name="Google Shape;220;p22"/>
+          <p:cNvSpPr txBox="1"/>
+          <p:nvPr>
+            <p:ph type="title"/>
+          </p:nvPr>
+        </p:nvSpPr>
+        <p:spPr>
+          <a:xfrm>
+            <a:off x="330851" y="205932"/>
+            <a:ext cx="8229600" cy="571589"/>
+          </a:xfrm>
+          <a:prstGeom prst="rect">
+            <a:avLst/>
+          </a:prstGeom>
+          <a:noFill/>
+          <a:ln>
+            <a:noFill/>
+          </a:ln>
+        </p:spPr>
+        <p:txBody>
+          <a:bodyPr anchorCtr="0" anchor="t" bIns="0" lIns="0" spcFirstLastPara="1" rIns="0" wrap="square" tIns="0">
+            <a:noAutofit/>
+          </a:bodyPr>
+          <a:lstStyle/>
+          <a:p>
+            <a:pPr indent="0" lvl="0" marL="0" rtl="0" algn="l">
+              <a:spcBef>
+                <a:spcPts val="0"/>
+              </a:spcBef>
+              <a:spcAft>
+                <a:spcPts val="0"/>
+              </a:spcAft>
+              <a:buClr>
+                <a:srgbClr val="A27E55"/>
+              </a:buClr>
+              <a:buSzPts val="3600"/>
+              <a:buFont typeface="Rockwell"/>
+              <a:buNone/>
+            </a:pPr>
+            <a:r>
+              <a:rPr lang="en-US"/>
+              <a:t>KEYSTROKE LOGGER</a:t>
+            </a:r>
+            <a:endParaRPr/>
+          </a:p>
+        </p:txBody>
+      </p:sp>
+      <p:sp>
+        <p:nvSpPr>
+          <p:cNvPr id="221" name="Google Shape;221;p22"/>
           <p:cNvSpPr txBox="1"/>
           <p:nvPr>
             <p:ph idx="1" type="body"/>
@@ -16321,7 +17364,7 @@
       </p:sp>
       <p:sp>
         <p:nvSpPr>
-          <p:cNvPr id="200" name="Google Shape;200;p20"/>
+          <p:cNvPr id="222" name="Google Shape;222;p22"/>
           <p:cNvSpPr txBox="1"/>
           <p:nvPr>
             <p:ph idx="12" type="sldNum"/>
@@ -16381,7 +17424,7 @@
       </p:sp>
       <p:pic>
         <p:nvPicPr>
-          <p:cNvPr id="201" name="Google Shape;201;p20"/>
+          <p:cNvPr id="223" name="Google Shape;223;p22"/>
           <p:cNvPicPr preferRelativeResize="0"/>
           <p:nvPr/>
         </p:nvPicPr>
@@ -16408,7 +17451,7 @@
       </p:pic>
       <p:pic>
         <p:nvPicPr>
-          <p:cNvPr id="202" name="Google Shape;202;p20"/>
+          <p:cNvPr id="224" name="Google Shape;224;p22"/>
           <p:cNvPicPr preferRelativeResize="0"/>
           <p:nvPr/>
         </p:nvPicPr>
@@ -16441,12 +17484,12 @@
 </p:sld>
 </file>
 
-<file path=ppt/slides/slide21.xml><?xml version="1.0" encoding="utf-8"?>
+<file path=ppt/slides/slide23.xml><?xml version="1.0" encoding="utf-8"?>
 <p:sld xmlns:a="http://schemas.openxmlformats.org/drawingml/2006/main" xmlns:r="http://schemas.openxmlformats.org/officeDocument/2006/relationships" xmlns:mc="http://schemas.openxmlformats.org/markup-compatibility/2006" xmlns:mv="urn:schemas-microsoft-com:mac:vml" xmlns:p="http://schemas.openxmlformats.org/presentationml/2006/main" xmlns:c="http://schemas.openxmlformats.org/drawingml/2006/chart" xmlns:dgm="http://schemas.openxmlformats.org/drawingml/2006/diagram" xmlns:o="urn:schemas-microsoft-com:office:office" xmlns:v="urn:schemas-microsoft-com:vml" xmlns:pvml="urn:schemas-microsoft-com:office:powerpoint" xmlns:com="http://schemas.openxmlformats.org/drawingml/2006/compatibility" xmlns:p14="http://schemas.microsoft.com/office/powerpoint/2010/main" xmlns:p15="http://schemas.microsoft.com/office/powerpoint/2012/main" xmlns:ahyp="http://schemas.microsoft.com/office/drawing/2018/hyperlinkcolor">
   <p:cSld>
     <p:spTree>
       <p:nvGrpSpPr>
-        <p:cNvPr id="206" name="Shape 206"/>
+        <p:cNvPr id="228" name="Shape 228"/>
         <p:cNvGrpSpPr/>
         <p:nvPr/>
       </p:nvGrpSpPr>
@@ -16460,7 +17503,7 @@
       </p:grpSpPr>
       <p:sp>
         <p:nvSpPr>
-          <p:cNvPr id="207" name="Google Shape;207;p21"/>
+          <p:cNvPr id="229" name="Google Shape;229;p23"/>
           <p:cNvSpPr txBox="1"/>
           <p:nvPr>
             <p:ph type="title"/>
@@ -16509,7 +17552,7 @@
       </p:sp>
       <p:sp>
         <p:nvSpPr>
-          <p:cNvPr id="208" name="Google Shape;208;p21"/>
+          <p:cNvPr id="230" name="Google Shape;230;p23"/>
           <p:cNvSpPr txBox="1"/>
           <p:nvPr>
             <p:ph idx="1" type="body"/>
@@ -16635,12 +17678,12 @@
 </p:sld>
 </file>
 
-<file path=ppt/slides/slide22.xml><?xml version="1.0" encoding="utf-8"?>
+<file path=ppt/slides/slide24.xml><?xml version="1.0" encoding="utf-8"?>
 <p:sld xmlns:a="http://schemas.openxmlformats.org/drawingml/2006/main" xmlns:r="http://schemas.openxmlformats.org/officeDocument/2006/relationships" xmlns:mc="http://schemas.openxmlformats.org/markup-compatibility/2006" xmlns:mv="urn:schemas-microsoft-com:mac:vml" xmlns:p="http://schemas.openxmlformats.org/presentationml/2006/main" xmlns:c="http://schemas.openxmlformats.org/drawingml/2006/chart" xmlns:dgm="http://schemas.openxmlformats.org/drawingml/2006/diagram" xmlns:o="urn:schemas-microsoft-com:office:office" xmlns:v="urn:schemas-microsoft-com:vml" xmlns:pvml="urn:schemas-microsoft-com:office:powerpoint" xmlns:com="http://schemas.openxmlformats.org/drawingml/2006/compatibility" xmlns:p14="http://schemas.microsoft.com/office/powerpoint/2010/main" xmlns:p15="http://schemas.microsoft.com/office/powerpoint/2012/main" xmlns:ahyp="http://schemas.microsoft.com/office/drawing/2018/hyperlinkcolor">
   <p:cSld>
     <p:spTree>
       <p:nvGrpSpPr>
-        <p:cNvPr id="212" name="Shape 212"/>
+        <p:cNvPr id="234" name="Shape 234"/>
         <p:cNvGrpSpPr/>
         <p:nvPr/>
       </p:nvGrpSpPr>
@@ -16654,7 +17697,7 @@
       </p:grpSpPr>
       <p:sp>
         <p:nvSpPr>
-          <p:cNvPr id="213" name="Google Shape;213;p22"/>
+          <p:cNvPr id="235" name="Google Shape;235;p24"/>
           <p:cNvSpPr txBox="1"/>
           <p:nvPr>
             <p:ph type="title"/>
@@ -16703,7 +17746,7 @@
       </p:sp>
       <p:sp>
         <p:nvSpPr>
-          <p:cNvPr id="214" name="Google Shape;214;p22"/>
+          <p:cNvPr id="236" name="Google Shape;236;p24"/>
           <p:cNvSpPr txBox="1"/>
           <p:nvPr>
             <p:ph idx="1" type="body"/>
@@ -16711,8 +17754,8 @@
         </p:nvSpPr>
         <p:spPr>
           <a:xfrm>
-            <a:off x="870925" y="1033400"/>
-            <a:ext cx="7959600" cy="3599400"/>
+            <a:off x="496389" y="1033397"/>
+            <a:ext cx="8334101" cy="3599325"/>
           </a:xfrm>
           <a:prstGeom prst="rect">
             <a:avLst/>
@@ -16730,7 +17773,7 @@
           <a:p>
             <a:pPr indent="0" lvl="0" marL="0" rtl="0" algn="l">
               <a:lnSpc>
-                <a:spcPct val="100000"/>
+                <a:spcPct val="102857"/>
               </a:lnSpc>
               <a:spcBef>
                 <a:spcPts val="0"/>
@@ -16742,23 +17785,15 @@
               <a:buNone/>
             </a:pPr>
             <a:r>
-              <a:rPr lang="en-US" sz="2000">
-                <a:solidFill>
-                  <a:schemeClr val="dk1"/>
-                </a:solidFill>
-              </a:rPr>
+              <a:rPr lang="en-US"/>
               <a:t>Social engineering attacks manipulate people to gain information or access to facilities, systems, and networks.</a:t>
             </a:r>
-            <a:endParaRPr sz="2000">
-              <a:solidFill>
-                <a:schemeClr val="dk1"/>
-              </a:solidFill>
-            </a:endParaRPr>
+            <a:endParaRPr/>
           </a:p>
           <a:p>
             <a:pPr indent="0" lvl="0" marL="0" rtl="0" algn="l">
               <a:lnSpc>
-                <a:spcPct val="100000"/>
+                <a:spcPct val="102857"/>
               </a:lnSpc>
               <a:spcBef>
                 <a:spcPts val="900"/>
@@ -16770,23 +17805,15 @@
               <a:buNone/>
             </a:pPr>
             <a:r>
-              <a:rPr lang="en-US" sz="2000">
-                <a:solidFill>
-                  <a:schemeClr val="dk1"/>
-                </a:solidFill>
-              </a:rPr>
+              <a:rPr lang="en-US"/>
               <a:t>Social engineers work to influence their targets to take actions that they might not otherwise have taken.</a:t>
             </a:r>
-            <a:endParaRPr sz="2000">
-              <a:solidFill>
-                <a:schemeClr val="dk1"/>
-              </a:solidFill>
-            </a:endParaRPr>
+            <a:endParaRPr/>
           </a:p>
           <a:p>
             <a:pPr indent="0" lvl="0" marL="0" rtl="0" algn="l">
               <a:lnSpc>
-                <a:spcPct val="100000"/>
+                <a:spcPct val="102857"/>
               </a:lnSpc>
               <a:spcBef>
                 <a:spcPts val="900"/>
@@ -16798,23 +17825,15 @@
               <a:buNone/>
             </a:pPr>
             <a:r>
-              <a:rPr lang="en-US" sz="2000">
-                <a:solidFill>
-                  <a:schemeClr val="dk1"/>
-                </a:solidFill>
-              </a:rPr>
+              <a:rPr lang="en-US"/>
               <a:t>A successful social engineering attacks may depend on:</a:t>
             </a:r>
-            <a:endParaRPr sz="2000">
-              <a:solidFill>
-                <a:schemeClr val="dk1"/>
-              </a:solidFill>
-            </a:endParaRPr>
-          </a:p>
-          <a:p>
-            <a:pPr indent="-165100" lvl="1" marL="377190" rtl="0" algn="l">
+            <a:endParaRPr/>
+          </a:p>
+          <a:p>
+            <a:pPr indent="-171450" lvl="1" marL="377190" rtl="0" algn="l">
               <a:lnSpc>
-                <a:spcPct val="100000"/>
+                <a:spcPct val="95000"/>
               </a:lnSpc>
               <a:spcBef>
                 <a:spcPts val="900"/>
@@ -16822,30 +17841,19 @@
               <a:spcAft>
                 <a:spcPts val="0"/>
               </a:spcAft>
-              <a:buClr>
-                <a:schemeClr val="dk1"/>
-              </a:buClr>
-              <a:buSzPts val="1700"/>
+              <a:buSzPts val="1800"/>
               <a:buChar char="▪"/>
             </a:pPr>
             <a:r>
-              <a:rPr lang="en-US" sz="1700">
-                <a:solidFill>
-                  <a:schemeClr val="dk1"/>
-                </a:solidFill>
-              </a:rPr>
+              <a:rPr lang="en-US"/>
               <a:t>Authority - someone who appears to be in charge or knowledgeable.</a:t>
             </a:r>
-            <a:endParaRPr sz="1700">
-              <a:solidFill>
-                <a:schemeClr val="dk1"/>
-              </a:solidFill>
-            </a:endParaRPr>
-          </a:p>
-          <a:p>
-            <a:pPr indent="-165100" lvl="1" marL="377190" rtl="0" algn="l">
+            <a:endParaRPr/>
+          </a:p>
+          <a:p>
+            <a:pPr indent="-171450" lvl="1" marL="377190" rtl="0" algn="l">
               <a:lnSpc>
-                <a:spcPct val="100000"/>
+                <a:spcPct val="95000"/>
               </a:lnSpc>
               <a:spcBef>
                 <a:spcPts val="900"/>
@@ -16853,30 +17861,19 @@
               <a:spcAft>
                 <a:spcPts val="0"/>
               </a:spcAft>
-              <a:buClr>
-                <a:schemeClr val="dk1"/>
-              </a:buClr>
-              <a:buSzPts val="1700"/>
+              <a:buSzPts val="1800"/>
               <a:buChar char="▪"/>
             </a:pPr>
             <a:r>
-              <a:rPr lang="en-US" sz="1700">
-                <a:solidFill>
-                  <a:schemeClr val="dk1"/>
-                </a:solidFill>
-              </a:rPr>
+              <a:rPr lang="en-US"/>
               <a:t>Trust - a connection with the individual.</a:t>
             </a:r>
-            <a:endParaRPr sz="1700">
-              <a:solidFill>
-                <a:schemeClr val="dk1"/>
-              </a:solidFill>
-            </a:endParaRPr>
-          </a:p>
-          <a:p>
-            <a:pPr indent="-165100" lvl="1" marL="377190" rtl="0" algn="l">
+            <a:endParaRPr/>
+          </a:p>
+          <a:p>
+            <a:pPr indent="-171450" lvl="1" marL="377190" rtl="0" algn="l">
               <a:lnSpc>
-                <a:spcPct val="100000"/>
+                <a:spcPct val="95000"/>
               </a:lnSpc>
               <a:spcBef>
                 <a:spcPts val="900"/>
@@ -16884,30 +17881,19 @@
               <a:spcAft>
                 <a:spcPts val="0"/>
               </a:spcAft>
-              <a:buClr>
-                <a:schemeClr val="dk1"/>
-              </a:buClr>
-              <a:buSzPts val="1700"/>
+              <a:buSzPts val="1800"/>
               <a:buChar char="▪"/>
             </a:pPr>
             <a:r>
-              <a:rPr lang="en-US" sz="1700">
-                <a:solidFill>
-                  <a:schemeClr val="dk1"/>
-                </a:solidFill>
-              </a:rPr>
+              <a:rPr lang="en-US"/>
               <a:t>Intimidation - scaring or bullying an individual into taking a desired action.</a:t>
             </a:r>
-            <a:endParaRPr sz="1700">
-              <a:solidFill>
-                <a:schemeClr val="dk1"/>
-              </a:solidFill>
-            </a:endParaRPr>
-          </a:p>
-          <a:p>
-            <a:pPr indent="-165100" lvl="1" marL="377190" rtl="0" algn="l">
+            <a:endParaRPr/>
+          </a:p>
+          <a:p>
+            <a:pPr indent="-171450" lvl="1" marL="377190" rtl="0" algn="l">
               <a:lnSpc>
-                <a:spcPct val="100000"/>
+                <a:spcPct val="95000"/>
               </a:lnSpc>
               <a:spcBef>
                 <a:spcPts val="900"/>
@@ -16915,30 +17901,19 @@
               <a:spcAft>
                 <a:spcPts val="0"/>
               </a:spcAft>
-              <a:buClr>
-                <a:schemeClr val="dk1"/>
-              </a:buClr>
-              <a:buSzPts val="1700"/>
+              <a:buSzPts val="1800"/>
               <a:buChar char="▪"/>
             </a:pPr>
             <a:r>
-              <a:rPr lang="en-US" sz="1700">
-                <a:solidFill>
-                  <a:schemeClr val="dk1"/>
-                </a:solidFill>
-              </a:rPr>
+              <a:rPr lang="en-US"/>
               <a:t>Urgency - creating a feeling that the action must be taken right away.</a:t>
             </a:r>
-            <a:endParaRPr sz="1700">
-              <a:solidFill>
-                <a:schemeClr val="dk1"/>
-              </a:solidFill>
-            </a:endParaRPr>
+            <a:endParaRPr/>
           </a:p>
           <a:p>
             <a:pPr indent="0" lvl="0" marL="0" rtl="0" algn="l">
               <a:lnSpc>
-                <a:spcPct val="100000"/>
+                <a:spcPct val="102857"/>
               </a:lnSpc>
               <a:spcBef>
                 <a:spcPts val="900"/>
@@ -16952,11 +17927,7 @@
             <a:r>
               <a:t/>
             </a:r>
-            <a:endParaRPr sz="2000">
-              <a:solidFill>
-                <a:schemeClr val="dk1"/>
-              </a:solidFill>
-            </a:endParaRPr>
+            <a:endParaRPr/>
           </a:p>
         </p:txBody>
       </p:sp>
@@ -16968,12 +17939,12 @@
 </p:sld>
 </file>
 
-<file path=ppt/slides/slide23.xml><?xml version="1.0" encoding="utf-8"?>
+<file path=ppt/slides/slide25.xml><?xml version="1.0" encoding="utf-8"?>
 <p:sld xmlns:a="http://schemas.openxmlformats.org/drawingml/2006/main" xmlns:r="http://schemas.openxmlformats.org/officeDocument/2006/relationships" xmlns:mc="http://schemas.openxmlformats.org/markup-compatibility/2006" xmlns:mv="urn:schemas-microsoft-com:mac:vml" xmlns:p="http://schemas.openxmlformats.org/presentationml/2006/main" xmlns:c="http://schemas.openxmlformats.org/drawingml/2006/chart" xmlns:dgm="http://schemas.openxmlformats.org/drawingml/2006/diagram" xmlns:o="urn:schemas-microsoft-com:office:office" xmlns:v="urn:schemas-microsoft-com:vml" xmlns:pvml="urn:schemas-microsoft-com:office:powerpoint" xmlns:com="http://schemas.openxmlformats.org/drawingml/2006/compatibility" xmlns:p14="http://schemas.microsoft.com/office/powerpoint/2010/main" xmlns:p15="http://schemas.microsoft.com/office/powerpoint/2012/main" xmlns:ahyp="http://schemas.microsoft.com/office/drawing/2018/hyperlinkcolor">
   <p:cSld>
     <p:spTree>
       <p:nvGrpSpPr>
-        <p:cNvPr id="218" name="Shape 218"/>
+        <p:cNvPr id="240" name="Shape 240"/>
         <p:cNvGrpSpPr/>
         <p:nvPr/>
       </p:nvGrpSpPr>
@@ -16987,7 +17958,7 @@
       </p:grpSpPr>
       <p:sp>
         <p:nvSpPr>
-          <p:cNvPr id="219" name="Google Shape;219;p23"/>
+          <p:cNvPr id="241" name="Google Shape;241;p25"/>
           <p:cNvSpPr txBox="1"/>
           <p:nvPr>
             <p:ph type="title"/>
@@ -17036,7 +18007,7 @@
       </p:sp>
       <p:sp>
         <p:nvSpPr>
-          <p:cNvPr id="220" name="Google Shape;220;p23"/>
+          <p:cNvPr id="242" name="Google Shape;242;p25"/>
           <p:cNvSpPr txBox="1"/>
           <p:nvPr>
             <p:ph idx="1" type="body"/>
@@ -17103,7 +18074,7 @@
       </p:sp>
       <p:sp>
         <p:nvSpPr>
-          <p:cNvPr id="221" name="Google Shape;221;p23"/>
+          <p:cNvPr id="243" name="Google Shape;243;p25"/>
           <p:cNvSpPr txBox="1"/>
           <p:nvPr>
             <p:ph idx="12" type="sldNum"/>
@@ -17163,7 +18134,7 @@
       </p:sp>
       <p:pic>
         <p:nvPicPr>
-          <p:cNvPr id="222" name="Google Shape;222;p23"/>
+          <p:cNvPr id="244" name="Google Shape;244;p25"/>
           <p:cNvPicPr preferRelativeResize="0"/>
           <p:nvPr/>
         </p:nvPicPr>
@@ -17190,7 +18161,7 @@
       </p:pic>
       <p:sp>
         <p:nvSpPr>
-          <p:cNvPr id="223" name="Google Shape;223;p23"/>
+          <p:cNvPr id="245" name="Google Shape;245;p25"/>
           <p:cNvSpPr txBox="1"/>
           <p:nvPr/>
         </p:nvSpPr>
@@ -17246,12 +18217,12 @@
 </p:sld>
 </file>
 
-<file path=ppt/slides/slide24.xml><?xml version="1.0" encoding="utf-8"?>
+<file path=ppt/slides/slide26.xml><?xml version="1.0" encoding="utf-8"?>
 <p:sld xmlns:a="http://schemas.openxmlformats.org/drawingml/2006/main" xmlns:r="http://schemas.openxmlformats.org/officeDocument/2006/relationships" xmlns:mc="http://schemas.openxmlformats.org/markup-compatibility/2006" xmlns:mv="urn:schemas-microsoft-com:mac:vml" xmlns:p="http://schemas.openxmlformats.org/presentationml/2006/main" xmlns:c="http://schemas.openxmlformats.org/drawingml/2006/chart" xmlns:dgm="http://schemas.openxmlformats.org/drawingml/2006/diagram" xmlns:o="urn:schemas-microsoft-com:office:office" xmlns:v="urn:schemas-microsoft-com:vml" xmlns:pvml="urn:schemas-microsoft-com:office:powerpoint" xmlns:com="http://schemas.openxmlformats.org/drawingml/2006/compatibility" xmlns:p14="http://schemas.microsoft.com/office/powerpoint/2010/main" xmlns:p15="http://schemas.microsoft.com/office/powerpoint/2012/main" xmlns:ahyp="http://schemas.microsoft.com/office/drawing/2018/hyperlinkcolor">
   <p:cSld>
     <p:spTree>
       <p:nvGrpSpPr>
-        <p:cNvPr id="227" name="Shape 227"/>
+        <p:cNvPr id="249" name="Shape 249"/>
         <p:cNvGrpSpPr/>
         <p:nvPr/>
       </p:nvGrpSpPr>
@@ -17265,7 +18236,7 @@
       </p:grpSpPr>
       <p:sp>
         <p:nvSpPr>
-          <p:cNvPr id="228" name="Google Shape;228;p24"/>
+          <p:cNvPr id="250" name="Google Shape;250;p26"/>
           <p:cNvSpPr txBox="1"/>
           <p:nvPr>
             <p:ph type="title"/>
@@ -17274,7 +18245,7 @@
         <p:spPr>
           <a:xfrm>
             <a:off x="330851" y="205932"/>
-            <a:ext cx="8229600" cy="571500"/>
+            <a:ext cx="8229600" cy="571589"/>
           </a:xfrm>
           <a:prstGeom prst="rect">
             <a:avLst/>
@@ -17314,7 +18285,7 @@
       </p:sp>
       <p:sp>
         <p:nvSpPr>
-          <p:cNvPr id="229" name="Google Shape;229;p24"/>
+          <p:cNvPr id="251" name="Google Shape;251;p26"/>
           <p:cNvSpPr txBox="1"/>
           <p:nvPr>
             <p:ph idx="1" type="body"/>
@@ -17339,7 +18310,7 @@
           </a:bodyPr>
           <a:lstStyle/>
           <a:p>
-            <a:pPr indent="-273050" lvl="0" marL="285750" rtl="0" algn="l">
+            <a:pPr indent="-285750" lvl="0" marL="285750" rtl="0" algn="l">
               <a:lnSpc>
                 <a:spcPct val="120000"/>
               </a:lnSpc>
@@ -17349,18 +18320,18 @@
               <a:spcAft>
                 <a:spcPts val="0"/>
               </a:spcAft>
-              <a:buSzPts val="1600"/>
+              <a:buSzPts val="1800"/>
               <a:buFont typeface="Arial"/>
               <a:buChar char="•"/>
             </a:pPr>
             <a:r>
-              <a:rPr lang="en-US" sz="1600"/>
+              <a:rPr lang="en-US"/>
               <a:t>Phishing victims are tricked into disclosing critical information which should be kept private.</a:t>
             </a:r>
-            <a:endParaRPr sz="1600"/>
-          </a:p>
-          <a:p>
-            <a:pPr indent="-110744" lvl="2" marL="514350" rtl="0" algn="l">
+            <a:endParaRPr/>
+          </a:p>
+          <a:p>
+            <a:pPr indent="-123444" lvl="2" marL="514350" rtl="0" algn="l">
               <a:lnSpc>
                 <a:spcPct val="86666"/>
               </a:lnSpc>
@@ -17370,17 +18341,17 @@
               <a:spcAft>
                 <a:spcPts val="0"/>
               </a:spcAft>
-              <a:buSzPts val="1600"/>
+              <a:buSzPts val="1800"/>
               <a:buChar char="▪"/>
             </a:pPr>
             <a:r>
-              <a:rPr lang="en-US" sz="1600"/>
+              <a:rPr lang="en-US"/>
               <a:t>Date of birth</a:t>
             </a:r>
-            <a:endParaRPr sz="1600"/>
-          </a:p>
-          <a:p>
-            <a:pPr indent="-110744" lvl="2" marL="514350" rtl="0" algn="l">
+            <a:endParaRPr/>
+          </a:p>
+          <a:p>
+            <a:pPr indent="-123444" lvl="2" marL="514350" rtl="0" algn="l">
               <a:lnSpc>
                 <a:spcPct val="86666"/>
               </a:lnSpc>
@@ -17390,17 +18361,17 @@
               <a:spcAft>
                 <a:spcPts val="0"/>
               </a:spcAft>
-              <a:buSzPts val="1600"/>
+              <a:buSzPts val="1800"/>
               <a:buChar char="▪"/>
             </a:pPr>
             <a:r>
-              <a:rPr lang="en-US" sz="1600"/>
+              <a:rPr lang="en-US"/>
               <a:t>Social security numbers</a:t>
             </a:r>
-            <a:endParaRPr sz="1600"/>
-          </a:p>
-          <a:p>
-            <a:pPr indent="-110744" lvl="2" marL="514350" rtl="0" algn="l">
+            <a:endParaRPr/>
+          </a:p>
+          <a:p>
+            <a:pPr indent="-123444" lvl="2" marL="514350" rtl="0" algn="l">
               <a:lnSpc>
                 <a:spcPct val="86666"/>
               </a:lnSpc>
@@ -17410,17 +18381,17 @@
               <a:spcAft>
                 <a:spcPts val="0"/>
               </a:spcAft>
-              <a:buSzPts val="1600"/>
+              <a:buSzPts val="1800"/>
               <a:buChar char="▪"/>
             </a:pPr>
             <a:r>
-              <a:rPr lang="en-US" sz="1600"/>
+              <a:rPr lang="en-US"/>
               <a:t>Phone numbers</a:t>
             </a:r>
-            <a:endParaRPr sz="1600"/>
-          </a:p>
-          <a:p>
-            <a:pPr indent="-110744" lvl="2" marL="514350" rtl="0" algn="l">
+            <a:endParaRPr/>
+          </a:p>
+          <a:p>
+            <a:pPr indent="-123444" lvl="2" marL="514350" rtl="0" algn="l">
               <a:lnSpc>
                 <a:spcPct val="86666"/>
               </a:lnSpc>
@@ -17430,17 +18401,17 @@
               <a:spcAft>
                 <a:spcPts val="0"/>
               </a:spcAft>
-              <a:buSzPts val="1600"/>
+              <a:buSzPts val="1800"/>
               <a:buChar char="▪"/>
             </a:pPr>
             <a:r>
-              <a:rPr lang="en-US" sz="1600"/>
+              <a:rPr lang="en-US"/>
               <a:t>Bank account details</a:t>
             </a:r>
-            <a:endParaRPr sz="1600"/>
-          </a:p>
-          <a:p>
-            <a:pPr indent="-110744" lvl="2" marL="514350" rtl="0" algn="l">
+            <a:endParaRPr/>
+          </a:p>
+          <a:p>
+            <a:pPr indent="-123444" lvl="2" marL="514350" rtl="0" algn="l">
               <a:lnSpc>
                 <a:spcPct val="86666"/>
               </a:lnSpc>
@@ -17450,17 +18421,17 @@
               <a:spcAft>
                 <a:spcPts val="0"/>
               </a:spcAft>
-              <a:buSzPts val="1600"/>
+              <a:buSzPts val="1800"/>
               <a:buChar char="▪"/>
             </a:pPr>
             <a:r>
-              <a:rPr lang="en-US" sz="1600"/>
+              <a:rPr lang="en-US"/>
               <a:t>Home address</a:t>
             </a:r>
-            <a:endParaRPr sz="1600"/>
-          </a:p>
-          <a:p>
-            <a:pPr indent="-110744" lvl="2" marL="514350" rtl="0" algn="l">
+            <a:endParaRPr/>
+          </a:p>
+          <a:p>
+            <a:pPr indent="-123444" lvl="2" marL="514350" rtl="0" algn="l">
               <a:lnSpc>
                 <a:spcPct val="86666"/>
               </a:lnSpc>
@@ -17470,17 +18441,17 @@
               <a:spcAft>
                 <a:spcPts val="0"/>
               </a:spcAft>
-              <a:buSzPts val="1600"/>
+              <a:buSzPts val="1800"/>
               <a:buChar char="▪"/>
             </a:pPr>
             <a:r>
-              <a:rPr lang="en-US" sz="1600"/>
+              <a:rPr lang="en-US"/>
               <a:t>Password information (or what they need to reset your password)</a:t>
             </a:r>
-            <a:endParaRPr sz="1600"/>
-          </a:p>
-          <a:p>
-            <a:pPr indent="-273050" lvl="0" marL="285750" rtl="0" algn="l">
+            <a:endParaRPr/>
+          </a:p>
+          <a:p>
+            <a:pPr indent="-285750" lvl="0" marL="285750" rtl="0" algn="l">
               <a:lnSpc>
                 <a:spcPct val="120000"/>
               </a:lnSpc>
@@ -17490,18 +18461,18 @@
               <a:spcAft>
                 <a:spcPts val="0"/>
               </a:spcAft>
-              <a:buSzPts val="1600"/>
+              <a:buSzPts val="1800"/>
               <a:buFont typeface="Arial"/>
               <a:buChar char="•"/>
             </a:pPr>
             <a:r>
-              <a:rPr lang="en-US" sz="1600"/>
+              <a:rPr lang="en-US"/>
               <a:t>Victims respond with the information because they trust the source.</a:t>
             </a:r>
-            <a:endParaRPr sz="1600"/>
-          </a:p>
-          <a:p>
-            <a:pPr indent="-273050" lvl="0" marL="285750" rtl="0" algn="l">
+            <a:endParaRPr/>
+          </a:p>
+          <a:p>
+            <a:pPr indent="-285750" lvl="0" marL="285750" rtl="0" algn="l">
               <a:lnSpc>
                 <a:spcPct val="120000"/>
               </a:lnSpc>
@@ -17511,18 +18482,18 @@
               <a:spcAft>
                 <a:spcPts val="0"/>
               </a:spcAft>
-              <a:buSzPts val="1600"/>
+              <a:buSzPts val="1800"/>
               <a:buFont typeface="Arial"/>
               <a:buChar char="•"/>
             </a:pPr>
             <a:r>
-              <a:rPr lang="en-US" sz="1600"/>
+              <a:rPr lang="en-US"/>
               <a:t>The information is then used by the attackers to do something else.</a:t>
             </a:r>
-            <a:endParaRPr sz="1600"/>
-          </a:p>
-          <a:p>
-            <a:pPr indent="-273050" lvl="1" marL="662940" rtl="0" algn="l">
+            <a:endParaRPr/>
+          </a:p>
+          <a:p>
+            <a:pPr indent="-285750" lvl="1" marL="662940" rtl="0" algn="l">
               <a:lnSpc>
                 <a:spcPct val="95000"/>
               </a:lnSpc>
@@ -17532,15 +18503,15 @@
               <a:spcAft>
                 <a:spcPts val="0"/>
               </a:spcAft>
-              <a:buSzPts val="1600"/>
+              <a:buSzPts val="1800"/>
               <a:buFont typeface="Arial"/>
               <a:buChar char="•"/>
             </a:pPr>
             <a:r>
-              <a:rPr lang="en-US" sz="1600"/>
+              <a:rPr lang="en-US"/>
               <a:t>login to systems, open bank accounts, other attacks...</a:t>
             </a:r>
-            <a:endParaRPr sz="1600"/>
+            <a:endParaRPr/>
           </a:p>
           <a:p>
             <a:pPr indent="-171450" lvl="1" marL="662940" rtl="0" algn="l">
@@ -17560,7 +18531,7 @@
             <a:r>
               <a:t/>
             </a:r>
-            <a:endParaRPr sz="1600"/>
+            <a:endParaRPr/>
           </a:p>
           <a:p>
             <a:pPr indent="0" lvl="0" marL="0" rtl="0" algn="l">
@@ -17577,10 +18548,10 @@
               <a:buNone/>
             </a:pPr>
             <a:r>
-              <a:rPr lang="en-US" sz="1600"/>
+              <a:rPr lang="en-US"/>
               <a:t>	</a:t>
             </a:r>
-            <a:endParaRPr sz="1600"/>
+            <a:endParaRPr/>
           </a:p>
         </p:txBody>
       </p:sp>
@@ -17592,12 +18563,12 @@
 </p:sld>
 </file>
 
-<file path=ppt/slides/slide25.xml><?xml version="1.0" encoding="utf-8"?>
+<file path=ppt/slides/slide27.xml><?xml version="1.0" encoding="utf-8"?>
 <p:sld xmlns:a="http://schemas.openxmlformats.org/drawingml/2006/main" xmlns:r="http://schemas.openxmlformats.org/officeDocument/2006/relationships" xmlns:mc="http://schemas.openxmlformats.org/markup-compatibility/2006" xmlns:mv="urn:schemas-microsoft-com:mac:vml" xmlns:p="http://schemas.openxmlformats.org/presentationml/2006/main" xmlns:c="http://schemas.openxmlformats.org/drawingml/2006/chart" xmlns:dgm="http://schemas.openxmlformats.org/drawingml/2006/diagram" xmlns:o="urn:schemas-microsoft-com:office:office" xmlns:v="urn:schemas-microsoft-com:vml" xmlns:pvml="urn:schemas-microsoft-com:office:powerpoint" xmlns:com="http://schemas.openxmlformats.org/drawingml/2006/compatibility" xmlns:p14="http://schemas.microsoft.com/office/powerpoint/2010/main" xmlns:p15="http://schemas.microsoft.com/office/powerpoint/2012/main" xmlns:ahyp="http://schemas.microsoft.com/office/drawing/2018/hyperlinkcolor">
   <p:cSld>
     <p:spTree>
       <p:nvGrpSpPr>
-        <p:cNvPr id="233" name="Shape 233"/>
+        <p:cNvPr id="255" name="Shape 255"/>
         <p:cNvGrpSpPr/>
         <p:nvPr/>
       </p:nvGrpSpPr>
@@ -17611,7 +18582,7 @@
       </p:grpSpPr>
       <p:sp>
         <p:nvSpPr>
-          <p:cNvPr id="234" name="Google Shape;234;p25"/>
+          <p:cNvPr id="256" name="Google Shape;256;p27"/>
           <p:cNvSpPr txBox="1"/>
           <p:nvPr>
             <p:ph type="title"/>
@@ -17660,7 +18631,7 @@
       </p:sp>
       <p:sp>
         <p:nvSpPr>
-          <p:cNvPr id="235" name="Google Shape;235;p25"/>
+          <p:cNvPr id="257" name="Google Shape;257;p27"/>
           <p:cNvSpPr txBox="1"/>
           <p:nvPr>
             <p:ph idx="1" type="body"/>
@@ -17875,12 +18846,12 @@
 </p:sld>
 </file>
 
-<file path=ppt/slides/slide26.xml><?xml version="1.0" encoding="utf-8"?>
+<file path=ppt/slides/slide28.xml><?xml version="1.0" encoding="utf-8"?>
 <p:sld xmlns:a="http://schemas.openxmlformats.org/drawingml/2006/main" xmlns:r="http://schemas.openxmlformats.org/officeDocument/2006/relationships" xmlns:mc="http://schemas.openxmlformats.org/markup-compatibility/2006" xmlns:mv="urn:schemas-microsoft-com:mac:vml" xmlns:p="http://schemas.openxmlformats.org/presentationml/2006/main" xmlns:c="http://schemas.openxmlformats.org/drawingml/2006/chart" xmlns:dgm="http://schemas.openxmlformats.org/drawingml/2006/diagram" xmlns:o="urn:schemas-microsoft-com:office:office" xmlns:v="urn:schemas-microsoft-com:vml" xmlns:pvml="urn:schemas-microsoft-com:office:powerpoint" xmlns:com="http://schemas.openxmlformats.org/drawingml/2006/compatibility" xmlns:p14="http://schemas.microsoft.com/office/powerpoint/2010/main" xmlns:p15="http://schemas.microsoft.com/office/powerpoint/2012/main" xmlns:ahyp="http://schemas.microsoft.com/office/drawing/2018/hyperlinkcolor">
   <p:cSld>
     <p:spTree>
       <p:nvGrpSpPr>
-        <p:cNvPr id="239" name="Shape 239"/>
+        <p:cNvPr id="261" name="Shape 261"/>
         <p:cNvGrpSpPr/>
         <p:nvPr/>
       </p:nvGrpSpPr>
@@ -17894,7 +18865,7 @@
       </p:grpSpPr>
       <p:sp>
         <p:nvSpPr>
-          <p:cNvPr id="240" name="Google Shape;240;p26"/>
+          <p:cNvPr id="262" name="Google Shape;262;p28"/>
           <p:cNvSpPr txBox="1"/>
           <p:nvPr>
             <p:ph type="title"/>
@@ -17943,7 +18914,7 @@
       </p:sp>
       <p:sp>
         <p:nvSpPr>
-          <p:cNvPr id="241" name="Google Shape;241;p26"/>
+          <p:cNvPr id="263" name="Google Shape;263;p28"/>
           <p:cNvSpPr txBox="1"/>
           <p:nvPr>
             <p:ph idx="1" type="body"/>
@@ -17970,7 +18941,7 @@
           <a:p>
             <a:pPr indent="0" lvl="0" marL="0" rtl="0" algn="l">
               <a:lnSpc>
-                <a:spcPct val="100000"/>
+                <a:spcPct val="120000"/>
               </a:lnSpc>
               <a:spcBef>
                 <a:spcPts val="0"/>
@@ -17982,15 +18953,15 @@
               <a:buNone/>
             </a:pPr>
             <a:r>
-              <a:rPr lang="en-US" sz="1700"/>
+              <a:rPr lang="en-US"/>
               <a:t>Avoid strangers, check name and email address</a:t>
             </a:r>
-            <a:endParaRPr sz="1700"/>
+            <a:endParaRPr/>
           </a:p>
           <a:p>
             <a:pPr indent="0" lvl="0" marL="0" rtl="0" algn="l">
               <a:lnSpc>
-                <a:spcPct val="100000"/>
+                <a:spcPct val="120000"/>
               </a:lnSpc>
               <a:spcBef>
                 <a:spcPts val="900"/>
@@ -18002,15 +18973,15 @@
               <a:buNone/>
             </a:pPr>
             <a:r>
-              <a:rPr lang="en-US" sz="1700"/>
+              <a:rPr lang="en-US"/>
               <a:t>Don’t rush, be suspicious of emails marked “urgent” </a:t>
             </a:r>
-            <a:endParaRPr sz="1700"/>
+            <a:endParaRPr/>
           </a:p>
           <a:p>
             <a:pPr indent="0" lvl="0" marL="0" rtl="0" algn="l">
               <a:lnSpc>
-                <a:spcPct val="100000"/>
+                <a:spcPct val="120000"/>
               </a:lnSpc>
               <a:spcBef>
                 <a:spcPts val="900"/>
@@ -18022,15 +18993,15 @@
               <a:buNone/>
             </a:pPr>
             <a:r>
-              <a:rPr lang="en-US" sz="1700"/>
+              <a:rPr lang="en-US"/>
               <a:t>Notice mistakes in spelling and grammar </a:t>
             </a:r>
-            <a:endParaRPr sz="1700"/>
+            <a:endParaRPr/>
           </a:p>
           <a:p>
             <a:pPr indent="0" lvl="0" marL="0" rtl="0" algn="l">
               <a:lnSpc>
-                <a:spcPct val="100000"/>
+                <a:spcPct val="120000"/>
               </a:lnSpc>
               <a:spcBef>
                 <a:spcPts val="900"/>
@@ -18042,15 +19013,15 @@
               <a:buNone/>
             </a:pPr>
             <a:r>
-              <a:rPr lang="en-US" sz="1700"/>
+              <a:rPr lang="en-US"/>
               <a:t>Beware of generic greetings, “dear sir/ma’am” </a:t>
             </a:r>
-            <a:endParaRPr sz="1700"/>
+            <a:endParaRPr/>
           </a:p>
           <a:p>
             <a:pPr indent="0" lvl="0" marL="0" rtl="0" algn="l">
               <a:lnSpc>
-                <a:spcPct val="100000"/>
+                <a:spcPct val="120000"/>
               </a:lnSpc>
               <a:spcBef>
                 <a:spcPts val="900"/>
@@ -18062,15 +19033,15 @@
               <a:buNone/>
             </a:pPr>
             <a:r>
-              <a:rPr lang="en-US" sz="1700"/>
+              <a:rPr lang="en-US"/>
               <a:t>Don’t be lured by incredible “deals” </a:t>
             </a:r>
-            <a:endParaRPr sz="1700"/>
+            <a:endParaRPr/>
           </a:p>
           <a:p>
             <a:pPr indent="0" lvl="0" marL="0" rtl="0" algn="l">
               <a:lnSpc>
-                <a:spcPct val="100000"/>
+                <a:spcPct val="120000"/>
               </a:lnSpc>
               <a:spcBef>
                 <a:spcPts val="900"/>
@@ -18082,15 +19053,15 @@
               <a:buNone/>
             </a:pPr>
             <a:r>
-              <a:rPr lang="en-US" sz="1700"/>
+              <a:rPr lang="en-US"/>
               <a:t>Hover over the link before you click to ensure it has a secure URL (https://) </a:t>
             </a:r>
-            <a:endParaRPr sz="1700"/>
+            <a:endParaRPr/>
           </a:p>
           <a:p>
             <a:pPr indent="0" lvl="0" marL="0" rtl="0" algn="l">
               <a:lnSpc>
-                <a:spcPct val="100000"/>
+                <a:spcPct val="120000"/>
               </a:lnSpc>
               <a:spcBef>
                 <a:spcPts val="900"/>
@@ -18102,15 +19073,15 @@
               <a:buNone/>
             </a:pPr>
             <a:r>
-              <a:rPr lang="en-US" sz="1700"/>
+              <a:rPr lang="en-US"/>
               <a:t>Never give out personal or financial information based on an email request </a:t>
             </a:r>
-            <a:endParaRPr sz="1700"/>
+            <a:endParaRPr/>
           </a:p>
           <a:p>
             <a:pPr indent="0" lvl="0" marL="0" rtl="0" algn="l">
               <a:lnSpc>
-                <a:spcPct val="100000"/>
+                <a:spcPct val="120000"/>
               </a:lnSpc>
               <a:spcBef>
                 <a:spcPts val="900"/>
@@ -18122,23 +19093,23 @@
               <a:buNone/>
             </a:pPr>
             <a:r>
-              <a:rPr lang="en-US" sz="1700"/>
+              <a:rPr lang="en-US"/>
               <a:t>Don’t trust links or attachments in unsolicited emails</a:t>
             </a:r>
-            <a:endParaRPr sz="1700"/>
+            <a:endParaRPr/>
           </a:p>
         </p:txBody>
       </p:sp>
       <p:sp>
         <p:nvSpPr>
-          <p:cNvPr id="242" name="Google Shape;242;p26"/>
+          <p:cNvPr id="264" name="Google Shape;264;p28"/>
           <p:cNvSpPr txBox="1"/>
           <p:nvPr/>
         </p:nvSpPr>
         <p:spPr>
           <a:xfrm>
-            <a:off x="1066799" y="3877575"/>
-            <a:ext cx="7951800" cy="492600"/>
+            <a:off x="1663337" y="4066903"/>
+            <a:ext cx="7341326" cy="523220"/>
           </a:xfrm>
           <a:prstGeom prst="rect">
             <a:avLst/>
@@ -18164,7 +19135,7 @@
               <a:buNone/>
             </a:pPr>
             <a:r>
-              <a:rPr lang="en-US" sz="1300">
+              <a:rPr lang="en-US" sz="1400">
                 <a:solidFill>
                   <a:schemeClr val="dk1"/>
                 </a:solidFill>
@@ -18175,7 +19146,7 @@
               </a:rPr>
               <a:t>source: https://www.cisco.com/c/dam/en/us/products/collateral/security/email-security/phishing-program-infographic.pdf</a:t>
             </a:r>
-            <a:endParaRPr sz="1300">
+            <a:endParaRPr sz="1400">
               <a:solidFill>
                 <a:schemeClr val="dk1"/>
               </a:solidFill>
@@ -18195,12 +19166,12 @@
 </p:sld>
 </file>
 
-<file path=ppt/slides/slide27.xml><?xml version="1.0" encoding="utf-8"?>
+<file path=ppt/slides/slide29.xml><?xml version="1.0" encoding="utf-8"?>
 <p:sld xmlns:a="http://schemas.openxmlformats.org/drawingml/2006/main" xmlns:r="http://schemas.openxmlformats.org/officeDocument/2006/relationships" xmlns:mc="http://schemas.openxmlformats.org/markup-compatibility/2006" xmlns:mv="urn:schemas-microsoft-com:mac:vml" xmlns:p="http://schemas.openxmlformats.org/presentationml/2006/main" xmlns:c="http://schemas.openxmlformats.org/drawingml/2006/chart" xmlns:dgm="http://schemas.openxmlformats.org/drawingml/2006/diagram" xmlns:o="urn:schemas-microsoft-com:office:office" xmlns:v="urn:schemas-microsoft-com:vml" xmlns:pvml="urn:schemas-microsoft-com:office:powerpoint" xmlns:com="http://schemas.openxmlformats.org/drawingml/2006/compatibility" xmlns:p14="http://schemas.microsoft.com/office/powerpoint/2010/main" xmlns:p15="http://schemas.microsoft.com/office/powerpoint/2012/main" xmlns:ahyp="http://schemas.microsoft.com/office/drawing/2018/hyperlinkcolor">
   <p:cSld>
     <p:spTree>
       <p:nvGrpSpPr>
-        <p:cNvPr id="246" name="Shape 246"/>
+        <p:cNvPr id="268" name="Shape 268"/>
         <p:cNvGrpSpPr/>
         <p:nvPr/>
       </p:nvGrpSpPr>
@@ -18214,7 +19185,7 @@
       </p:grpSpPr>
       <p:sp>
         <p:nvSpPr>
-          <p:cNvPr id="247" name="Google Shape;247;p27"/>
+          <p:cNvPr id="269" name="Google Shape;269;p29"/>
           <p:cNvSpPr txBox="1"/>
           <p:nvPr>
             <p:ph type="title"/>
@@ -18263,7 +19234,7 @@
       </p:sp>
       <p:sp>
         <p:nvSpPr>
-          <p:cNvPr id="248" name="Google Shape;248;p27"/>
+          <p:cNvPr id="270" name="Google Shape;270;p29"/>
           <p:cNvSpPr txBox="1"/>
           <p:nvPr>
             <p:ph idx="1" type="body"/>
@@ -18383,592 +19354,6 @@
           </a:p>
         </p:txBody>
       </p:sp>
-    </p:spTree>
-  </p:cSld>
-  <p:clrMapOvr>
-    <a:masterClrMapping/>
-  </p:clrMapOvr>
-</p:sld>
-</file>
-
-<file path=ppt/slides/slide28.xml><?xml version="1.0" encoding="utf-8"?>
-<p:sld xmlns:a="http://schemas.openxmlformats.org/drawingml/2006/main" xmlns:r="http://schemas.openxmlformats.org/officeDocument/2006/relationships" xmlns:mc="http://schemas.openxmlformats.org/markup-compatibility/2006" xmlns:mv="urn:schemas-microsoft-com:mac:vml" xmlns:p="http://schemas.openxmlformats.org/presentationml/2006/main" xmlns:c="http://schemas.openxmlformats.org/drawingml/2006/chart" xmlns:dgm="http://schemas.openxmlformats.org/drawingml/2006/diagram" xmlns:o="urn:schemas-microsoft-com:office:office" xmlns:v="urn:schemas-microsoft-com:vml" xmlns:pvml="urn:schemas-microsoft-com:office:powerpoint" xmlns:com="http://schemas.openxmlformats.org/drawingml/2006/compatibility" xmlns:p14="http://schemas.microsoft.com/office/powerpoint/2010/main" xmlns:p15="http://schemas.microsoft.com/office/powerpoint/2012/main" xmlns:ahyp="http://schemas.microsoft.com/office/drawing/2018/hyperlinkcolor">
-  <p:cSld>
-    <p:spTree>
-      <p:nvGrpSpPr>
-        <p:cNvPr id="253" name="Shape 253"/>
-        <p:cNvGrpSpPr/>
-        <p:nvPr/>
-      </p:nvGrpSpPr>
-      <p:grpSpPr>
-        <a:xfrm>
-          <a:off x="0" y="0"/>
-          <a:ext cx="0" cy="0"/>
-          <a:chOff x="0" y="0"/>
-          <a:chExt cx="0" cy="0"/>
-        </a:xfrm>
-      </p:grpSpPr>
-      <p:sp>
-        <p:nvSpPr>
-          <p:cNvPr id="254" name="Google Shape;254;p28"/>
-          <p:cNvSpPr txBox="1"/>
-          <p:nvPr>
-            <p:ph type="title"/>
-          </p:nvPr>
-        </p:nvSpPr>
-        <p:spPr>
-          <a:xfrm>
-            <a:off x="628650" y="273844"/>
-            <a:ext cx="7886700" cy="685800"/>
-          </a:xfrm>
-          <a:prstGeom prst="rect">
-            <a:avLst/>
-          </a:prstGeom>
-          <a:noFill/>
-          <a:ln>
-            <a:noFill/>
-          </a:ln>
-        </p:spPr>
-        <p:txBody>
-          <a:bodyPr anchorCtr="0" anchor="t" bIns="0" lIns="0" spcFirstLastPara="1" rIns="0" wrap="square" tIns="0">
-            <a:noAutofit/>
-          </a:bodyPr>
-          <a:lstStyle/>
-          <a:p>
-            <a:pPr indent="0" lvl="0" marL="0" rtl="0" algn="l">
-              <a:spcBef>
-                <a:spcPts val="0"/>
-              </a:spcBef>
-              <a:spcAft>
-                <a:spcPts val="0"/>
-              </a:spcAft>
-              <a:buClr>
-                <a:srgbClr val="A27E55"/>
-              </a:buClr>
-              <a:buSzPts val="3600"/>
-              <a:buFont typeface="Rockwell"/>
-              <a:buNone/>
-            </a:pPr>
-            <a:r>
-              <a:rPr lang="en-US"/>
-              <a:t>FAKE WEBSITE</a:t>
-            </a:r>
-            <a:endParaRPr/>
-          </a:p>
-        </p:txBody>
-      </p:sp>
-      <p:sp>
-        <p:nvSpPr>
-          <p:cNvPr id="255" name="Google Shape;255;p28"/>
-          <p:cNvSpPr txBox="1"/>
-          <p:nvPr>
-            <p:ph idx="12" type="sldNum"/>
-          </p:nvPr>
-        </p:nvSpPr>
-        <p:spPr>
-          <a:xfrm>
-            <a:off x="6400800" y="6356350"/>
-            <a:ext cx="2743200" cy="365125"/>
-          </a:xfrm>
-          <a:prstGeom prst="rect">
-            <a:avLst/>
-          </a:prstGeom>
-          <a:noFill/>
-          <a:ln>
-            <a:noFill/>
-          </a:ln>
-        </p:spPr>
-        <p:txBody>
-          <a:bodyPr anchorCtr="0" anchor="ctr" bIns="45700" lIns="91425" spcFirstLastPara="1" rIns="91425" wrap="square" tIns="45700">
-            <a:noAutofit/>
-          </a:bodyPr>
-          <a:lstStyle/>
-          <a:p>
-            <a:pPr indent="0" lvl="0" marL="0" marR="0" rtl="0" algn="r">
-              <a:spcBef>
-                <a:spcPts val="0"/>
-              </a:spcBef>
-              <a:spcAft>
-                <a:spcPts val="0"/>
-              </a:spcAft>
-              <a:buNone/>
-            </a:pPr>
-            <a:fld id="{00000000-1234-1234-1234-123412341234}" type="slidenum">
-              <a:rPr lang="en-US" sz="1200">
-                <a:solidFill>
-                  <a:srgbClr val="888888"/>
-                </a:solidFill>
-                <a:latin typeface="Calibri"/>
-                <a:ea typeface="Calibri"/>
-                <a:cs typeface="Calibri"/>
-                <a:sym typeface="Calibri"/>
-              </a:rPr>
-              <a:t>‹#›</a:t>
-            </a:fld>
-            <a:endParaRPr sz="1200">
-              <a:solidFill>
-                <a:srgbClr val="888888"/>
-              </a:solidFill>
-              <a:latin typeface="Arial"/>
-              <a:ea typeface="Arial"/>
-              <a:cs typeface="Arial"/>
-              <a:sym typeface="Arial"/>
-            </a:endParaRPr>
-          </a:p>
-        </p:txBody>
-      </p:sp>
-      <p:sp>
-        <p:nvSpPr>
-          <p:cNvPr id="256" name="Google Shape;256;p28"/>
-          <p:cNvSpPr txBox="1"/>
-          <p:nvPr/>
-        </p:nvSpPr>
-        <p:spPr>
-          <a:xfrm>
-            <a:off x="557088" y="1122376"/>
-            <a:ext cx="3633249" cy="2862322"/>
-          </a:xfrm>
-          <a:prstGeom prst="rect">
-            <a:avLst/>
-          </a:prstGeom>
-          <a:noFill/>
-          <a:ln>
-            <a:noFill/>
-          </a:ln>
-        </p:spPr>
-        <p:txBody>
-          <a:bodyPr anchorCtr="0" anchor="t" bIns="45700" lIns="91425" spcFirstLastPara="1" rIns="91425" wrap="square" tIns="45700">
-            <a:spAutoFit/>
-          </a:bodyPr>
-          <a:lstStyle/>
-          <a:p>
-            <a:pPr indent="0" lvl="0" marL="0" marR="0" rtl="0" algn="l">
-              <a:spcBef>
-                <a:spcPts val="0"/>
-              </a:spcBef>
-              <a:spcAft>
-                <a:spcPts val="0"/>
-              </a:spcAft>
-              <a:buNone/>
-            </a:pPr>
-            <a:r>
-              <a:rPr lang="en-US" sz="1800">
-                <a:solidFill>
-                  <a:schemeClr val="dk1"/>
-                </a:solidFill>
-                <a:latin typeface="Calibri"/>
-                <a:ea typeface="Calibri"/>
-                <a:cs typeface="Calibri"/>
-                <a:sym typeface="Calibri"/>
-              </a:rPr>
-              <a:t>Websites are easy to fake because the attacker can obtain copies of the images the real site uses to generate its website. </a:t>
-            </a:r>
-            <a:endParaRPr sz="1800">
-              <a:solidFill>
-                <a:schemeClr val="dk1"/>
-              </a:solidFill>
-              <a:latin typeface="Calibri"/>
-              <a:ea typeface="Calibri"/>
-              <a:cs typeface="Calibri"/>
-              <a:sym typeface="Calibri"/>
-            </a:endParaRPr>
-          </a:p>
-          <a:p>
-            <a:pPr indent="0" lvl="0" marL="0" marR="0" rtl="0" algn="l">
-              <a:spcBef>
-                <a:spcPts val="0"/>
-              </a:spcBef>
-              <a:spcAft>
-                <a:spcPts val="0"/>
-              </a:spcAft>
-              <a:buNone/>
-            </a:pPr>
-            <a:r>
-              <a:t/>
-            </a:r>
-            <a:endParaRPr sz="1800">
-              <a:solidFill>
-                <a:schemeClr val="dk1"/>
-              </a:solidFill>
-              <a:latin typeface="Calibri"/>
-              <a:ea typeface="Calibri"/>
-              <a:cs typeface="Calibri"/>
-              <a:sym typeface="Calibri"/>
-            </a:endParaRPr>
-          </a:p>
-          <a:p>
-            <a:pPr indent="0" lvl="0" marL="0" marR="0" rtl="0" algn="l">
-              <a:spcBef>
-                <a:spcPts val="0"/>
-              </a:spcBef>
-              <a:spcAft>
-                <a:spcPts val="0"/>
-              </a:spcAft>
-              <a:buNone/>
-            </a:pPr>
-            <a:r>
-              <a:rPr lang="en-US" sz="1800">
-                <a:solidFill>
-                  <a:schemeClr val="dk1"/>
-                </a:solidFill>
-                <a:latin typeface="Calibri"/>
-                <a:ea typeface="Calibri"/>
-                <a:cs typeface="Calibri"/>
-                <a:sym typeface="Calibri"/>
-              </a:rPr>
-              <a:t>Fake sites can look convincing.</a:t>
-            </a:r>
-            <a:endParaRPr/>
-          </a:p>
-          <a:p>
-            <a:pPr indent="0" lvl="0" marL="0" marR="0" rtl="0" algn="l">
-              <a:spcBef>
-                <a:spcPts val="0"/>
-              </a:spcBef>
-              <a:spcAft>
-                <a:spcPts val="0"/>
-              </a:spcAft>
-              <a:buNone/>
-            </a:pPr>
-            <a:r>
-              <a:t/>
-            </a:r>
-            <a:endParaRPr sz="1800">
-              <a:solidFill>
-                <a:schemeClr val="dk1"/>
-              </a:solidFill>
-              <a:latin typeface="Calibri"/>
-              <a:ea typeface="Calibri"/>
-              <a:cs typeface="Calibri"/>
-              <a:sym typeface="Calibri"/>
-            </a:endParaRPr>
-          </a:p>
-          <a:p>
-            <a:pPr indent="0" lvl="0" marL="0" marR="0" rtl="0" algn="l">
-              <a:spcBef>
-                <a:spcPts val="0"/>
-              </a:spcBef>
-              <a:spcAft>
-                <a:spcPts val="0"/>
-              </a:spcAft>
-              <a:buNone/>
-            </a:pPr>
-            <a:r>
-              <a:rPr b="1" lang="en-US" sz="1800">
-                <a:solidFill>
-                  <a:schemeClr val="dk1"/>
-                </a:solidFill>
-                <a:latin typeface="Calibri"/>
-                <a:ea typeface="Calibri"/>
-                <a:cs typeface="Calibri"/>
-                <a:sym typeface="Calibri"/>
-              </a:rPr>
-              <a:t>Typo squatting </a:t>
-            </a:r>
-            <a:r>
-              <a:rPr lang="en-US" sz="1800">
-                <a:solidFill>
-                  <a:schemeClr val="dk1"/>
-                </a:solidFill>
-                <a:latin typeface="Calibri"/>
-                <a:ea typeface="Calibri"/>
-                <a:cs typeface="Calibri"/>
-                <a:sym typeface="Calibri"/>
-              </a:rPr>
-              <a:t>attacks use misspelled and slightly off but similar to the legitimate site URLs.</a:t>
-            </a:r>
-            <a:endParaRPr/>
-          </a:p>
-        </p:txBody>
-      </p:sp>
-      <p:pic>
-        <p:nvPicPr>
-          <p:cNvPr id="257" name="Google Shape;257;p28"/>
-          <p:cNvPicPr preferRelativeResize="0"/>
-          <p:nvPr/>
-        </p:nvPicPr>
-        <p:blipFill>
-          <a:blip r:embed="rId3">
-            <a:alphaModFix/>
-          </a:blip>
-          <a:stretch>
-            <a:fillRect/>
-          </a:stretch>
-        </p:blipFill>
-        <p:spPr>
-          <a:xfrm>
-            <a:off x="4393237" y="650944"/>
-            <a:ext cx="4543425" cy="3333750"/>
-          </a:xfrm>
-          <a:prstGeom prst="rect">
-            <a:avLst/>
-          </a:prstGeom>
-          <a:noFill/>
-          <a:ln>
-            <a:noFill/>
-          </a:ln>
-        </p:spPr>
-      </p:pic>
-    </p:spTree>
-  </p:cSld>
-  <p:clrMapOvr>
-    <a:masterClrMapping/>
-  </p:clrMapOvr>
-</p:sld>
-</file>
-
-<file path=ppt/slides/slide29.xml><?xml version="1.0" encoding="utf-8"?>
-<p:sld xmlns:a="http://schemas.openxmlformats.org/drawingml/2006/main" xmlns:r="http://schemas.openxmlformats.org/officeDocument/2006/relationships" xmlns:mc="http://schemas.openxmlformats.org/markup-compatibility/2006" xmlns:mv="urn:schemas-microsoft-com:mac:vml" xmlns:p="http://schemas.openxmlformats.org/presentationml/2006/main" xmlns:c="http://schemas.openxmlformats.org/drawingml/2006/chart" xmlns:dgm="http://schemas.openxmlformats.org/drawingml/2006/diagram" xmlns:o="urn:schemas-microsoft-com:office:office" xmlns:v="urn:schemas-microsoft-com:vml" xmlns:pvml="urn:schemas-microsoft-com:office:powerpoint" xmlns:com="http://schemas.openxmlformats.org/drawingml/2006/compatibility" xmlns:p14="http://schemas.microsoft.com/office/powerpoint/2010/main" xmlns:p15="http://schemas.microsoft.com/office/powerpoint/2012/main" xmlns:ahyp="http://schemas.microsoft.com/office/drawing/2018/hyperlinkcolor">
-  <p:cSld>
-    <p:spTree>
-      <p:nvGrpSpPr>
-        <p:cNvPr id="262" name="Shape 262"/>
-        <p:cNvGrpSpPr/>
-        <p:nvPr/>
-      </p:nvGrpSpPr>
-      <p:grpSpPr>
-        <a:xfrm>
-          <a:off x="0" y="0"/>
-          <a:ext cx="0" cy="0"/>
-          <a:chOff x="0" y="0"/>
-          <a:chExt cx="0" cy="0"/>
-        </a:xfrm>
-      </p:grpSpPr>
-      <p:sp>
-        <p:nvSpPr>
-          <p:cNvPr id="263" name="Google Shape;263;p29"/>
-          <p:cNvSpPr txBox="1"/>
-          <p:nvPr>
-            <p:ph type="title"/>
-          </p:nvPr>
-        </p:nvSpPr>
-        <p:spPr>
-          <a:xfrm>
-            <a:off x="628650" y="273844"/>
-            <a:ext cx="7886700" cy="685800"/>
-          </a:xfrm>
-          <a:prstGeom prst="rect">
-            <a:avLst/>
-          </a:prstGeom>
-          <a:noFill/>
-          <a:ln>
-            <a:noFill/>
-          </a:ln>
-        </p:spPr>
-        <p:txBody>
-          <a:bodyPr anchorCtr="0" anchor="t" bIns="0" lIns="0" spcFirstLastPara="1" rIns="0" wrap="square" tIns="0">
-            <a:noAutofit/>
-          </a:bodyPr>
-          <a:lstStyle/>
-          <a:p>
-            <a:pPr indent="0" lvl="0" marL="0" rtl="0" algn="l">
-              <a:spcBef>
-                <a:spcPts val="0"/>
-              </a:spcBef>
-              <a:spcAft>
-                <a:spcPts val="0"/>
-              </a:spcAft>
-              <a:buClr>
-                <a:srgbClr val="A27E55"/>
-              </a:buClr>
-              <a:buSzPts val="3600"/>
-              <a:buFont typeface="Rockwell"/>
-              <a:buNone/>
-            </a:pPr>
-            <a:r>
-              <a:rPr lang="en-US"/>
-              <a:t>FAKE CODE</a:t>
-            </a:r>
-            <a:endParaRPr/>
-          </a:p>
-        </p:txBody>
-      </p:sp>
-      <p:sp>
-        <p:nvSpPr>
-          <p:cNvPr id="264" name="Google Shape;264;p29"/>
-          <p:cNvSpPr txBox="1"/>
-          <p:nvPr>
-            <p:ph idx="12" type="sldNum"/>
-          </p:nvPr>
-        </p:nvSpPr>
-        <p:spPr>
-          <a:xfrm>
-            <a:off x="8610600" y="6356350"/>
-            <a:ext cx="2743200" cy="365125"/>
-          </a:xfrm>
-          <a:prstGeom prst="rect">
-            <a:avLst/>
-          </a:prstGeom>
-          <a:noFill/>
-          <a:ln>
-            <a:noFill/>
-          </a:ln>
-        </p:spPr>
-        <p:txBody>
-          <a:bodyPr anchorCtr="0" anchor="ctr" bIns="45700" lIns="91425" spcFirstLastPara="1" rIns="91425" wrap="square" tIns="45700">
-            <a:noAutofit/>
-          </a:bodyPr>
-          <a:lstStyle/>
-          <a:p>
-            <a:pPr indent="0" lvl="0" marL="0" marR="0" rtl="0" algn="r">
-              <a:spcBef>
-                <a:spcPts val="0"/>
-              </a:spcBef>
-              <a:spcAft>
-                <a:spcPts val="0"/>
-              </a:spcAft>
-              <a:buNone/>
-            </a:pPr>
-            <a:fld id="{00000000-1234-1234-1234-123412341234}" type="slidenum">
-              <a:rPr lang="en-US" sz="1200">
-                <a:solidFill>
-                  <a:srgbClr val="888888"/>
-                </a:solidFill>
-                <a:latin typeface="Calibri"/>
-                <a:ea typeface="Calibri"/>
-                <a:cs typeface="Calibri"/>
-                <a:sym typeface="Calibri"/>
-              </a:rPr>
-              <a:t>‹#›</a:t>
-            </a:fld>
-            <a:endParaRPr sz="1200">
-              <a:solidFill>
-                <a:srgbClr val="888888"/>
-              </a:solidFill>
-              <a:latin typeface="Arial"/>
-              <a:ea typeface="Arial"/>
-              <a:cs typeface="Arial"/>
-              <a:sym typeface="Arial"/>
-            </a:endParaRPr>
-          </a:p>
-        </p:txBody>
-      </p:sp>
-      <p:sp>
-        <p:nvSpPr>
-          <p:cNvPr id="265" name="Google Shape;265;p29"/>
-          <p:cNvSpPr txBox="1"/>
-          <p:nvPr/>
-        </p:nvSpPr>
-        <p:spPr>
-          <a:xfrm>
-            <a:off x="5111353" y="1369219"/>
-            <a:ext cx="3403997" cy="3263504"/>
-          </a:xfrm>
-          <a:prstGeom prst="rect">
-            <a:avLst/>
-          </a:prstGeom>
-          <a:noFill/>
-          <a:ln>
-            <a:noFill/>
-          </a:ln>
-        </p:spPr>
-        <p:txBody>
-          <a:bodyPr anchorCtr="0" anchor="t" bIns="34275" lIns="68575" spcFirstLastPara="1" rIns="68575" wrap="square" tIns="34275">
-            <a:normAutofit/>
-          </a:bodyPr>
-          <a:lstStyle/>
-          <a:p>
-            <a:pPr indent="-228600" lvl="0" marL="228600" marR="0" rtl="0" algn="l">
-              <a:lnSpc>
-                <a:spcPct val="90000"/>
-              </a:lnSpc>
-              <a:spcBef>
-                <a:spcPts val="0"/>
-              </a:spcBef>
-              <a:spcAft>
-                <a:spcPts val="0"/>
-              </a:spcAft>
-              <a:buClr>
-                <a:schemeClr val="dk1"/>
-              </a:buClr>
-              <a:buSzPts val="2100"/>
-              <a:buFont typeface="Arial"/>
-              <a:buChar char="•"/>
-            </a:pPr>
-            <a:r>
-              <a:rPr lang="en-US" sz="2100">
-                <a:solidFill>
-                  <a:schemeClr val="dk1"/>
-                </a:solidFill>
-                <a:latin typeface="Calibri"/>
-                <a:ea typeface="Calibri"/>
-                <a:cs typeface="Calibri"/>
-                <a:sym typeface="Calibri"/>
-              </a:rPr>
-              <a:t>Programs intentionally installed that may advertise one purpose but do something entirely different.</a:t>
-            </a:r>
-            <a:endParaRPr/>
-          </a:p>
-          <a:p>
-            <a:pPr indent="-228600" lvl="0" marL="228600" marR="0" rtl="0" algn="l">
-              <a:lnSpc>
-                <a:spcPct val="90000"/>
-              </a:lnSpc>
-              <a:spcBef>
-                <a:spcPts val="1000"/>
-              </a:spcBef>
-              <a:spcAft>
-                <a:spcPts val="0"/>
-              </a:spcAft>
-              <a:buClr>
-                <a:schemeClr val="dk1"/>
-              </a:buClr>
-              <a:buSzPts val="2100"/>
-              <a:buFont typeface="Arial"/>
-              <a:buChar char="•"/>
-            </a:pPr>
-            <a:r>
-              <a:rPr lang="en-US" sz="2100">
-                <a:solidFill>
-                  <a:schemeClr val="dk1"/>
-                </a:solidFill>
-                <a:latin typeface="Calibri"/>
-                <a:ea typeface="Calibri"/>
-                <a:cs typeface="Calibri"/>
-                <a:sym typeface="Calibri"/>
-              </a:rPr>
-              <a:t>A digital signature can vouch for the authenticity of a program, update, or dataset.</a:t>
-            </a:r>
-            <a:endParaRPr sz="2100">
-              <a:solidFill>
-                <a:schemeClr val="dk1"/>
-              </a:solidFill>
-              <a:latin typeface="Calibri"/>
-              <a:ea typeface="Calibri"/>
-              <a:cs typeface="Calibri"/>
-              <a:sym typeface="Calibri"/>
-            </a:endParaRPr>
-          </a:p>
-        </p:txBody>
-      </p:sp>
-      <p:pic>
-        <p:nvPicPr>
-          <p:cNvPr id="266" name="Google Shape;266;p29"/>
-          <p:cNvPicPr preferRelativeResize="0"/>
-          <p:nvPr/>
-        </p:nvPicPr>
-        <p:blipFill>
-          <a:blip r:embed="rId3">
-            <a:alphaModFix/>
-          </a:blip>
-          <a:stretch>
-            <a:fillRect/>
-          </a:stretch>
-        </p:blipFill>
-        <p:spPr>
-          <a:xfrm>
-            <a:off x="733025" y="959644"/>
-            <a:ext cx="3905250" cy="3162300"/>
-          </a:xfrm>
-          <a:prstGeom prst="rect">
-            <a:avLst/>
-          </a:prstGeom>
-          <a:noFill/>
-          <a:ln>
-            <a:noFill/>
-          </a:ln>
-        </p:spPr>
-      </p:pic>
     </p:spTree>
   </p:cSld>
   <p:clrMapOvr>
@@ -19176,7 +19561,7 @@
   <p:cSld>
     <p:spTree>
       <p:nvGrpSpPr>
-        <p:cNvPr id="270" name="Shape 270"/>
+        <p:cNvPr id="275" name="Shape 275"/>
         <p:cNvGrpSpPr/>
         <p:nvPr/>
       </p:nvGrpSpPr>
@@ -19190,7 +19575,7 @@
       </p:grpSpPr>
       <p:sp>
         <p:nvSpPr>
-          <p:cNvPr id="271" name="Google Shape;271;p30"/>
+          <p:cNvPr id="276" name="Google Shape;276;p30"/>
           <p:cNvSpPr txBox="1"/>
           <p:nvPr>
             <p:ph type="title"/>
@@ -19231,7 +19616,7 @@
             </a:pPr>
             <a:r>
               <a:rPr lang="en-US"/>
-              <a:t>MALWARE FOR STEALING DATA</a:t>
+              <a:t>FAKE WEBSITE</a:t>
             </a:r>
             <a:endParaRPr/>
           </a:p>
@@ -19239,7 +19624,585 @@
       </p:sp>
       <p:sp>
         <p:nvSpPr>
-          <p:cNvPr id="272" name="Google Shape;272;p30"/>
+          <p:cNvPr descr="fig04-07.tif" id="277" name="Google Shape;277;p30"/>
+          <p:cNvSpPr txBox="1"/>
+          <p:nvPr>
+            <p:ph idx="1" type="body"/>
+          </p:nvPr>
+        </p:nvSpPr>
+        <p:spPr>
+          <a:xfrm>
+            <a:off x="4360179" y="756975"/>
+            <a:ext cx="4547250" cy="3329995"/>
+          </a:xfrm>
+          <a:prstGeom prst="rect">
+            <a:avLst/>
+          </a:prstGeom>
+          <a:solidFill>
+            <a:srgbClr val="FFFFFF"/>
+          </a:solidFill>
+          <a:ln>
+            <a:noFill/>
+          </a:ln>
+        </p:spPr>
+      </p:sp>
+      <p:sp>
+        <p:nvSpPr>
+          <p:cNvPr id="278" name="Google Shape;278;p30"/>
+          <p:cNvSpPr txBox="1"/>
+          <p:nvPr>
+            <p:ph idx="12" type="sldNum"/>
+          </p:nvPr>
+        </p:nvSpPr>
+        <p:spPr>
+          <a:xfrm>
+            <a:off x="6400800" y="6356350"/>
+            <a:ext cx="2743200" cy="365125"/>
+          </a:xfrm>
+          <a:prstGeom prst="rect">
+            <a:avLst/>
+          </a:prstGeom>
+          <a:noFill/>
+          <a:ln>
+            <a:noFill/>
+          </a:ln>
+        </p:spPr>
+        <p:txBody>
+          <a:bodyPr anchorCtr="0" anchor="ctr" bIns="45700" lIns="91425" spcFirstLastPara="1" rIns="91425" wrap="square" tIns="45700">
+            <a:noAutofit/>
+          </a:bodyPr>
+          <a:lstStyle/>
+          <a:p>
+            <a:pPr indent="0" lvl="0" marL="0" marR="0" rtl="0" algn="r">
+              <a:spcBef>
+                <a:spcPts val="0"/>
+              </a:spcBef>
+              <a:spcAft>
+                <a:spcPts val="0"/>
+              </a:spcAft>
+              <a:buNone/>
+            </a:pPr>
+            <a:fld id="{00000000-1234-1234-1234-123412341234}" type="slidenum">
+              <a:rPr lang="en-US" sz="1200">
+                <a:solidFill>
+                  <a:srgbClr val="888888"/>
+                </a:solidFill>
+                <a:latin typeface="Calibri"/>
+                <a:ea typeface="Calibri"/>
+                <a:cs typeface="Calibri"/>
+                <a:sym typeface="Calibri"/>
+              </a:rPr>
+              <a:t>‹#›</a:t>
+            </a:fld>
+            <a:endParaRPr sz="1200">
+              <a:solidFill>
+                <a:srgbClr val="888888"/>
+              </a:solidFill>
+              <a:latin typeface="Arial"/>
+              <a:ea typeface="Arial"/>
+              <a:cs typeface="Arial"/>
+              <a:sym typeface="Arial"/>
+            </a:endParaRPr>
+          </a:p>
+        </p:txBody>
+      </p:sp>
+      <p:sp>
+        <p:nvSpPr>
+          <p:cNvPr id="279" name="Google Shape;279;p30"/>
+          <p:cNvSpPr txBox="1"/>
+          <p:nvPr/>
+        </p:nvSpPr>
+        <p:spPr>
+          <a:xfrm>
+            <a:off x="557088" y="1122376"/>
+            <a:ext cx="3633249" cy="2862322"/>
+          </a:xfrm>
+          <a:prstGeom prst="rect">
+            <a:avLst/>
+          </a:prstGeom>
+          <a:noFill/>
+          <a:ln>
+            <a:noFill/>
+          </a:ln>
+        </p:spPr>
+        <p:txBody>
+          <a:bodyPr anchorCtr="0" anchor="t" bIns="45700" lIns="91425" spcFirstLastPara="1" rIns="91425" wrap="square" tIns="45700">
+            <a:spAutoFit/>
+          </a:bodyPr>
+          <a:lstStyle/>
+          <a:p>
+            <a:pPr indent="0" lvl="0" marL="0" marR="0" rtl="0" algn="l">
+              <a:spcBef>
+                <a:spcPts val="0"/>
+              </a:spcBef>
+              <a:spcAft>
+                <a:spcPts val="0"/>
+              </a:spcAft>
+              <a:buNone/>
+            </a:pPr>
+            <a:r>
+              <a:rPr lang="en-US" sz="1800">
+                <a:solidFill>
+                  <a:schemeClr val="dk1"/>
+                </a:solidFill>
+                <a:latin typeface="Calibri"/>
+                <a:ea typeface="Calibri"/>
+                <a:cs typeface="Calibri"/>
+                <a:sym typeface="Calibri"/>
+              </a:rPr>
+              <a:t>Websites are easy to fake because the attacker can obtain copies of the images the real site uses to generate its website. </a:t>
+            </a:r>
+            <a:endParaRPr sz="1800">
+              <a:solidFill>
+                <a:schemeClr val="dk1"/>
+              </a:solidFill>
+              <a:latin typeface="Calibri"/>
+              <a:ea typeface="Calibri"/>
+              <a:cs typeface="Calibri"/>
+              <a:sym typeface="Calibri"/>
+            </a:endParaRPr>
+          </a:p>
+          <a:p>
+            <a:pPr indent="0" lvl="0" marL="0" marR="0" rtl="0" algn="l">
+              <a:spcBef>
+                <a:spcPts val="0"/>
+              </a:spcBef>
+              <a:spcAft>
+                <a:spcPts val="0"/>
+              </a:spcAft>
+              <a:buNone/>
+            </a:pPr>
+            <a:r>
+              <a:t/>
+            </a:r>
+            <a:endParaRPr sz="1800">
+              <a:solidFill>
+                <a:schemeClr val="dk1"/>
+              </a:solidFill>
+              <a:latin typeface="Calibri"/>
+              <a:ea typeface="Calibri"/>
+              <a:cs typeface="Calibri"/>
+              <a:sym typeface="Calibri"/>
+            </a:endParaRPr>
+          </a:p>
+          <a:p>
+            <a:pPr indent="0" lvl="0" marL="0" marR="0" rtl="0" algn="l">
+              <a:spcBef>
+                <a:spcPts val="0"/>
+              </a:spcBef>
+              <a:spcAft>
+                <a:spcPts val="0"/>
+              </a:spcAft>
+              <a:buNone/>
+            </a:pPr>
+            <a:r>
+              <a:rPr lang="en-US" sz="1800">
+                <a:solidFill>
+                  <a:schemeClr val="dk1"/>
+                </a:solidFill>
+                <a:latin typeface="Calibri"/>
+                <a:ea typeface="Calibri"/>
+                <a:cs typeface="Calibri"/>
+                <a:sym typeface="Calibri"/>
+              </a:rPr>
+              <a:t>Fake sites can look convincing.</a:t>
+            </a:r>
+            <a:endParaRPr/>
+          </a:p>
+          <a:p>
+            <a:pPr indent="0" lvl="0" marL="0" marR="0" rtl="0" algn="l">
+              <a:spcBef>
+                <a:spcPts val="0"/>
+              </a:spcBef>
+              <a:spcAft>
+                <a:spcPts val="0"/>
+              </a:spcAft>
+              <a:buNone/>
+            </a:pPr>
+            <a:r>
+              <a:t/>
+            </a:r>
+            <a:endParaRPr sz="1800">
+              <a:solidFill>
+                <a:schemeClr val="dk1"/>
+              </a:solidFill>
+              <a:latin typeface="Calibri"/>
+              <a:ea typeface="Calibri"/>
+              <a:cs typeface="Calibri"/>
+              <a:sym typeface="Calibri"/>
+            </a:endParaRPr>
+          </a:p>
+          <a:p>
+            <a:pPr indent="0" lvl="0" marL="0" marR="0" rtl="0" algn="l">
+              <a:spcBef>
+                <a:spcPts val="0"/>
+              </a:spcBef>
+              <a:spcAft>
+                <a:spcPts val="0"/>
+              </a:spcAft>
+              <a:buNone/>
+            </a:pPr>
+            <a:r>
+              <a:rPr b="1" lang="en-US" sz="1800">
+                <a:solidFill>
+                  <a:schemeClr val="dk1"/>
+                </a:solidFill>
+                <a:latin typeface="Calibri"/>
+                <a:ea typeface="Calibri"/>
+                <a:cs typeface="Calibri"/>
+                <a:sym typeface="Calibri"/>
+              </a:rPr>
+              <a:t>Typo squatting </a:t>
+            </a:r>
+            <a:r>
+              <a:rPr lang="en-US" sz="1800">
+                <a:solidFill>
+                  <a:schemeClr val="dk1"/>
+                </a:solidFill>
+                <a:latin typeface="Calibri"/>
+                <a:ea typeface="Calibri"/>
+                <a:cs typeface="Calibri"/>
+                <a:sym typeface="Calibri"/>
+              </a:rPr>
+              <a:t>attacks use misspelled and slightly off but similar to the legitimate site URLs.</a:t>
+            </a:r>
+            <a:endParaRPr/>
+          </a:p>
+        </p:txBody>
+      </p:sp>
+    </p:spTree>
+  </p:cSld>
+  <p:clrMapOvr>
+    <a:masterClrMapping/>
+  </p:clrMapOvr>
+</p:sld>
+</file>
+
+<file path=ppt/slides/slide31.xml><?xml version="1.0" encoding="utf-8"?>
+<p:sld xmlns:a="http://schemas.openxmlformats.org/drawingml/2006/main" xmlns:r="http://schemas.openxmlformats.org/officeDocument/2006/relationships" xmlns:mc="http://schemas.openxmlformats.org/markup-compatibility/2006" xmlns:mv="urn:schemas-microsoft-com:mac:vml" xmlns:p="http://schemas.openxmlformats.org/presentationml/2006/main" xmlns:c="http://schemas.openxmlformats.org/drawingml/2006/chart" xmlns:dgm="http://schemas.openxmlformats.org/drawingml/2006/diagram" xmlns:o="urn:schemas-microsoft-com:office:office" xmlns:v="urn:schemas-microsoft-com:vml" xmlns:pvml="urn:schemas-microsoft-com:office:powerpoint" xmlns:com="http://schemas.openxmlformats.org/drawingml/2006/compatibility" xmlns:p14="http://schemas.microsoft.com/office/powerpoint/2010/main" xmlns:p15="http://schemas.microsoft.com/office/powerpoint/2012/main" xmlns:ahyp="http://schemas.microsoft.com/office/drawing/2018/hyperlinkcolor">
+  <p:cSld>
+    <p:spTree>
+      <p:nvGrpSpPr>
+        <p:cNvPr id="284" name="Shape 284"/>
+        <p:cNvGrpSpPr/>
+        <p:nvPr/>
+      </p:nvGrpSpPr>
+      <p:grpSpPr>
+        <a:xfrm>
+          <a:off x="0" y="0"/>
+          <a:ext cx="0" cy="0"/>
+          <a:chOff x="0" y="0"/>
+          <a:chExt cx="0" cy="0"/>
+        </a:xfrm>
+      </p:grpSpPr>
+      <p:sp>
+        <p:nvSpPr>
+          <p:cNvPr id="285" name="Google Shape;285;p31"/>
+          <p:cNvSpPr txBox="1"/>
+          <p:nvPr>
+            <p:ph type="title"/>
+          </p:nvPr>
+        </p:nvSpPr>
+        <p:spPr>
+          <a:xfrm>
+            <a:off x="628650" y="273844"/>
+            <a:ext cx="7886700" cy="685800"/>
+          </a:xfrm>
+          <a:prstGeom prst="rect">
+            <a:avLst/>
+          </a:prstGeom>
+          <a:noFill/>
+          <a:ln>
+            <a:noFill/>
+          </a:ln>
+        </p:spPr>
+        <p:txBody>
+          <a:bodyPr anchorCtr="0" anchor="t" bIns="0" lIns="0" spcFirstLastPara="1" rIns="0" wrap="square" tIns="0">
+            <a:noAutofit/>
+          </a:bodyPr>
+          <a:lstStyle/>
+          <a:p>
+            <a:pPr indent="0" lvl="0" marL="0" rtl="0" algn="l">
+              <a:spcBef>
+                <a:spcPts val="0"/>
+              </a:spcBef>
+              <a:spcAft>
+                <a:spcPts val="0"/>
+              </a:spcAft>
+              <a:buClr>
+                <a:srgbClr val="A27E55"/>
+              </a:buClr>
+              <a:buSzPts val="3600"/>
+              <a:buFont typeface="Rockwell"/>
+              <a:buNone/>
+            </a:pPr>
+            <a:r>
+              <a:rPr lang="en-US"/>
+              <a:t>FAKE CODE</a:t>
+            </a:r>
+            <a:endParaRPr/>
+          </a:p>
+        </p:txBody>
+      </p:sp>
+      <p:sp>
+        <p:nvSpPr>
+          <p:cNvPr descr="fig04-08.tif" id="286" name="Google Shape;286;p31"/>
+          <p:cNvSpPr txBox="1"/>
+          <p:nvPr>
+            <p:ph idx="1" type="body"/>
+          </p:nvPr>
+        </p:nvSpPr>
+        <p:spPr>
+          <a:xfrm>
+            <a:off x="910623" y="1046120"/>
+            <a:ext cx="3910042" cy="3163810"/>
+          </a:xfrm>
+          <a:prstGeom prst="rect">
+            <a:avLst/>
+          </a:prstGeom>
+          <a:solidFill>
+            <a:srgbClr val="FFFFFF"/>
+          </a:solidFill>
+          <a:ln>
+            <a:noFill/>
+          </a:ln>
+        </p:spPr>
+      </p:sp>
+      <p:sp>
+        <p:nvSpPr>
+          <p:cNvPr id="287" name="Google Shape;287;p31"/>
+          <p:cNvSpPr txBox="1"/>
+          <p:nvPr>
+            <p:ph idx="12" type="sldNum"/>
+          </p:nvPr>
+        </p:nvSpPr>
+        <p:spPr>
+          <a:xfrm>
+            <a:off x="8610600" y="6356350"/>
+            <a:ext cx="2743200" cy="365125"/>
+          </a:xfrm>
+          <a:prstGeom prst="rect">
+            <a:avLst/>
+          </a:prstGeom>
+          <a:noFill/>
+          <a:ln>
+            <a:noFill/>
+          </a:ln>
+        </p:spPr>
+        <p:txBody>
+          <a:bodyPr anchorCtr="0" anchor="ctr" bIns="45700" lIns="91425" spcFirstLastPara="1" rIns="91425" wrap="square" tIns="45700">
+            <a:noAutofit/>
+          </a:bodyPr>
+          <a:lstStyle/>
+          <a:p>
+            <a:pPr indent="0" lvl="0" marL="0" marR="0" rtl="0" algn="r">
+              <a:spcBef>
+                <a:spcPts val="0"/>
+              </a:spcBef>
+              <a:spcAft>
+                <a:spcPts val="0"/>
+              </a:spcAft>
+              <a:buNone/>
+            </a:pPr>
+            <a:fld id="{00000000-1234-1234-1234-123412341234}" type="slidenum">
+              <a:rPr lang="en-US" sz="1200">
+                <a:solidFill>
+                  <a:srgbClr val="888888"/>
+                </a:solidFill>
+                <a:latin typeface="Calibri"/>
+                <a:ea typeface="Calibri"/>
+                <a:cs typeface="Calibri"/>
+                <a:sym typeface="Calibri"/>
+              </a:rPr>
+              <a:t>‹#›</a:t>
+            </a:fld>
+            <a:endParaRPr sz="1200">
+              <a:solidFill>
+                <a:srgbClr val="888888"/>
+              </a:solidFill>
+              <a:latin typeface="Arial"/>
+              <a:ea typeface="Arial"/>
+              <a:cs typeface="Arial"/>
+              <a:sym typeface="Arial"/>
+            </a:endParaRPr>
+          </a:p>
+        </p:txBody>
+      </p:sp>
+      <p:sp>
+        <p:nvSpPr>
+          <p:cNvPr id="288" name="Google Shape;288;p31"/>
+          <p:cNvSpPr txBox="1"/>
+          <p:nvPr/>
+        </p:nvSpPr>
+        <p:spPr>
+          <a:xfrm>
+            <a:off x="5111353" y="1369219"/>
+            <a:ext cx="3403997" cy="3263504"/>
+          </a:xfrm>
+          <a:prstGeom prst="rect">
+            <a:avLst/>
+          </a:prstGeom>
+          <a:noFill/>
+          <a:ln>
+            <a:noFill/>
+          </a:ln>
+        </p:spPr>
+        <p:txBody>
+          <a:bodyPr anchorCtr="0" anchor="t" bIns="34275" lIns="68575" spcFirstLastPara="1" rIns="68575" wrap="square" tIns="34275">
+            <a:normAutofit/>
+          </a:bodyPr>
+          <a:lstStyle/>
+          <a:p>
+            <a:pPr indent="-228600" lvl="0" marL="228600" marR="0" rtl="0" algn="l">
+              <a:lnSpc>
+                <a:spcPct val="90000"/>
+              </a:lnSpc>
+              <a:spcBef>
+                <a:spcPts val="0"/>
+              </a:spcBef>
+              <a:spcAft>
+                <a:spcPts val="0"/>
+              </a:spcAft>
+              <a:buClr>
+                <a:schemeClr val="dk1"/>
+              </a:buClr>
+              <a:buSzPts val="2100"/>
+              <a:buFont typeface="Arial"/>
+              <a:buChar char="•"/>
+            </a:pPr>
+            <a:r>
+              <a:rPr lang="en-US" sz="2100">
+                <a:solidFill>
+                  <a:schemeClr val="dk1"/>
+                </a:solidFill>
+                <a:latin typeface="Calibri"/>
+                <a:ea typeface="Calibri"/>
+                <a:cs typeface="Calibri"/>
+                <a:sym typeface="Calibri"/>
+              </a:rPr>
+              <a:t>Programs intentionally installed that may advertise one purpose but do something entirely different.</a:t>
+            </a:r>
+            <a:endParaRPr/>
+          </a:p>
+          <a:p>
+            <a:pPr indent="-228600" lvl="0" marL="228600" marR="0" rtl="0" algn="l">
+              <a:lnSpc>
+                <a:spcPct val="90000"/>
+              </a:lnSpc>
+              <a:spcBef>
+                <a:spcPts val="1000"/>
+              </a:spcBef>
+              <a:spcAft>
+                <a:spcPts val="0"/>
+              </a:spcAft>
+              <a:buClr>
+                <a:schemeClr val="dk1"/>
+              </a:buClr>
+              <a:buSzPts val="2100"/>
+              <a:buFont typeface="Arial"/>
+              <a:buChar char="•"/>
+            </a:pPr>
+            <a:r>
+              <a:rPr lang="en-US" sz="2100">
+                <a:solidFill>
+                  <a:schemeClr val="dk1"/>
+                </a:solidFill>
+                <a:latin typeface="Calibri"/>
+                <a:ea typeface="Calibri"/>
+                <a:cs typeface="Calibri"/>
+                <a:sym typeface="Calibri"/>
+              </a:rPr>
+              <a:t>A digital signature can vouch for the authenticity of a program, update, or dataset.</a:t>
+            </a:r>
+            <a:endParaRPr sz="2100">
+              <a:solidFill>
+                <a:schemeClr val="dk1"/>
+              </a:solidFill>
+              <a:latin typeface="Calibri"/>
+              <a:ea typeface="Calibri"/>
+              <a:cs typeface="Calibri"/>
+              <a:sym typeface="Calibri"/>
+            </a:endParaRPr>
+          </a:p>
+        </p:txBody>
+      </p:sp>
+    </p:spTree>
+  </p:cSld>
+  <p:clrMapOvr>
+    <a:masterClrMapping/>
+  </p:clrMapOvr>
+</p:sld>
+</file>
+
+<file path=ppt/slides/slide32.xml><?xml version="1.0" encoding="utf-8"?>
+<p:sld xmlns:a="http://schemas.openxmlformats.org/drawingml/2006/main" xmlns:r="http://schemas.openxmlformats.org/officeDocument/2006/relationships" xmlns:mc="http://schemas.openxmlformats.org/markup-compatibility/2006" xmlns:mv="urn:schemas-microsoft-com:mac:vml" xmlns:p="http://schemas.openxmlformats.org/presentationml/2006/main" xmlns:c="http://schemas.openxmlformats.org/drawingml/2006/chart" xmlns:dgm="http://schemas.openxmlformats.org/drawingml/2006/diagram" xmlns:o="urn:schemas-microsoft-com:office:office" xmlns:v="urn:schemas-microsoft-com:vml" xmlns:pvml="urn:schemas-microsoft-com:office:powerpoint" xmlns:com="http://schemas.openxmlformats.org/drawingml/2006/compatibility" xmlns:p14="http://schemas.microsoft.com/office/powerpoint/2010/main" xmlns:p15="http://schemas.microsoft.com/office/powerpoint/2012/main" xmlns:ahyp="http://schemas.microsoft.com/office/drawing/2018/hyperlinkcolor">
+  <p:cSld>
+    <p:spTree>
+      <p:nvGrpSpPr>
+        <p:cNvPr id="292" name="Shape 292"/>
+        <p:cNvGrpSpPr/>
+        <p:nvPr/>
+      </p:nvGrpSpPr>
+      <p:grpSpPr>
+        <a:xfrm>
+          <a:off x="0" y="0"/>
+          <a:ext cx="0" cy="0"/>
+          <a:chOff x="0" y="0"/>
+          <a:chExt cx="0" cy="0"/>
+        </a:xfrm>
+      </p:grpSpPr>
+      <p:sp>
+        <p:nvSpPr>
+          <p:cNvPr id="293" name="Google Shape;293;p32"/>
+          <p:cNvSpPr txBox="1"/>
+          <p:nvPr>
+            <p:ph type="title"/>
+          </p:nvPr>
+        </p:nvSpPr>
+        <p:spPr>
+          <a:xfrm>
+            <a:off x="628650" y="273844"/>
+            <a:ext cx="7886700" cy="685800"/>
+          </a:xfrm>
+          <a:prstGeom prst="rect">
+            <a:avLst/>
+          </a:prstGeom>
+          <a:noFill/>
+          <a:ln>
+            <a:noFill/>
+          </a:ln>
+        </p:spPr>
+        <p:txBody>
+          <a:bodyPr anchorCtr="0" anchor="t" bIns="0" lIns="0" spcFirstLastPara="1" rIns="0" wrap="square" tIns="0">
+            <a:noAutofit/>
+          </a:bodyPr>
+          <a:lstStyle/>
+          <a:p>
+            <a:pPr indent="0" lvl="0" marL="0" rtl="0" algn="l">
+              <a:spcBef>
+                <a:spcPts val="0"/>
+              </a:spcBef>
+              <a:spcAft>
+                <a:spcPts val="0"/>
+              </a:spcAft>
+              <a:buClr>
+                <a:srgbClr val="A27E55"/>
+              </a:buClr>
+              <a:buSzPts val="3600"/>
+              <a:buFont typeface="Rockwell"/>
+              <a:buNone/>
+            </a:pPr>
+            <a:r>
+              <a:rPr lang="en-US"/>
+              <a:t>MALWARE FOR STEALING DATA</a:t>
+            </a:r>
+            <a:endParaRPr/>
+          </a:p>
+        </p:txBody>
+      </p:sp>
+      <p:sp>
+        <p:nvSpPr>
+          <p:cNvPr id="294" name="Google Shape;294;p32"/>
           <p:cNvSpPr txBox="1"/>
           <p:nvPr>
             <p:ph idx="1" type="body"/>
@@ -19278,18 +20241,10 @@
               <a:buNone/>
             </a:pPr>
             <a:r>
-              <a:rPr lang="en-US">
-                <a:solidFill>
-                  <a:schemeClr val="dk1"/>
-                </a:solidFill>
-              </a:rPr>
+              <a:rPr lang="en-US"/>
               <a:t>Malware can be installed by clicking on an email attachment.</a:t>
             </a:r>
-            <a:endParaRPr>
-              <a:solidFill>
-                <a:schemeClr val="dk1"/>
-              </a:solidFill>
-            </a:endParaRPr>
+            <a:endParaRPr/>
           </a:p>
           <a:p>
             <a:pPr indent="0" lvl="0" marL="0" rtl="0" algn="l">
@@ -19306,18 +20261,10 @@
               <a:buNone/>
             </a:pPr>
             <a:r>
-              <a:rPr lang="en-US">
-                <a:solidFill>
-                  <a:schemeClr val="dk1"/>
-                </a:solidFill>
-              </a:rPr>
+              <a:rPr lang="en-US"/>
               <a:t>For example: Man-in-the-Browser</a:t>
             </a:r>
-            <a:endParaRPr>
-              <a:solidFill>
-                <a:schemeClr val="dk1"/>
-              </a:solidFill>
-            </a:endParaRPr>
+            <a:endParaRPr/>
           </a:p>
           <a:p>
             <a:pPr indent="-171450" lvl="1" marL="377190" rtl="0" algn="l">
@@ -19330,41 +20277,22 @@
               <a:spcAft>
                 <a:spcPts val="0"/>
               </a:spcAft>
-              <a:buClr>
-                <a:schemeClr val="dk1"/>
-              </a:buClr>
               <a:buSzPts val="1800"/>
               <a:buChar char="▪"/>
             </a:pPr>
             <a:r>
-              <a:rPr lang="en-US">
-                <a:solidFill>
-                  <a:schemeClr val="dk1"/>
-                </a:solidFill>
-              </a:rPr>
+              <a:rPr lang="en-US"/>
               <a:t>A </a:t>
             </a:r>
             <a:r>
-              <a:rPr b="1" lang="en-US">
-                <a:solidFill>
-                  <a:schemeClr val="dk1"/>
-                </a:solidFill>
-              </a:rPr>
+              <a:rPr b="1" lang="en-US"/>
               <a:t>man-in-the-browser</a:t>
             </a:r>
             <a:r>
-              <a:rPr lang="en-US">
-                <a:solidFill>
-                  <a:schemeClr val="dk1"/>
-                </a:solidFill>
-              </a:rPr>
+              <a:rPr lang="en-US"/>
               <a:t> attack is an example of malicious code that has infected a browser. </a:t>
             </a:r>
-            <a:endParaRPr>
-              <a:solidFill>
-                <a:schemeClr val="dk1"/>
-              </a:solidFill>
-            </a:endParaRPr>
+            <a:endParaRPr/>
           </a:p>
           <a:p>
             <a:pPr indent="-171450" lvl="1" marL="377190" rtl="0" algn="l">
@@ -19377,25 +20305,14 @@
               <a:spcAft>
                 <a:spcPts val="0"/>
               </a:spcAft>
-              <a:buClr>
-                <a:schemeClr val="dk1"/>
-              </a:buClr>
               <a:buSzPts val="1800"/>
               <a:buChar char="▪"/>
             </a:pPr>
             <a:r>
-              <a:rPr lang="en-US">
-                <a:solidFill>
-                  <a:schemeClr val="dk1"/>
-                </a:solidFill>
-              </a:rPr>
+              <a:rPr lang="en-US"/>
               <a:t>Code inserted into the browser can read, copy, and redistribute anything the user enters in a browser.</a:t>
             </a:r>
-            <a:endParaRPr>
-              <a:solidFill>
-                <a:schemeClr val="dk1"/>
-              </a:solidFill>
-            </a:endParaRPr>
+            <a:endParaRPr/>
           </a:p>
           <a:p>
             <a:pPr indent="-171450" lvl="1" marL="377190" rtl="0" algn="l">
@@ -19408,25 +20325,14 @@
               <a:spcAft>
                 <a:spcPts val="0"/>
               </a:spcAft>
-              <a:buClr>
-                <a:schemeClr val="dk1"/>
-              </a:buClr>
               <a:buSzPts val="1800"/>
               <a:buChar char="▪"/>
             </a:pPr>
             <a:r>
-              <a:rPr lang="en-US">
-                <a:solidFill>
-                  <a:schemeClr val="dk1"/>
-                </a:solidFill>
-              </a:rPr>
+              <a:rPr lang="en-US"/>
               <a:t>The threat here is that the attacker will intercept and reuse credentials to access financial accounts and other sensitive data. </a:t>
             </a:r>
-            <a:endParaRPr>
-              <a:solidFill>
-                <a:schemeClr val="dk1"/>
-              </a:solidFill>
-            </a:endParaRPr>
+            <a:endParaRPr/>
           </a:p>
           <a:p>
             <a:pPr indent="0" lvl="0" marL="0" rtl="0" algn="l">
@@ -19476,12 +20382,12 @@
 </p:sld>
 </file>
 
-<file path=ppt/slides/slide31.xml><?xml version="1.0" encoding="utf-8"?>
+<file path=ppt/slides/slide33.xml><?xml version="1.0" encoding="utf-8"?>
 <p:sld xmlns:a="http://schemas.openxmlformats.org/drawingml/2006/main" xmlns:r="http://schemas.openxmlformats.org/officeDocument/2006/relationships" xmlns:mc="http://schemas.openxmlformats.org/markup-compatibility/2006" xmlns:mv="urn:schemas-microsoft-com:mac:vml" xmlns:p="http://schemas.openxmlformats.org/presentationml/2006/main" xmlns:c="http://schemas.openxmlformats.org/drawingml/2006/chart" xmlns:dgm="http://schemas.openxmlformats.org/drawingml/2006/diagram" xmlns:o="urn:schemas-microsoft-com:office:office" xmlns:v="urn:schemas-microsoft-com:vml" xmlns:pvml="urn:schemas-microsoft-com:office:powerpoint" xmlns:com="http://schemas.openxmlformats.org/drawingml/2006/compatibility" xmlns:p14="http://schemas.microsoft.com/office/powerpoint/2010/main" xmlns:p15="http://schemas.microsoft.com/office/powerpoint/2012/main" xmlns:ahyp="http://schemas.microsoft.com/office/drawing/2018/hyperlinkcolor">
   <p:cSld>
     <p:spTree>
       <p:nvGrpSpPr>
-        <p:cNvPr id="277" name="Shape 277"/>
+        <p:cNvPr id="299" name="Shape 299"/>
         <p:cNvGrpSpPr/>
         <p:nvPr/>
       </p:nvGrpSpPr>
@@ -19495,7 +20401,7 @@
       </p:grpSpPr>
       <p:sp>
         <p:nvSpPr>
-          <p:cNvPr id="278" name="Google Shape;278;p31"/>
+          <p:cNvPr id="300" name="Google Shape;300;p33"/>
           <p:cNvSpPr txBox="1"/>
           <p:nvPr>
             <p:ph type="title"/>
@@ -19544,7 +20450,7 @@
       </p:sp>
       <p:pic>
         <p:nvPicPr>
-          <p:cNvPr descr="fig04-02.eps" id="279" name="Google Shape;279;p31"/>
+          <p:cNvPr descr="fig04-02.eps" id="301" name="Google Shape;301;p33"/>
           <p:cNvPicPr preferRelativeResize="0"/>
           <p:nvPr>
             <p:ph idx="1" type="body"/>
@@ -19573,7 +20479,7 @@
       </p:pic>
       <p:sp>
         <p:nvSpPr>
-          <p:cNvPr id="280" name="Google Shape;280;p31"/>
+          <p:cNvPr id="302" name="Google Shape;302;p33"/>
           <p:cNvSpPr txBox="1"/>
           <p:nvPr>
             <p:ph idx="12" type="sldNum"/>
@@ -19633,7 +20539,7 @@
       </p:sp>
       <p:sp>
         <p:nvSpPr>
-          <p:cNvPr id="281" name="Google Shape;281;p31"/>
+          <p:cNvPr id="303" name="Google Shape;303;p33"/>
           <p:cNvSpPr txBox="1"/>
           <p:nvPr/>
         </p:nvSpPr>
@@ -19759,12 +20665,12 @@
 </p:sld>
 </file>
 
-<file path=ppt/slides/slide32.xml><?xml version="1.0" encoding="utf-8"?>
+<file path=ppt/slides/slide34.xml><?xml version="1.0" encoding="utf-8"?>
 <p:sld xmlns:a="http://schemas.openxmlformats.org/drawingml/2006/main" xmlns:r="http://schemas.openxmlformats.org/officeDocument/2006/relationships" xmlns:mc="http://schemas.openxmlformats.org/markup-compatibility/2006" xmlns:mv="urn:schemas-microsoft-com:mac:vml" xmlns:p="http://schemas.openxmlformats.org/presentationml/2006/main" xmlns:c="http://schemas.openxmlformats.org/drawingml/2006/chart" xmlns:dgm="http://schemas.openxmlformats.org/drawingml/2006/diagram" xmlns:o="urn:schemas-microsoft-com:office:office" xmlns:v="urn:schemas-microsoft-com:vml" xmlns:pvml="urn:schemas-microsoft-com:office:powerpoint" xmlns:com="http://schemas.openxmlformats.org/drawingml/2006/compatibility" xmlns:p14="http://schemas.microsoft.com/office/powerpoint/2010/main" xmlns:p15="http://schemas.microsoft.com/office/powerpoint/2012/main" xmlns:ahyp="http://schemas.microsoft.com/office/drawing/2018/hyperlinkcolor">
   <p:cSld>
     <p:spTree>
       <p:nvGrpSpPr>
-        <p:cNvPr id="285" name="Shape 285"/>
+        <p:cNvPr id="307" name="Shape 307"/>
         <p:cNvGrpSpPr/>
         <p:nvPr/>
       </p:nvGrpSpPr>
@@ -19778,7 +20684,7 @@
       </p:grpSpPr>
       <p:sp>
         <p:nvSpPr>
-          <p:cNvPr id="286" name="Google Shape;286;p32"/>
+          <p:cNvPr id="308" name="Google Shape;308;p34"/>
           <p:cNvSpPr txBox="1"/>
           <p:nvPr>
             <p:ph type="title"/>
@@ -19827,7 +20733,7 @@
       </p:sp>
       <p:sp>
         <p:nvSpPr>
-          <p:cNvPr id="287" name="Google Shape;287;p32"/>
+          <p:cNvPr id="309" name="Google Shape;309;p34"/>
           <p:cNvSpPr txBox="1"/>
           <p:nvPr>
             <p:ph idx="1" type="body"/>
@@ -19835,8 +20741,8 @@
         </p:nvSpPr>
         <p:spPr>
           <a:xfrm>
-            <a:off x="1016075" y="1033400"/>
-            <a:ext cx="7636500" cy="3599400"/>
+            <a:off x="628650" y="1033397"/>
+            <a:ext cx="7886700" cy="3599325"/>
           </a:xfrm>
           <a:prstGeom prst="rect">
             <a:avLst/>
@@ -19874,18 +20780,10 @@
               <a:t>Mobile phishing (Smishing): </a:t>
             </a:r>
             <a:r>
-              <a:rPr lang="en-US">
-                <a:solidFill>
-                  <a:schemeClr val="dk1"/>
-                </a:solidFill>
-              </a:rPr>
-              <a:t>a fraudulent SMS (text), social media message, voice message or other messages ask the recipient to do something to give their critical information.</a:t>
-            </a:r>
-            <a:endParaRPr>
-              <a:solidFill>
-                <a:schemeClr val="dk1"/>
-              </a:solidFill>
-            </a:endParaRPr>
+              <a:rPr lang="en-US"/>
+              <a:t>a fraudulent SMS, social media message, voice message or other messages ask the recipient to do something to give their critical information.</a:t>
+            </a:r>
+            <a:endParaRPr/>
           </a:p>
           <a:p>
             <a:pPr indent="0" lvl="0" marL="0" rtl="0" algn="l">
@@ -19910,18 +20808,10 @@
               <a:t>Voice Phishing (Vishing): </a:t>
             </a:r>
             <a:r>
-              <a:rPr lang="en-US">
-                <a:solidFill>
-                  <a:schemeClr val="dk1"/>
-                </a:solidFill>
-              </a:rPr>
+              <a:rPr lang="en-US"/>
               <a:t>a caller calls or leaves a voice message to urge the victim to do something. They usually sound urgent and convincing.</a:t>
             </a:r>
-            <a:endParaRPr>
-              <a:solidFill>
-                <a:schemeClr val="dk1"/>
-              </a:solidFill>
-            </a:endParaRPr>
+            <a:endParaRPr/>
           </a:p>
           <a:p>
             <a:pPr indent="0" lvl="0" marL="0" rtl="0" algn="l">
@@ -19946,18 +20836,10 @@
               <a:t>Spoofed Wi-Fi access point: </a:t>
             </a:r>
             <a:r>
-              <a:rPr lang="en-US">
-                <a:solidFill>
-                  <a:schemeClr val="dk1"/>
-                </a:solidFill>
-              </a:rPr>
+              <a:rPr lang="en-US"/>
               <a:t>spoofed Wi-Fi access points where can be accessed “Free”. In shopping mall, airports, coffee shops, parks...</a:t>
             </a:r>
-            <a:endParaRPr>
-              <a:solidFill>
-                <a:schemeClr val="dk1"/>
-              </a:solidFill>
-            </a:endParaRPr>
+            <a:endParaRPr/>
           </a:p>
         </p:txBody>
       </p:sp>
@@ -19969,12 +20851,12 @@
 </p:sld>
 </file>
 
-<file path=ppt/slides/slide33.xml><?xml version="1.0" encoding="utf-8"?>
+<file path=ppt/slides/slide35.xml><?xml version="1.0" encoding="utf-8"?>
 <p:sld xmlns:a="http://schemas.openxmlformats.org/drawingml/2006/main" xmlns:r="http://schemas.openxmlformats.org/officeDocument/2006/relationships" xmlns:mc="http://schemas.openxmlformats.org/markup-compatibility/2006" xmlns:mv="urn:schemas-microsoft-com:mac:vml" xmlns:p="http://schemas.openxmlformats.org/presentationml/2006/main" xmlns:c="http://schemas.openxmlformats.org/drawingml/2006/chart" xmlns:dgm="http://schemas.openxmlformats.org/drawingml/2006/diagram" xmlns:o="urn:schemas-microsoft-com:office:office" xmlns:v="urn:schemas-microsoft-com:vml" xmlns:pvml="urn:schemas-microsoft-com:office:powerpoint" xmlns:com="http://schemas.openxmlformats.org/drawingml/2006/compatibility" xmlns:p14="http://schemas.microsoft.com/office/powerpoint/2010/main" xmlns:p15="http://schemas.microsoft.com/office/powerpoint/2012/main" xmlns:ahyp="http://schemas.microsoft.com/office/drawing/2018/hyperlinkcolor">
   <p:cSld>
     <p:spTree>
       <p:nvGrpSpPr>
-        <p:cNvPr id="292" name="Shape 292"/>
+        <p:cNvPr id="314" name="Shape 314"/>
         <p:cNvGrpSpPr/>
         <p:nvPr/>
       </p:nvGrpSpPr>
@@ -19988,7 +20870,7 @@
       </p:grpSpPr>
       <p:sp>
         <p:nvSpPr>
-          <p:cNvPr id="293" name="Google Shape;293;p33"/>
+          <p:cNvPr id="315" name="Google Shape;315;p35"/>
           <p:cNvSpPr txBox="1"/>
           <p:nvPr>
             <p:ph type="title"/>
@@ -20037,7 +20919,7 @@
       </p:sp>
       <p:sp>
         <p:nvSpPr>
-          <p:cNvPr id="294" name="Google Shape;294;p33"/>
+          <p:cNvPr id="316" name="Google Shape;316;p35"/>
           <p:cNvSpPr txBox="1"/>
           <p:nvPr>
             <p:ph idx="1" type="body"/>
@@ -20213,7 +21095,7 @@
       </p:sp>
       <p:sp>
         <p:nvSpPr>
-          <p:cNvPr id="295" name="Google Shape;295;p33"/>
+          <p:cNvPr id="317" name="Google Shape;317;p35"/>
           <p:cNvSpPr txBox="1"/>
           <p:nvPr>
             <p:ph idx="12" type="sldNum"/>
@@ -20279,12 +21161,12 @@
 </p:sld>
 </file>
 
-<file path=ppt/slides/slide34.xml><?xml version="1.0" encoding="utf-8"?>
+<file path=ppt/slides/slide36.xml><?xml version="1.0" encoding="utf-8"?>
 <p:sld xmlns:a="http://schemas.openxmlformats.org/drawingml/2006/main" xmlns:r="http://schemas.openxmlformats.org/officeDocument/2006/relationships" xmlns:mc="http://schemas.openxmlformats.org/markup-compatibility/2006" xmlns:mv="urn:schemas-microsoft-com:mac:vml" xmlns:p="http://schemas.openxmlformats.org/presentationml/2006/main" xmlns:c="http://schemas.openxmlformats.org/drawingml/2006/chart" xmlns:dgm="http://schemas.openxmlformats.org/drawingml/2006/diagram" xmlns:o="urn:schemas-microsoft-com:office:office" xmlns:v="urn:schemas-microsoft-com:vml" xmlns:pvml="urn:schemas-microsoft-com:office:powerpoint" xmlns:com="http://schemas.openxmlformats.org/drawingml/2006/compatibility" xmlns:p14="http://schemas.microsoft.com/office/powerpoint/2010/main" xmlns:p15="http://schemas.microsoft.com/office/powerpoint/2012/main" xmlns:ahyp="http://schemas.microsoft.com/office/drawing/2018/hyperlinkcolor">
   <p:cSld>
     <p:spTree>
       <p:nvGrpSpPr>
-        <p:cNvPr id="299" name="Shape 299"/>
+        <p:cNvPr id="321" name="Shape 321"/>
         <p:cNvGrpSpPr/>
         <p:nvPr/>
       </p:nvGrpSpPr>
@@ -20298,7 +21180,7 @@
       </p:grpSpPr>
       <p:sp>
         <p:nvSpPr>
-          <p:cNvPr id="300" name="Google Shape;300;p34"/>
+          <p:cNvPr id="322" name="Google Shape;322;p36"/>
           <p:cNvSpPr txBox="1"/>
           <p:nvPr>
             <p:ph type="title"/>
@@ -20347,7 +21229,7 @@
       </p:sp>
       <p:sp>
         <p:nvSpPr>
-          <p:cNvPr id="301" name="Google Shape;301;p34"/>
+          <p:cNvPr id="323" name="Google Shape;323;p36"/>
           <p:cNvSpPr txBox="1"/>
           <p:nvPr>
             <p:ph idx="1" type="body"/>
@@ -20372,7 +21254,7 @@
           </a:bodyPr>
           <a:lstStyle/>
           <a:p>
-            <a:pPr indent="-279400" lvl="0" marL="285750" rtl="0" algn="l">
+            <a:pPr indent="-285750" lvl="0" marL="285750" rtl="0" algn="l">
               <a:lnSpc>
                 <a:spcPct val="108000"/>
               </a:lnSpc>
@@ -20382,12 +21264,12 @@
               <a:spcAft>
                 <a:spcPts val="0"/>
               </a:spcAft>
-              <a:buSzPts val="1900"/>
+              <a:buSzPts val="2000"/>
               <a:buFont typeface="Noto Sans Symbols"/>
               <a:buChar char="▪"/>
             </a:pPr>
             <a:r>
-              <a:rPr i="1" lang="en-US" sz="1900">
+              <a:rPr i="1" lang="en-US" sz="2000">
                 <a:solidFill>
                   <a:srgbClr val="A27E55"/>
                 </a:solidFill>
@@ -20395,7 +21277,7 @@
               <a:t>Pretexting</a:t>
             </a:r>
             <a:r>
-              <a:rPr lang="en-US" sz="1900">
+              <a:rPr lang="en-US" sz="2000">
                 <a:solidFill>
                   <a:srgbClr val="A27E55"/>
                 </a:solidFill>
@@ -20403,13 +21285,13 @@
               <a:t>:</a:t>
             </a:r>
             <a:r>
-              <a:rPr lang="en-US" sz="1900"/>
+              <a:rPr lang="en-US" sz="2000"/>
               <a:t> This attack is a way to convince people of your legitimacy, using a “pretext”. Eg: family member of an employee, delivery person, member of IT team, or having an urgent need.</a:t>
             </a:r>
-            <a:endParaRPr sz="1700"/>
-          </a:p>
-          <a:p>
-            <a:pPr indent="-279400" lvl="0" marL="285750" rtl="0" algn="l">
+            <a:endParaRPr/>
+          </a:p>
+          <a:p>
+            <a:pPr indent="-285750" lvl="0" marL="285750" rtl="0" algn="l">
               <a:lnSpc>
                 <a:spcPct val="108000"/>
               </a:lnSpc>
@@ -20419,12 +21301,12 @@
               <a:spcAft>
                 <a:spcPts val="0"/>
               </a:spcAft>
-              <a:buSzPts val="1900"/>
+              <a:buSzPts val="2000"/>
               <a:buFont typeface="Noto Sans Symbols"/>
               <a:buChar char="▪"/>
             </a:pPr>
             <a:r>
-              <a:rPr i="1" lang="en-US" sz="1900">
+              <a:rPr i="1" lang="en-US" sz="2000">
                 <a:solidFill>
                   <a:srgbClr val="A27E55"/>
                 </a:solidFill>
@@ -20432,7 +21314,7 @@
               <a:t>Tailgating:</a:t>
             </a:r>
             <a:r>
-              <a:rPr lang="en-US" sz="1900">
+              <a:rPr lang="en-US" sz="2000">
                 <a:solidFill>
                   <a:srgbClr val="A27E55"/>
                 </a:solidFill>
@@ -20440,13 +21322,13 @@
               <a:t> </a:t>
             </a:r>
             <a:r>
-              <a:rPr lang="en-US" sz="1900"/>
+              <a:rPr lang="en-US" sz="2000"/>
               <a:t>People draft in after others into a company, bypassing security. May have faked “badge”, “credentials”, “swipe card” that look legit. When walking through someone may see an unprepared tailgater but seeing the fake credentials will assume that the person came in legitimately.</a:t>
             </a:r>
-            <a:endParaRPr sz="1700"/>
-          </a:p>
-          <a:p>
-            <a:pPr indent="-279400" lvl="0" marL="285750" rtl="0" algn="l">
+            <a:endParaRPr/>
+          </a:p>
+          <a:p>
+            <a:pPr indent="-285750" lvl="0" marL="285750" rtl="0" algn="l">
               <a:lnSpc>
                 <a:spcPct val="108000"/>
               </a:lnSpc>
@@ -20456,12 +21338,12 @@
               <a:spcAft>
                 <a:spcPts val="0"/>
               </a:spcAft>
-              <a:buSzPts val="1900"/>
+              <a:buSzPts val="2000"/>
               <a:buFont typeface="Noto Sans Symbols"/>
               <a:buChar char="▪"/>
             </a:pPr>
             <a:r>
-              <a:rPr i="1" lang="en-US" sz="1900">
+              <a:rPr i="1" lang="en-US" sz="2000">
                 <a:solidFill>
                   <a:srgbClr val="A27E55"/>
                 </a:solidFill>
@@ -20469,7 +21351,7 @@
               <a:t>Desktop Browsing</a:t>
             </a:r>
             <a:r>
-              <a:rPr lang="en-US" sz="1900">
+              <a:rPr lang="en-US" sz="2000">
                 <a:solidFill>
                   <a:srgbClr val="A27E55"/>
                 </a:solidFill>
@@ -20477,10 +21359,10 @@
               <a:t>: </a:t>
             </a:r>
             <a:r>
-              <a:rPr lang="en-US" sz="1900"/>
+              <a:rPr lang="en-US" sz="2000"/>
               <a:t>If you can read upside down and backwards, you can learn a lot of information from someone’s desk. </a:t>
             </a:r>
-            <a:endParaRPr sz="1700"/>
+            <a:endParaRPr/>
           </a:p>
           <a:p>
             <a:pPr indent="-184150" lvl="0" marL="285750" rtl="0" algn="l">
@@ -20500,7 +21382,7 @@
             <a:r>
               <a:t/>
             </a:r>
-            <a:endParaRPr sz="1500"/>
+            <a:endParaRPr sz="1600"/>
           </a:p>
           <a:p>
             <a:pPr indent="0" lvl="0" marL="0" rtl="0" algn="l">
@@ -20519,7 +21401,7 @@
             <a:r>
               <a:t/>
             </a:r>
-            <a:endParaRPr sz="1500"/>
+            <a:endParaRPr sz="1600"/>
           </a:p>
         </p:txBody>
       </p:sp>
@@ -20531,12 +21413,12 @@
 </p:sld>
 </file>
 
-<file path=ppt/slides/slide35.xml><?xml version="1.0" encoding="utf-8"?>
+<file path=ppt/slides/slide37.xml><?xml version="1.0" encoding="utf-8"?>
 <p:sld xmlns:a="http://schemas.openxmlformats.org/drawingml/2006/main" xmlns:r="http://schemas.openxmlformats.org/officeDocument/2006/relationships" xmlns:mc="http://schemas.openxmlformats.org/markup-compatibility/2006" xmlns:mv="urn:schemas-microsoft-com:mac:vml" xmlns:p="http://schemas.openxmlformats.org/presentationml/2006/main" xmlns:c="http://schemas.openxmlformats.org/drawingml/2006/chart" xmlns:dgm="http://schemas.openxmlformats.org/drawingml/2006/diagram" xmlns:o="urn:schemas-microsoft-com:office:office" xmlns:v="urn:schemas-microsoft-com:vml" xmlns:pvml="urn:schemas-microsoft-com:office:powerpoint" xmlns:com="http://schemas.openxmlformats.org/drawingml/2006/compatibility" xmlns:p14="http://schemas.microsoft.com/office/powerpoint/2010/main" xmlns:p15="http://schemas.microsoft.com/office/powerpoint/2012/main" xmlns:ahyp="http://schemas.microsoft.com/office/drawing/2018/hyperlinkcolor">
   <p:cSld>
     <p:spTree>
       <p:nvGrpSpPr>
-        <p:cNvPr id="305" name="Shape 305"/>
+        <p:cNvPr id="327" name="Shape 327"/>
         <p:cNvGrpSpPr/>
         <p:nvPr/>
       </p:nvGrpSpPr>
@@ -20550,7 +21432,7 @@
       </p:grpSpPr>
       <p:sp>
         <p:nvSpPr>
-          <p:cNvPr id="306" name="Google Shape;306;p35"/>
+          <p:cNvPr id="328" name="Google Shape;328;p37"/>
           <p:cNvSpPr txBox="1"/>
           <p:nvPr>
             <p:ph type="title"/>
@@ -20599,7 +21481,7 @@
       </p:sp>
       <p:sp>
         <p:nvSpPr>
-          <p:cNvPr id="307" name="Google Shape;307;p35"/>
+          <p:cNvPr id="329" name="Google Shape;329;p37"/>
           <p:cNvSpPr txBox="1"/>
           <p:nvPr>
             <p:ph idx="1" type="body"/>
@@ -20825,12 +21707,12 @@
 </p:sld>
 </file>
 
-<file path=ppt/slides/slide36.xml><?xml version="1.0" encoding="utf-8"?>
+<file path=ppt/slides/slide38.xml><?xml version="1.0" encoding="utf-8"?>
 <p:sld xmlns:a="http://schemas.openxmlformats.org/drawingml/2006/main" xmlns:r="http://schemas.openxmlformats.org/officeDocument/2006/relationships" xmlns:mc="http://schemas.openxmlformats.org/markup-compatibility/2006" xmlns:mv="urn:schemas-microsoft-com:mac:vml" xmlns:p="http://schemas.openxmlformats.org/presentationml/2006/main" xmlns:c="http://schemas.openxmlformats.org/drawingml/2006/chart" xmlns:dgm="http://schemas.openxmlformats.org/drawingml/2006/diagram" xmlns:o="urn:schemas-microsoft-com:office:office" xmlns:v="urn:schemas-microsoft-com:vml" xmlns:pvml="urn:schemas-microsoft-com:office:powerpoint" xmlns:com="http://schemas.openxmlformats.org/drawingml/2006/compatibility" xmlns:p14="http://schemas.microsoft.com/office/powerpoint/2010/main" xmlns:p15="http://schemas.microsoft.com/office/powerpoint/2012/main" xmlns:ahyp="http://schemas.microsoft.com/office/drawing/2018/hyperlinkcolor">
   <p:cSld>
     <p:spTree>
       <p:nvGrpSpPr>
-        <p:cNvPr id="311" name="Shape 311"/>
+        <p:cNvPr id="333" name="Shape 333"/>
         <p:cNvGrpSpPr/>
         <p:nvPr/>
       </p:nvGrpSpPr>
@@ -20844,7 +21726,7 @@
       </p:grpSpPr>
       <p:sp>
         <p:nvSpPr>
-          <p:cNvPr id="312" name="Google Shape;312;p36"/>
+          <p:cNvPr id="334" name="Google Shape;334;p38"/>
           <p:cNvSpPr txBox="1"/>
           <p:nvPr>
             <p:ph type="title"/>
@@ -21660,8 +22542,8 @@
         </p:nvSpPr>
         <p:spPr>
           <a:xfrm>
-            <a:off x="2475571" y="4085337"/>
-            <a:ext cx="6668400" cy="307800"/>
+            <a:off x="2475571" y="4198937"/>
+            <a:ext cx="6668429" cy="307777"/>
           </a:xfrm>
           <a:prstGeom prst="rect">
             <a:avLst/>
@@ -21752,7 +22634,7 @@
         </p:nvSpPr>
         <p:spPr>
           <a:xfrm>
-            <a:off x="628650" y="350044"/>
+            <a:off x="628650" y="273844"/>
             <a:ext cx="7886700" cy="685800"/>
           </a:xfrm>
           <a:prstGeom prst="rect">
@@ -21802,7 +22684,7 @@
         <p:spPr>
           <a:xfrm>
             <a:off x="628650" y="1033397"/>
-            <a:ext cx="7886700" cy="3599325"/>
+            <a:ext cx="7886700" cy="3599400"/>
           </a:xfrm>
           <a:prstGeom prst="rect">
             <a:avLst/>
@@ -21832,17 +22714,17 @@
               <a:buNone/>
             </a:pPr>
             <a:r>
-              <a:rPr lang="en-US">
+              <a:rPr lang="en-US" sz="1500">
                 <a:solidFill>
                   <a:srgbClr val="8C6E43"/>
                 </a:solidFill>
               </a:rPr>
               <a:t>12 steps an attacker might try to determine a password</a:t>
             </a:r>
-            <a:endParaRPr/>
-          </a:p>
-          <a:p>
-            <a:pPr indent="-355600" lvl="0" marL="914400" rtl="0" algn="l">
+            <a:endParaRPr sz="1500"/>
+          </a:p>
+          <a:p>
+            <a:pPr indent="-354013" lvl="0" marL="385763" rtl="0" algn="l">
               <a:lnSpc>
                 <a:spcPct val="108000"/>
               </a:lnSpc>
@@ -21852,211 +22734,141 @@
               <a:spcAft>
                 <a:spcPts val="0"/>
               </a:spcAft>
-              <a:buClr>
-                <a:schemeClr val="dk1"/>
-              </a:buClr>
-              <a:buSzPts val="2000"/>
+              <a:buSzPts val="1500"/>
+              <a:buFont typeface="Calibri"/>
               <a:buAutoNum type="arabicPeriod"/>
             </a:pPr>
             <a:r>
-              <a:rPr lang="en-US" sz="2000">
-                <a:solidFill>
-                  <a:schemeClr val="dk1"/>
-                </a:solidFill>
-              </a:rPr>
+              <a:rPr lang="en-US" sz="1500"/>
               <a:t>No password</a:t>
             </a:r>
-            <a:endParaRPr>
-              <a:solidFill>
-                <a:schemeClr val="dk1"/>
-              </a:solidFill>
-            </a:endParaRPr>
-          </a:p>
-          <a:p>
-            <a:pPr indent="-355600" lvl="0" marL="914400" rtl="0" algn="l">
+            <a:endParaRPr sz="1500"/>
+          </a:p>
+          <a:p>
+            <a:pPr indent="-354013" lvl="0" marL="385763" rtl="0" algn="l">
               <a:lnSpc>
                 <a:spcPct val="108000"/>
               </a:lnSpc>
               <a:spcBef>
-                <a:spcPts val="0"/>
-              </a:spcBef>
-              <a:spcAft>
-                <a:spcPts val="0"/>
-              </a:spcAft>
-              <a:buClr>
-                <a:schemeClr val="dk1"/>
-              </a:buClr>
-              <a:buSzPts val="2000"/>
+                <a:spcPts val="900"/>
+              </a:spcBef>
+              <a:spcAft>
+                <a:spcPts val="0"/>
+              </a:spcAft>
+              <a:buSzPts val="1500"/>
+              <a:buFont typeface="Calibri"/>
               <a:buAutoNum type="arabicPeriod"/>
             </a:pPr>
             <a:r>
-              <a:rPr lang="en-US" sz="2000">
-                <a:solidFill>
-                  <a:schemeClr val="dk1"/>
-                </a:solidFill>
-              </a:rPr>
+              <a:rPr lang="en-US" sz="1500"/>
               <a:t>The same as the user ID</a:t>
             </a:r>
-            <a:endParaRPr>
-              <a:solidFill>
-                <a:schemeClr val="dk1"/>
-              </a:solidFill>
-            </a:endParaRPr>
-          </a:p>
-          <a:p>
-            <a:pPr indent="-355600" lvl="0" marL="914400" rtl="0" algn="l">
+            <a:endParaRPr sz="1500"/>
+          </a:p>
+          <a:p>
+            <a:pPr indent="-354013" lvl="0" marL="385763" rtl="0" algn="l">
               <a:lnSpc>
                 <a:spcPct val="108000"/>
               </a:lnSpc>
               <a:spcBef>
-                <a:spcPts val="0"/>
-              </a:spcBef>
-              <a:spcAft>
-                <a:spcPts val="0"/>
-              </a:spcAft>
-              <a:buClr>
-                <a:schemeClr val="dk1"/>
-              </a:buClr>
-              <a:buSzPts val="2000"/>
+                <a:spcPts val="900"/>
+              </a:spcBef>
+              <a:spcAft>
+                <a:spcPts val="0"/>
+              </a:spcAft>
+              <a:buSzPts val="1500"/>
+              <a:buFont typeface="Calibri"/>
               <a:buAutoNum type="arabicPeriod"/>
             </a:pPr>
             <a:r>
-              <a:rPr lang="en-US" sz="2000">
-                <a:solidFill>
-                  <a:schemeClr val="dk1"/>
-                </a:solidFill>
-              </a:rPr>
+              <a:rPr lang="en-US" sz="1500"/>
               <a:t>Is, or is derived from, the user’s name</a:t>
             </a:r>
-            <a:endParaRPr>
-              <a:solidFill>
-                <a:schemeClr val="dk1"/>
-              </a:solidFill>
-            </a:endParaRPr>
-          </a:p>
-          <a:p>
-            <a:pPr indent="-355600" lvl="0" marL="914400" rtl="0" algn="l">
+            <a:endParaRPr sz="1500"/>
+          </a:p>
+          <a:p>
+            <a:pPr indent="-354013" lvl="0" marL="385763" rtl="0" algn="l">
               <a:lnSpc>
                 <a:spcPct val="108000"/>
               </a:lnSpc>
               <a:spcBef>
-                <a:spcPts val="0"/>
-              </a:spcBef>
-              <a:spcAft>
-                <a:spcPts val="0"/>
-              </a:spcAft>
-              <a:buClr>
-                <a:schemeClr val="dk1"/>
-              </a:buClr>
-              <a:buSzPts val="2000"/>
+                <a:spcPts val="900"/>
+              </a:spcBef>
+              <a:spcAft>
+                <a:spcPts val="0"/>
+              </a:spcAft>
+              <a:buSzPts val="1500"/>
+              <a:buFont typeface="Calibri"/>
               <a:buAutoNum type="arabicPeriod"/>
             </a:pPr>
             <a:r>
-              <a:rPr lang="en-US" sz="2000">
-                <a:solidFill>
-                  <a:schemeClr val="dk1"/>
-                </a:solidFill>
-              </a:rPr>
+              <a:rPr lang="en-US" sz="1500"/>
               <a:t>On a common word list (password, secret, private) plus common names and patterns (aaaaaa, qwerty)</a:t>
             </a:r>
-            <a:endParaRPr>
-              <a:solidFill>
-                <a:schemeClr val="dk1"/>
-              </a:solidFill>
-            </a:endParaRPr>
-          </a:p>
-          <a:p>
-            <a:pPr indent="-355600" lvl="0" marL="914400" rtl="0" algn="l">
+            <a:endParaRPr sz="1500"/>
+          </a:p>
+          <a:p>
+            <a:pPr indent="-354013" lvl="0" marL="385763" rtl="0" algn="l">
               <a:lnSpc>
                 <a:spcPct val="108000"/>
               </a:lnSpc>
               <a:spcBef>
-                <a:spcPts val="0"/>
-              </a:spcBef>
-              <a:spcAft>
-                <a:spcPts val="0"/>
-              </a:spcAft>
-              <a:buClr>
-                <a:schemeClr val="dk1"/>
-              </a:buClr>
-              <a:buSzPts val="2000"/>
+                <a:spcPts val="900"/>
+              </a:spcBef>
+              <a:spcAft>
+                <a:spcPts val="0"/>
+              </a:spcAft>
+              <a:buSzPts val="1500"/>
+              <a:buFont typeface="Calibri"/>
               <a:buAutoNum type="arabicPeriod"/>
             </a:pPr>
             <a:r>
-              <a:rPr lang="en-US" sz="2000">
-                <a:solidFill>
-                  <a:schemeClr val="dk1"/>
-                </a:solidFill>
-              </a:rPr>
+              <a:rPr lang="en-US" sz="1500"/>
               <a:t>Contained in a short college dictionary</a:t>
             </a:r>
-            <a:endParaRPr>
-              <a:solidFill>
-                <a:schemeClr val="dk1"/>
-              </a:solidFill>
-            </a:endParaRPr>
-          </a:p>
-          <a:p>
-            <a:pPr indent="-355600" lvl="0" marL="914400" rtl="0" algn="l">
+            <a:endParaRPr sz="1500"/>
+          </a:p>
+          <a:p>
+            <a:pPr indent="-354013" lvl="0" marL="385763" rtl="0" algn="l">
               <a:lnSpc>
                 <a:spcPct val="108000"/>
               </a:lnSpc>
               <a:spcBef>
-                <a:spcPts val="0"/>
-              </a:spcBef>
-              <a:spcAft>
-                <a:spcPts val="0"/>
-              </a:spcAft>
-              <a:buClr>
-                <a:schemeClr val="dk1"/>
-              </a:buClr>
-              <a:buSzPts val="2000"/>
+                <a:spcPts val="900"/>
+              </a:spcBef>
+              <a:spcAft>
+                <a:spcPts val="0"/>
+              </a:spcAft>
+              <a:buSzPts val="1500"/>
+              <a:buFont typeface="Calibri"/>
               <a:buAutoNum type="arabicPeriod"/>
             </a:pPr>
             <a:r>
-              <a:rPr lang="en-US" sz="2000">
-                <a:solidFill>
-                  <a:schemeClr val="dk1"/>
-                </a:solidFill>
-              </a:rPr>
+              <a:rPr lang="en-US" sz="1500"/>
               <a:t>Contained in a complete English word list</a:t>
             </a:r>
-            <a:endParaRPr>
-              <a:solidFill>
-                <a:schemeClr val="dk1"/>
-              </a:solidFill>
-            </a:endParaRPr>
-          </a:p>
-          <a:p>
-            <a:pPr indent="-355600" lvl="0" marL="914400" rtl="0" algn="l">
+            <a:endParaRPr sz="1500"/>
+          </a:p>
+          <a:p>
+            <a:pPr indent="-354013" lvl="0" marL="385763" rtl="0" algn="l">
               <a:lnSpc>
                 <a:spcPct val="108000"/>
               </a:lnSpc>
               <a:spcBef>
-                <a:spcPts val="0"/>
-              </a:spcBef>
-              <a:spcAft>
-                <a:spcPts val="0"/>
-              </a:spcAft>
-              <a:buClr>
-                <a:schemeClr val="dk1"/>
-              </a:buClr>
-              <a:buSzPts val="2000"/>
+                <a:spcPts val="900"/>
+              </a:spcBef>
+              <a:spcAft>
+                <a:spcPts val="0"/>
+              </a:spcAft>
+              <a:buSzPts val="1500"/>
+              <a:buFont typeface="Calibri"/>
               <a:buAutoNum type="arabicPeriod"/>
             </a:pPr>
             <a:r>
-              <a:rPr lang="en-US" sz="2000">
-                <a:solidFill>
-                  <a:schemeClr val="dk1"/>
-                </a:solidFill>
-              </a:rPr>
+              <a:rPr lang="en-US" sz="1500"/>
               <a:t>Contained in common non-English-language dictionaries</a:t>
             </a:r>
-            <a:endParaRPr>
-              <a:solidFill>
-                <a:schemeClr val="dk1"/>
-              </a:solidFill>
-            </a:endParaRPr>
+            <a:endParaRPr sz="1500"/>
           </a:p>
         </p:txBody>
       </p:sp>
@@ -22144,8 +22956,8 @@
         </p:nvSpPr>
         <p:spPr>
           <a:xfrm>
-            <a:off x="1022400" y="1033400"/>
-            <a:ext cx="7638300" cy="3599400"/>
+            <a:off x="628650" y="1033397"/>
+            <a:ext cx="8032130" cy="3599325"/>
           </a:xfrm>
           <a:prstGeom prst="rect">
             <a:avLst/>
@@ -22157,7 +22969,7 @@
         </p:spPr>
         <p:txBody>
           <a:bodyPr anchorCtr="0" anchor="t" bIns="0" lIns="0" spcFirstLastPara="1" rIns="0" wrap="square" tIns="0">
-            <a:normAutofit lnSpcReduction="20000"/>
+            <a:normAutofit/>
           </a:bodyPr>
           <a:lstStyle/>
           <a:p>
@@ -22177,16 +22989,16 @@
             <a:r>
               <a:rPr lang="en-US" sz="2000">
                 <a:solidFill>
-                  <a:schemeClr val="dk1"/>
+                  <a:srgbClr val="8C6E43"/>
                 </a:solidFill>
               </a:rPr>
-              <a:t>8. Contained in a short college dictionary with capitalizations (PaSsWorD) or substitutions (digit 0 for letter O, digit 5 for letter S)</a:t>
-            </a:r>
-            <a:endParaRPr>
-              <a:solidFill>
-                <a:schemeClr val="dk1"/>
-              </a:solidFill>
-            </a:endParaRPr>
+              <a:t>8. </a:t>
+            </a:r>
+            <a:r>
+              <a:rPr lang="en-US" sz="2000"/>
+              <a:t>Contained in a short college dictionary with capitalizations (PaSsWorD) or substitutions (digit 0 for letter O, digit 5 for letter S)</a:t>
+            </a:r>
+            <a:endParaRPr/>
           </a:p>
           <a:p>
             <a:pPr indent="0" lvl="0" marL="0" rtl="0" algn="l">
@@ -22205,16 +23017,16 @@
             <a:r>
               <a:rPr lang="en-US" sz="2000">
                 <a:solidFill>
-                  <a:schemeClr val="dk1"/>
+                  <a:srgbClr val="8C6E43"/>
                 </a:solidFill>
               </a:rPr>
-              <a:t>9. Contained in a complete English dictionary</a:t>
-            </a:r>
-            <a:endParaRPr>
-              <a:solidFill>
-                <a:schemeClr val="dk1"/>
-              </a:solidFill>
-            </a:endParaRPr>
+              <a:t>9. </a:t>
+            </a:r>
+            <a:r>
+              <a:rPr lang="en-US" sz="2000"/>
+              <a:t>Contained in a complete English dictionary</a:t>
+            </a:r>
+            <a:endParaRPr/>
           </a:p>
           <a:p>
             <a:pPr indent="0" lvl="0" marL="0" rtl="0" algn="l">
@@ -22233,16 +23045,16 @@
             <a:r>
               <a:rPr lang="en-US" sz="2000">
                 <a:solidFill>
-                  <a:schemeClr val="dk1"/>
+                  <a:srgbClr val="8C6E43"/>
                 </a:solidFill>
               </a:rPr>
-              <a:t>10. Contained in common non-English dictionaries</a:t>
-            </a:r>
-            <a:endParaRPr>
-              <a:solidFill>
-                <a:schemeClr val="dk1"/>
-              </a:solidFill>
-            </a:endParaRPr>
+              <a:t>10. </a:t>
+            </a:r>
+            <a:r>
+              <a:rPr lang="en-US" sz="2000"/>
+              <a:t>Contained in common non-English dictionaries</a:t>
+            </a:r>
+            <a:endParaRPr/>
           </a:p>
           <a:p>
             <a:pPr indent="0" lvl="0" marL="0" rtl="0" algn="l">
@@ -22261,16 +23073,16 @@
             <a:r>
               <a:rPr lang="en-US" sz="2000">
                 <a:solidFill>
-                  <a:schemeClr val="dk1"/>
+                  <a:srgbClr val="8C6E43"/>
                 </a:solidFill>
               </a:rPr>
-              <a:t>11. Obtained by brute force, trying all possible combinations of alphabetic characters</a:t>
-            </a:r>
-            <a:endParaRPr>
-              <a:solidFill>
-                <a:schemeClr val="dk1"/>
-              </a:solidFill>
-            </a:endParaRPr>
+              <a:t>11. </a:t>
+            </a:r>
+            <a:r>
+              <a:rPr lang="en-US" sz="2000"/>
+              <a:t>Obtained by brute force, trying all possible combinations of alphabetic characters</a:t>
+            </a:r>
+            <a:endParaRPr/>
           </a:p>
           <a:p>
             <a:pPr indent="0" lvl="0" marL="0" rtl="0" algn="l">
@@ -22289,16 +23101,16 @@
             <a:r>
               <a:rPr lang="en-US" sz="2000">
                 <a:solidFill>
-                  <a:schemeClr val="dk1"/>
+                  <a:srgbClr val="8C6E43"/>
                 </a:solidFill>
               </a:rPr>
-              <a:t>12. Obtained by brute force, trying all possible combinations from the full character set</a:t>
-            </a:r>
-            <a:endParaRPr>
-              <a:solidFill>
-                <a:schemeClr val="dk1"/>
-              </a:solidFill>
-            </a:endParaRPr>
+              <a:t>12. </a:t>
+            </a:r>
+            <a:r>
+              <a:rPr lang="en-US" sz="2000"/>
+              <a:t>Obtained by brute force, trying all possible combinations from the full character set</a:t>
+            </a:r>
+            <a:endParaRPr/>
           </a:p>
           <a:p>
             <a:pPr indent="-385763" lvl="0" marL="385763" rtl="0" algn="l">
@@ -22455,18 +23267,10 @@
               <a:buNone/>
             </a:pPr>
             <a:r>
-              <a:rPr lang="en-US" sz="2400">
-                <a:solidFill>
-                  <a:schemeClr val="dk1"/>
-                </a:solidFill>
-              </a:rPr>
+              <a:rPr lang="en-US" sz="2400"/>
               <a:t>Dictionary attacks</a:t>
             </a:r>
-            <a:endParaRPr>
-              <a:solidFill>
-                <a:schemeClr val="dk1"/>
-              </a:solidFill>
-            </a:endParaRPr>
+            <a:endParaRPr/>
           </a:p>
           <a:p>
             <a:pPr indent="-171450" lvl="1" marL="377190" rtl="0" algn="l">
@@ -22479,25 +23283,14 @@
               <a:spcAft>
                 <a:spcPts val="0"/>
               </a:spcAft>
-              <a:buClr>
-                <a:schemeClr val="dk1"/>
-              </a:buClr>
               <a:buSzPts val="2100"/>
               <a:buChar char="▪"/>
             </a:pPr>
             <a:r>
-              <a:rPr lang="en-US" sz="2100">
-                <a:solidFill>
-                  <a:schemeClr val="dk1"/>
-                </a:solidFill>
-              </a:rPr>
+              <a:rPr lang="en-US" sz="2100"/>
               <a:t>A dictionary attack uses a file containing words, phrases, common passwords, and other strings that are likely to be used as a password.</a:t>
             </a:r>
-            <a:endParaRPr>
-              <a:solidFill>
-                <a:schemeClr val="dk1"/>
-              </a:solidFill>
-            </a:endParaRPr>
+            <a:endParaRPr/>
           </a:p>
           <a:p>
             <a:pPr indent="0" lvl="0" marL="0" rtl="0" algn="l">
@@ -22514,18 +23307,10 @@
               <a:buNone/>
             </a:pPr>
             <a:r>
-              <a:rPr lang="en-US" sz="2400">
-                <a:solidFill>
-                  <a:schemeClr val="dk1"/>
-                </a:solidFill>
-              </a:rPr>
+              <a:rPr lang="en-US" sz="2400"/>
               <a:t>Brute-force attacks</a:t>
             </a:r>
-            <a:endParaRPr>
-              <a:solidFill>
-                <a:schemeClr val="dk1"/>
-              </a:solidFill>
-            </a:endParaRPr>
+            <a:endParaRPr/>
           </a:p>
           <a:p>
             <a:pPr indent="-171450" lvl="1" marL="377190" rtl="0" algn="l">
@@ -22538,25 +23323,14 @@
               <a:spcAft>
                 <a:spcPts val="0"/>
               </a:spcAft>
-              <a:buClr>
-                <a:schemeClr val="dk1"/>
-              </a:buClr>
               <a:buSzPts val="2100"/>
               <a:buChar char="▪"/>
             </a:pPr>
             <a:r>
-              <a:rPr lang="en-US" sz="2100">
-                <a:solidFill>
-                  <a:schemeClr val="dk1"/>
-                </a:solidFill>
-              </a:rPr>
+              <a:rPr lang="en-US" sz="2100"/>
               <a:t>A brute-force attack tries every possible combination of characters up to a given length.</a:t>
             </a:r>
-            <a:endParaRPr>
-              <a:solidFill>
-                <a:schemeClr val="dk1"/>
-              </a:solidFill>
-            </a:endParaRPr>
+            <a:endParaRPr/>
           </a:p>
         </p:txBody>
       </p:sp>
@@ -22657,7 +23431,7 @@
         </p:spPr>
         <p:txBody>
           <a:bodyPr anchorCtr="0" anchor="t" bIns="0" lIns="0" spcFirstLastPara="1" rIns="0" wrap="square" tIns="0">
-            <a:normAutofit fontScale="92500" lnSpcReduction="20000"/>
+            <a:normAutofit/>
           </a:bodyPr>
           <a:lstStyle/>
           <a:p>
@@ -22671,7 +23445,7 @@
               <a:spcAft>
                 <a:spcPts val="0"/>
               </a:spcAft>
-              <a:buSzPct val="100000"/>
+              <a:buSzPts val="2100"/>
               <a:buNone/>
             </a:pPr>
             <a:r>
@@ -22684,21 +23458,9 @@
             </a:r>
             <a:r>
               <a:rPr lang="en-US"/>
-              <a:t>- </a:t>
-            </a:r>
-            <a:r>
-              <a:rPr lang="en-US">
-                <a:solidFill>
-                  <a:schemeClr val="dk1"/>
-                </a:solidFill>
-              </a:rPr>
-              <a:t>A method of accessing an obstructed device through attempting multiple combinations of numeric and/or alphanumeric passwords [NIST]. </a:t>
-            </a:r>
-            <a:endParaRPr>
-              <a:solidFill>
-                <a:schemeClr val="dk1"/>
-              </a:solidFill>
-            </a:endParaRPr>
+              <a:t>- A method of accessing an obstructed device through attempting multiple combinations of numeric and/or alphanumeric passwords [NIST]. </a:t>
+            </a:r>
+            <a:endParaRPr/>
           </a:p>
           <a:p>
             <a:pPr indent="0" lvl="0" marL="0" rtl="0" algn="l">
@@ -22711,25 +23473,17 @@
               <a:spcAft>
                 <a:spcPts val="0"/>
               </a:spcAft>
-              <a:buSzPct val="100000"/>
-              <a:buNone/>
-            </a:pPr>
-            <a:r>
-              <a:rPr lang="en-US">
-                <a:solidFill>
-                  <a:schemeClr val="dk1"/>
-                </a:solidFill>
-              </a:rPr>
+              <a:buSzPts val="2100"/>
+              <a:buNone/>
+            </a:pPr>
+            <a:r>
+              <a:rPr lang="en-US"/>
               <a:t>In an exhaustive or brute force attack, the attacker tries all possible passwords, usually in some automated fashion.</a:t>
             </a:r>
-            <a:endParaRPr>
-              <a:solidFill>
-                <a:schemeClr val="dk1"/>
-              </a:solidFill>
-            </a:endParaRPr>
-          </a:p>
-          <a:p>
-            <a:pPr indent="-333375" lvl="0" marL="342900" rtl="0" algn="l">
+            <a:endParaRPr/>
+          </a:p>
+          <a:p>
+            <a:pPr indent="-342900" lvl="0" marL="342900" rtl="0" algn="l">
               <a:lnSpc>
                 <a:spcPct val="108000"/>
               </a:lnSpc>
@@ -22739,26 +23493,15 @@
               <a:spcAft>
                 <a:spcPts val="0"/>
               </a:spcAft>
-              <a:buClr>
-                <a:schemeClr val="dk1"/>
-              </a:buClr>
-              <a:buSzPct val="100000"/>
+              <a:buSzPts val="2000"/>
               <a:buFont typeface="Arial"/>
               <a:buChar char="•"/>
             </a:pPr>
             <a:r>
-              <a:rPr lang="en-US" sz="2000">
-                <a:solidFill>
-                  <a:schemeClr val="dk1"/>
-                </a:solidFill>
-              </a:rPr>
+              <a:rPr lang="en-US" sz="2000"/>
               <a:t>Guessing probable passwords</a:t>
             </a:r>
-            <a:endParaRPr>
-              <a:solidFill>
-                <a:schemeClr val="dk1"/>
-              </a:solidFill>
-            </a:endParaRPr>
+            <a:endParaRPr/>
           </a:p>
           <a:p>
             <a:pPr indent="-123443" lvl="2" marL="514350" rtl="0" algn="l">
@@ -22771,22 +23514,14 @@
               <a:spcAft>
                 <a:spcPts val="0"/>
               </a:spcAft>
-              <a:buSzPct val="100000"/>
-              <a:buNone/>
-            </a:pPr>
-            <a:r>
-              <a:rPr lang="en-US" sz="1800">
-                <a:solidFill>
-                  <a:schemeClr val="dk1"/>
-                </a:solidFill>
-              </a:rPr>
+              <a:buSzPts val="1800"/>
+              <a:buNone/>
+            </a:pPr>
+            <a:r>
+              <a:rPr lang="en-US" sz="1800"/>
               <a:t>-- For passwords of length 3 or less (not case sensitive, letters only):</a:t>
             </a:r>
-            <a:endParaRPr>
-              <a:solidFill>
-                <a:schemeClr val="dk1"/>
-              </a:solidFill>
-            </a:endParaRPr>
+            <a:endParaRPr/>
           </a:p>
           <a:p>
             <a:pPr indent="-123443" lvl="2" marL="514350" rtl="0" algn="l">
@@ -22799,22 +23534,14 @@
               <a:spcAft>
                 <a:spcPts val="0"/>
               </a:spcAft>
-              <a:buSzPct val="100000"/>
-              <a:buNone/>
-            </a:pPr>
-            <a:r>
-              <a:rPr lang="en-US" sz="1800">
-                <a:solidFill>
-                  <a:schemeClr val="dk1"/>
-                </a:solidFill>
-              </a:rPr>
+              <a:buSzPts val="1800"/>
+              <a:buNone/>
+            </a:pPr>
+            <a:r>
+              <a:rPr lang="en-US" sz="1800"/>
               <a:t>    26 + 26*26 + 26*26*26 = 18278 possible passwords</a:t>
             </a:r>
-            <a:endParaRPr>
-              <a:solidFill>
-                <a:schemeClr val="dk1"/>
-              </a:solidFill>
-            </a:endParaRPr>
+            <a:endParaRPr/>
           </a:p>
           <a:p>
             <a:pPr indent="-123443" lvl="2" marL="514350" rtl="0" algn="l">
@@ -22827,22 +23554,14 @@
               <a:spcAft>
                 <a:spcPts val="0"/>
               </a:spcAft>
-              <a:buSzPct val="100000"/>
-              <a:buNone/>
-            </a:pPr>
-            <a:r>
-              <a:rPr lang="en-US" sz="1800">
-                <a:solidFill>
-                  <a:schemeClr val="dk1"/>
-                </a:solidFill>
-              </a:rPr>
+              <a:buSzPts val="1800"/>
+              <a:buNone/>
+            </a:pPr>
+            <a:r>
+              <a:rPr lang="en-US" sz="1800"/>
               <a:t>    1 password guess per millisecond – 18.278 seconds</a:t>
             </a:r>
-            <a:endParaRPr>
-              <a:solidFill>
-                <a:schemeClr val="dk1"/>
-              </a:solidFill>
-            </a:endParaRPr>
+            <a:endParaRPr/>
           </a:p>
           <a:p>
             <a:pPr indent="-123443" lvl="2" marL="514350" rtl="0" algn="l">
@@ -22855,22 +23574,14 @@
               <a:spcAft>
                 <a:spcPts val="0"/>
               </a:spcAft>
-              <a:buSzPct val="100000"/>
-              <a:buNone/>
-            </a:pPr>
-            <a:r>
-              <a:rPr lang="en-US" sz="1800">
-                <a:solidFill>
-                  <a:schemeClr val="dk1"/>
-                </a:solidFill>
-              </a:rPr>
+              <a:buSzPts val="1800"/>
+              <a:buNone/>
+            </a:pPr>
+            <a:r>
+              <a:rPr lang="en-US" sz="1800"/>
               <a:t>-- 4 characters – 475 seconds</a:t>
             </a:r>
-            <a:endParaRPr>
-              <a:solidFill>
-                <a:schemeClr val="dk1"/>
-              </a:solidFill>
-            </a:endParaRPr>
+            <a:endParaRPr/>
           </a:p>
           <a:p>
             <a:pPr indent="-123443" lvl="2" marL="514350" rtl="0" algn="l">
@@ -22883,22 +23594,14 @@
               <a:spcAft>
                 <a:spcPts val="0"/>
               </a:spcAft>
-              <a:buSzPct val="100000"/>
-              <a:buNone/>
-            </a:pPr>
-            <a:r>
-              <a:rPr lang="en-US" sz="1800">
-                <a:solidFill>
-                  <a:schemeClr val="dk1"/>
-                </a:solidFill>
-              </a:rPr>
+              <a:buSzPts val="1800"/>
+              <a:buNone/>
+            </a:pPr>
+            <a:r>
+              <a:rPr lang="en-US" sz="1800"/>
               <a:t>-- 5 characters – 12,356 seconds (3.5 hours)</a:t>
             </a:r>
-            <a:endParaRPr>
-              <a:solidFill>
-                <a:schemeClr val="dk1"/>
-              </a:solidFill>
-            </a:endParaRPr>
+            <a:endParaRPr/>
           </a:p>
           <a:p>
             <a:pPr indent="0" lvl="0" marL="0" rtl="0" algn="l">
@@ -22911,17 +23614,13 @@
               <a:spcAft>
                 <a:spcPts val="0"/>
               </a:spcAft>
-              <a:buSzPct val="100000"/>
+              <a:buSzPts val="2100"/>
               <a:buNone/>
             </a:pPr>
             <a:r>
               <a:t/>
             </a:r>
-            <a:endParaRPr>
-              <a:solidFill>
-                <a:schemeClr val="dk1"/>
-              </a:solidFill>
-            </a:endParaRPr>
+            <a:endParaRPr/>
           </a:p>
           <a:p>
             <a:pPr indent="0" lvl="0" marL="0" rtl="0" algn="l">
@@ -22934,7 +23633,7 @@
               <a:spcAft>
                 <a:spcPts val="0"/>
               </a:spcAft>
-              <a:buSzPct val="100000"/>
+              <a:buSzPts val="2100"/>
               <a:buNone/>
             </a:pPr>
             <a:r>
@@ -23232,285 +23931,6 @@
 </file>
 
 <file path=ppt/theme/theme2.xml><?xml version="1.0" encoding="utf-8"?>
-<a:theme xmlns:a="http://schemas.openxmlformats.org/drawingml/2006/main" xmlns:r="http://schemas.openxmlformats.org/officeDocument/2006/relationships" name="Title">
-  <a:themeElements>
-    <a:clrScheme name="Office">
-      <a:dk1>
-        <a:srgbClr val="000000"/>
-      </a:dk1>
-      <a:lt1>
-        <a:srgbClr val="FFFFFF"/>
-      </a:lt1>
-      <a:dk2>
-        <a:srgbClr val="1F497D"/>
-      </a:dk2>
-      <a:lt2>
-        <a:srgbClr val="EEECE1"/>
-      </a:lt2>
-      <a:accent1>
-        <a:srgbClr val="4F81BD"/>
-      </a:accent1>
-      <a:accent2>
-        <a:srgbClr val="C0504D"/>
-      </a:accent2>
-      <a:accent3>
-        <a:srgbClr val="9BBB59"/>
-      </a:accent3>
-      <a:accent4>
-        <a:srgbClr val="8064A2"/>
-      </a:accent4>
-      <a:accent5>
-        <a:srgbClr val="4BACC6"/>
-      </a:accent5>
-      <a:accent6>
-        <a:srgbClr val="F79646"/>
-      </a:accent6>
-      <a:hlink>
-        <a:srgbClr val="0000FF"/>
-      </a:hlink>
-      <a:folHlink>
-        <a:srgbClr val="800080"/>
-      </a:folHlink>
-    </a:clrScheme>
-    <a:fontScheme name="Office">
-      <a:majorFont>
-        <a:latin typeface="Arial"/>
-        <a:ea typeface=""/>
-        <a:cs typeface=""/>
-        <a:font script="Jpan" typeface="ＭＳ Ｐゴシック"/>
-        <a:font script="Hang" typeface="맑은 고딕"/>
-        <a:font script="Hans" typeface="宋体"/>
-        <a:font script="Hant" typeface="新細明體"/>
-        <a:font script="Arab" typeface="Times New Roman"/>
-        <a:font script="Hebr" typeface="Times New Roman"/>
-        <a:font script="Thai" typeface="Angsana New"/>
-        <a:font script="Ethi" typeface="Nyala"/>
-        <a:font script="Beng" typeface="Vrinda"/>
-        <a:font script="Gujr" typeface="Shruti"/>
-        <a:font script="Khmr" typeface="MoolBoran"/>
-        <a:font script="Knda" typeface="Tunga"/>
-        <a:font script="Guru" typeface="Raavi"/>
-        <a:font script="Cans" typeface="Euphemia"/>
-        <a:font script="Cher" typeface="Plantagenet Cherokee"/>
-        <a:font script="Yiii" typeface="Microsoft Yi Baiti"/>
-        <a:font script="Tibt" typeface="Microsoft Himalaya"/>
-        <a:font script="Thaa" typeface="MV Boli"/>
-        <a:font script="Deva" typeface="Mangal"/>
-        <a:font script="Telu" typeface="Gautami"/>
-        <a:font script="Taml" typeface="Latha"/>
-        <a:font script="Syrc" typeface="Estrangelo Edessa"/>
-        <a:font script="Orya" typeface="Kalinga"/>
-        <a:font script="Mlym" typeface="Kartika"/>
-        <a:font script="Laoo" typeface="DokChampa"/>
-        <a:font script="Sinh" typeface="Iskoola Pota"/>
-        <a:font script="Mong" typeface="Mongolian Baiti"/>
-        <a:font script="Viet" typeface="Times New Roman"/>
-        <a:font script="Uigh" typeface="Microsoft Uighur"/>
-        <a:font script="Geor" typeface="Sylfaen"/>
-      </a:majorFont>
-      <a:minorFont>
-        <a:latin typeface="Arial"/>
-        <a:ea typeface=""/>
-        <a:cs typeface=""/>
-        <a:font script="Jpan" typeface="ＭＳ Ｐゴシック"/>
-        <a:font script="Hang" typeface="맑은 고딕"/>
-        <a:font script="Hans" typeface="宋体"/>
-        <a:font script="Hant" typeface="新細明體"/>
-        <a:font script="Arab" typeface="Arial"/>
-        <a:font script="Hebr" typeface="Arial"/>
-        <a:font script="Thai" typeface="Cordia New"/>
-        <a:font script="Ethi" typeface="Nyala"/>
-        <a:font script="Beng" typeface="Vrinda"/>
-        <a:font script="Gujr" typeface="Shruti"/>
-        <a:font script="Khmr" typeface="DaunPenh"/>
-        <a:font script="Knda" typeface="Tunga"/>
-        <a:font script="Guru" typeface="Raavi"/>
-        <a:font script="Cans" typeface="Euphemia"/>
-        <a:font script="Cher" typeface="Plantagenet Cherokee"/>
-        <a:font script="Yiii" typeface="Microsoft Yi Baiti"/>
-        <a:font script="Tibt" typeface="Microsoft Himalaya"/>
-        <a:font script="Thaa" typeface="MV Boli"/>
-        <a:font script="Deva" typeface="Mangal"/>
-        <a:font script="Telu" typeface="Gautami"/>
-        <a:font script="Taml" typeface="Latha"/>
-        <a:font script="Syrc" typeface="Estrangelo Edessa"/>
-        <a:font script="Orya" typeface="Kalinga"/>
-        <a:font script="Mlym" typeface="Kartika"/>
-        <a:font script="Laoo" typeface="DokChampa"/>
-        <a:font script="Sinh" typeface="Iskoola Pota"/>
-        <a:font script="Mong" typeface="Mongolian Baiti"/>
-        <a:font script="Viet" typeface="Arial"/>
-        <a:font script="Uigh" typeface="Microsoft Uighur"/>
-        <a:font script="Geor" typeface="Sylfaen"/>
-      </a:minorFont>
-    </a:fontScheme>
-    <a:fmtScheme name="Office">
-      <a:fillStyleLst>
-        <a:solidFill>
-          <a:schemeClr val="phClr"/>
-        </a:solidFill>
-        <a:gradFill rotWithShape="1">
-          <a:gsLst>
-            <a:gs pos="0">
-              <a:schemeClr val="phClr">
-                <a:tint val="50000"/>
-                <a:satMod val="300000"/>
-              </a:schemeClr>
-            </a:gs>
-            <a:gs pos="35000">
-              <a:schemeClr val="phClr">
-                <a:tint val="37000"/>
-                <a:satMod val="300000"/>
-              </a:schemeClr>
-            </a:gs>
-            <a:gs pos="100000">
-              <a:schemeClr val="phClr">
-                <a:tint val="15000"/>
-                <a:satMod val="350000"/>
-              </a:schemeClr>
-            </a:gs>
-          </a:gsLst>
-          <a:lin ang="16200000" scaled="1"/>
-        </a:gradFill>
-        <a:gradFill rotWithShape="1">
-          <a:gsLst>
-            <a:gs pos="0">
-              <a:schemeClr val="phClr">
-                <a:tint val="100000"/>
-                <a:shade val="100000"/>
-                <a:satMod val="130000"/>
-              </a:schemeClr>
-            </a:gs>
-            <a:gs pos="100000">
-              <a:schemeClr val="phClr">
-                <a:tint val="50000"/>
-                <a:shade val="100000"/>
-                <a:satMod val="350000"/>
-              </a:schemeClr>
-            </a:gs>
-          </a:gsLst>
-          <a:lin ang="16200000" scaled="0"/>
-        </a:gradFill>
-      </a:fillStyleLst>
-      <a:lnStyleLst>
-        <a:ln w="9525" cap="flat" cmpd="sng" algn="ctr">
-          <a:solidFill>
-            <a:schemeClr val="phClr">
-              <a:shade val="95000"/>
-              <a:satMod val="105000"/>
-            </a:schemeClr>
-          </a:solidFill>
-          <a:prstDash val="solid"/>
-        </a:ln>
-        <a:ln w="25400" cap="flat" cmpd="sng" algn="ctr">
-          <a:solidFill>
-            <a:schemeClr val="phClr"/>
-          </a:solidFill>
-          <a:prstDash val="solid"/>
-        </a:ln>
-        <a:ln w="38100" cap="flat" cmpd="sng" algn="ctr">
-          <a:solidFill>
-            <a:schemeClr val="phClr"/>
-          </a:solidFill>
-          <a:prstDash val="solid"/>
-        </a:ln>
-      </a:lnStyleLst>
-      <a:effectStyleLst>
-        <a:effectStyle>
-          <a:effectLst>
-            <a:outerShdw blurRad="40000" dist="20000" dir="5400000" rotWithShape="0">
-              <a:srgbClr val="000000">
-                <a:alpha val="38000"/>
-              </a:srgbClr>
-            </a:outerShdw>
-          </a:effectLst>
-        </a:effectStyle>
-        <a:effectStyle>
-          <a:effectLst>
-            <a:outerShdw blurRad="40000" dist="23000" dir="5400000" rotWithShape="0">
-              <a:srgbClr val="000000">
-                <a:alpha val="35000"/>
-              </a:srgbClr>
-            </a:outerShdw>
-          </a:effectLst>
-        </a:effectStyle>
-        <a:effectStyle>
-          <a:effectLst>
-            <a:outerShdw blurRad="40000" dist="23000" dir="5400000" rotWithShape="0">
-              <a:srgbClr val="000000">
-                <a:alpha val="35000"/>
-              </a:srgbClr>
-            </a:outerShdw>
-          </a:effectLst>
-          <a:scene3d>
-            <a:camera prst="orthographicFront">
-              <a:rot lat="0" lon="0" rev="0"/>
-            </a:camera>
-            <a:lightRig rig="threePt" dir="t">
-              <a:rot lat="0" lon="0" rev="1200000"/>
-            </a:lightRig>
-          </a:scene3d>
-          <a:sp3d>
-            <a:bevelT w="63500" h="25400"/>
-          </a:sp3d>
-        </a:effectStyle>
-      </a:effectStyleLst>
-      <a:bgFillStyleLst>
-        <a:solidFill>
-          <a:schemeClr val="phClr"/>
-        </a:solidFill>
-        <a:gradFill rotWithShape="1">
-          <a:gsLst>
-            <a:gs pos="0">
-              <a:schemeClr val="phClr">
-                <a:tint val="40000"/>
-                <a:satMod val="350000"/>
-              </a:schemeClr>
-            </a:gs>
-            <a:gs pos="40000">
-              <a:schemeClr val="phClr">
-                <a:tint val="45000"/>
-                <a:shade val="99000"/>
-                <a:satMod val="350000"/>
-              </a:schemeClr>
-            </a:gs>
-            <a:gs pos="100000">
-              <a:schemeClr val="phClr">
-                <a:shade val="20000"/>
-                <a:satMod val="255000"/>
-              </a:schemeClr>
-            </a:gs>
-          </a:gsLst>
-          <a:path path="circle">
-            <a:fillToRect l="50000" t="-80000" r="50000" b="180000"/>
-          </a:path>
-        </a:gradFill>
-        <a:gradFill rotWithShape="1">
-          <a:gsLst>
-            <a:gs pos="0">
-              <a:schemeClr val="phClr">
-                <a:tint val="80000"/>
-                <a:satMod val="300000"/>
-              </a:schemeClr>
-            </a:gs>
-            <a:gs pos="100000">
-              <a:schemeClr val="phClr">
-                <a:shade val="30000"/>
-                <a:satMod val="200000"/>
-              </a:schemeClr>
-            </a:gs>
-          </a:gsLst>
-          <a:path path="circle">
-            <a:fillToRect l="50000" t="50000" r="50000" b="50000"/>
-          </a:path>
-        </a:gradFill>
-      </a:bgFillStyleLst>
-    </a:fmtScheme>
-  </a:themeElements>
-</a:theme>
-</file>
-
-<file path=ppt/theme/theme3.xml><?xml version="1.0" encoding="utf-8"?>
 <a:theme xmlns:a="http://schemas.openxmlformats.org/drawingml/2006/main" xmlns:r="http://schemas.openxmlformats.org/officeDocument/2006/relationships" name="UI_ED_template_2015">
   <a:themeElements>
     <a:clrScheme name="Office">
@@ -23789,7 +24209,7 @@
 </a:theme>
 </file>
 
-<file path=ppt/theme/theme4.xml><?xml version="1.0" encoding="utf-8"?>
+<file path=ppt/theme/theme3.xml><?xml version="1.0" encoding="utf-8"?>
 <a:theme xmlns:a="http://schemas.openxmlformats.org/drawingml/2006/main" xmlns:r="http://schemas.openxmlformats.org/officeDocument/2006/relationships" name="Office Theme">
   <a:themeElements>
     <a:clrScheme name="Office">
@@ -24066,4 +24486,283 @@
     </a:fmtScheme>
   </a:themeElements>
 </a:theme>
+</file>
+
+<file path=ppt/theme/theme4.xml><?xml version="1.0" encoding="utf-8"?>
+<a:theme xmlns:a="http://schemas.openxmlformats.org/drawingml/2006/main" xmlns:r="http://schemas.openxmlformats.org/officeDocument/2006/relationships" name="Title">
+  <a:themeElements>
+    <a:clrScheme name="Office">
+      <a:dk1>
+        <a:srgbClr val="000000"/>
+      </a:dk1>
+      <a:lt1>
+        <a:srgbClr val="FFFFFF"/>
+      </a:lt1>
+      <a:dk2>
+        <a:srgbClr val="1F497D"/>
+      </a:dk2>
+      <a:lt2>
+        <a:srgbClr val="EEECE1"/>
+      </a:lt2>
+      <a:accent1>
+        <a:srgbClr val="4F81BD"/>
+      </a:accent1>
+      <a:accent2>
+        <a:srgbClr val="C0504D"/>
+      </a:accent2>
+      <a:accent3>
+        <a:srgbClr val="9BBB59"/>
+      </a:accent3>
+      <a:accent4>
+        <a:srgbClr val="8064A2"/>
+      </a:accent4>
+      <a:accent5>
+        <a:srgbClr val="4BACC6"/>
+      </a:accent5>
+      <a:accent6>
+        <a:srgbClr val="F79646"/>
+      </a:accent6>
+      <a:hlink>
+        <a:srgbClr val="0000FF"/>
+      </a:hlink>
+      <a:folHlink>
+        <a:srgbClr val="800080"/>
+      </a:folHlink>
+    </a:clrScheme>
+    <a:fontScheme name="Office">
+      <a:majorFont>
+        <a:latin typeface="Arial"/>
+        <a:ea typeface=""/>
+        <a:cs typeface=""/>
+        <a:font script="Jpan" typeface="ＭＳ Ｐゴシック"/>
+        <a:font script="Hang" typeface="맑은 고딕"/>
+        <a:font script="Hans" typeface="宋体"/>
+        <a:font script="Hant" typeface="新細明體"/>
+        <a:font script="Arab" typeface="Times New Roman"/>
+        <a:font script="Hebr" typeface="Times New Roman"/>
+        <a:font script="Thai" typeface="Angsana New"/>
+        <a:font script="Ethi" typeface="Nyala"/>
+        <a:font script="Beng" typeface="Vrinda"/>
+        <a:font script="Gujr" typeface="Shruti"/>
+        <a:font script="Khmr" typeface="MoolBoran"/>
+        <a:font script="Knda" typeface="Tunga"/>
+        <a:font script="Guru" typeface="Raavi"/>
+        <a:font script="Cans" typeface="Euphemia"/>
+        <a:font script="Cher" typeface="Plantagenet Cherokee"/>
+        <a:font script="Yiii" typeface="Microsoft Yi Baiti"/>
+        <a:font script="Tibt" typeface="Microsoft Himalaya"/>
+        <a:font script="Thaa" typeface="MV Boli"/>
+        <a:font script="Deva" typeface="Mangal"/>
+        <a:font script="Telu" typeface="Gautami"/>
+        <a:font script="Taml" typeface="Latha"/>
+        <a:font script="Syrc" typeface="Estrangelo Edessa"/>
+        <a:font script="Orya" typeface="Kalinga"/>
+        <a:font script="Mlym" typeface="Kartika"/>
+        <a:font script="Laoo" typeface="DokChampa"/>
+        <a:font script="Sinh" typeface="Iskoola Pota"/>
+        <a:font script="Mong" typeface="Mongolian Baiti"/>
+        <a:font script="Viet" typeface="Times New Roman"/>
+        <a:font script="Uigh" typeface="Microsoft Uighur"/>
+        <a:font script="Geor" typeface="Sylfaen"/>
+      </a:majorFont>
+      <a:minorFont>
+        <a:latin typeface="Arial"/>
+        <a:ea typeface=""/>
+        <a:cs typeface=""/>
+        <a:font script="Jpan" typeface="ＭＳ Ｐゴシック"/>
+        <a:font script="Hang" typeface="맑은 고딕"/>
+        <a:font script="Hans" typeface="宋体"/>
+        <a:font script="Hant" typeface="新細明體"/>
+        <a:font script="Arab" typeface="Arial"/>
+        <a:font script="Hebr" typeface="Arial"/>
+        <a:font script="Thai" typeface="Cordia New"/>
+        <a:font script="Ethi" typeface="Nyala"/>
+        <a:font script="Beng" typeface="Vrinda"/>
+        <a:font script="Gujr" typeface="Shruti"/>
+        <a:font script="Khmr" typeface="DaunPenh"/>
+        <a:font script="Knda" typeface="Tunga"/>
+        <a:font script="Guru" typeface="Raavi"/>
+        <a:font script="Cans" typeface="Euphemia"/>
+        <a:font script="Cher" typeface="Plantagenet Cherokee"/>
+        <a:font script="Yiii" typeface="Microsoft Yi Baiti"/>
+        <a:font script="Tibt" typeface="Microsoft Himalaya"/>
+        <a:font script="Thaa" typeface="MV Boli"/>
+        <a:font script="Deva" typeface="Mangal"/>
+        <a:font script="Telu" typeface="Gautami"/>
+        <a:font script="Taml" typeface="Latha"/>
+        <a:font script="Syrc" typeface="Estrangelo Edessa"/>
+        <a:font script="Orya" typeface="Kalinga"/>
+        <a:font script="Mlym" typeface="Kartika"/>
+        <a:font script="Laoo" typeface="DokChampa"/>
+        <a:font script="Sinh" typeface="Iskoola Pota"/>
+        <a:font script="Mong" typeface="Mongolian Baiti"/>
+        <a:font script="Viet" typeface="Arial"/>
+        <a:font script="Uigh" typeface="Microsoft Uighur"/>
+        <a:font script="Geor" typeface="Sylfaen"/>
+      </a:minorFont>
+    </a:fontScheme>
+    <a:fmtScheme name="Office">
+      <a:fillStyleLst>
+        <a:solidFill>
+          <a:schemeClr val="phClr"/>
+        </a:solidFill>
+        <a:gradFill rotWithShape="1">
+          <a:gsLst>
+            <a:gs pos="0">
+              <a:schemeClr val="phClr">
+                <a:tint val="50000"/>
+                <a:satMod val="300000"/>
+              </a:schemeClr>
+            </a:gs>
+            <a:gs pos="35000">
+              <a:schemeClr val="phClr">
+                <a:tint val="37000"/>
+                <a:satMod val="300000"/>
+              </a:schemeClr>
+            </a:gs>
+            <a:gs pos="100000">
+              <a:schemeClr val="phClr">
+                <a:tint val="15000"/>
+                <a:satMod val="350000"/>
+              </a:schemeClr>
+            </a:gs>
+          </a:gsLst>
+          <a:lin ang="16200000" scaled="1"/>
+        </a:gradFill>
+        <a:gradFill rotWithShape="1">
+          <a:gsLst>
+            <a:gs pos="0">
+              <a:schemeClr val="phClr">
+                <a:tint val="100000"/>
+                <a:shade val="100000"/>
+                <a:satMod val="130000"/>
+              </a:schemeClr>
+            </a:gs>
+            <a:gs pos="100000">
+              <a:schemeClr val="phClr">
+                <a:tint val="50000"/>
+                <a:shade val="100000"/>
+                <a:satMod val="350000"/>
+              </a:schemeClr>
+            </a:gs>
+          </a:gsLst>
+          <a:lin ang="16200000" scaled="0"/>
+        </a:gradFill>
+      </a:fillStyleLst>
+      <a:lnStyleLst>
+        <a:ln w="9525" cap="flat" cmpd="sng" algn="ctr">
+          <a:solidFill>
+            <a:schemeClr val="phClr">
+              <a:shade val="95000"/>
+              <a:satMod val="105000"/>
+            </a:schemeClr>
+          </a:solidFill>
+          <a:prstDash val="solid"/>
+        </a:ln>
+        <a:ln w="25400" cap="flat" cmpd="sng" algn="ctr">
+          <a:solidFill>
+            <a:schemeClr val="phClr"/>
+          </a:solidFill>
+          <a:prstDash val="solid"/>
+        </a:ln>
+        <a:ln w="38100" cap="flat" cmpd="sng" algn="ctr">
+          <a:solidFill>
+            <a:schemeClr val="phClr"/>
+          </a:solidFill>
+          <a:prstDash val="solid"/>
+        </a:ln>
+      </a:lnStyleLst>
+      <a:effectStyleLst>
+        <a:effectStyle>
+          <a:effectLst>
+            <a:outerShdw blurRad="40000" dist="20000" dir="5400000" rotWithShape="0">
+              <a:srgbClr val="000000">
+                <a:alpha val="38000"/>
+              </a:srgbClr>
+            </a:outerShdw>
+          </a:effectLst>
+        </a:effectStyle>
+        <a:effectStyle>
+          <a:effectLst>
+            <a:outerShdw blurRad="40000" dist="23000" dir="5400000" rotWithShape="0">
+              <a:srgbClr val="000000">
+                <a:alpha val="35000"/>
+              </a:srgbClr>
+            </a:outerShdw>
+          </a:effectLst>
+        </a:effectStyle>
+        <a:effectStyle>
+          <a:effectLst>
+            <a:outerShdw blurRad="40000" dist="23000" dir="5400000" rotWithShape="0">
+              <a:srgbClr val="000000">
+                <a:alpha val="35000"/>
+              </a:srgbClr>
+            </a:outerShdw>
+          </a:effectLst>
+          <a:scene3d>
+            <a:camera prst="orthographicFront">
+              <a:rot lat="0" lon="0" rev="0"/>
+            </a:camera>
+            <a:lightRig rig="threePt" dir="t">
+              <a:rot lat="0" lon="0" rev="1200000"/>
+            </a:lightRig>
+          </a:scene3d>
+          <a:sp3d>
+            <a:bevelT w="63500" h="25400"/>
+          </a:sp3d>
+        </a:effectStyle>
+      </a:effectStyleLst>
+      <a:bgFillStyleLst>
+        <a:solidFill>
+          <a:schemeClr val="phClr"/>
+        </a:solidFill>
+        <a:gradFill rotWithShape="1">
+          <a:gsLst>
+            <a:gs pos="0">
+              <a:schemeClr val="phClr">
+                <a:tint val="40000"/>
+                <a:satMod val="350000"/>
+              </a:schemeClr>
+            </a:gs>
+            <a:gs pos="40000">
+              <a:schemeClr val="phClr">
+                <a:tint val="45000"/>
+                <a:shade val="99000"/>
+                <a:satMod val="350000"/>
+              </a:schemeClr>
+            </a:gs>
+            <a:gs pos="100000">
+              <a:schemeClr val="phClr">
+                <a:shade val="20000"/>
+                <a:satMod val="255000"/>
+              </a:schemeClr>
+            </a:gs>
+          </a:gsLst>
+          <a:path path="circle">
+            <a:fillToRect l="50000" t="-80000" r="50000" b="180000"/>
+          </a:path>
+        </a:gradFill>
+        <a:gradFill rotWithShape="1">
+          <a:gsLst>
+            <a:gs pos="0">
+              <a:schemeClr val="phClr">
+                <a:tint val="80000"/>
+                <a:satMod val="300000"/>
+              </a:schemeClr>
+            </a:gs>
+            <a:gs pos="100000">
+              <a:schemeClr val="phClr">
+                <a:shade val="30000"/>
+                <a:satMod val="200000"/>
+              </a:schemeClr>
+            </a:gs>
+          </a:gsLst>
+          <a:path path="circle">
+            <a:fillToRect l="50000" t="50000" r="50000" b="50000"/>
+          </a:path>
+        </a:gradFill>
+      </a:bgFillStyleLst>
+    </a:fmtScheme>
+  </a:themeElements>
+</a:theme>
 </file>